--- a/华为挑战赛-更新中-思路简图.pptx
+++ b/华为挑战赛-更新中-思路简图.pptx
@@ -11,11 +11,12 @@
     <p:sldId id="303" r:id="rId6"/>
     <p:sldId id="306" r:id="rId7"/>
     <p:sldId id="307" r:id="rId8"/>
+    <p:sldId id="308" r:id="rId9"/>
   </p:sldIdLst>
   <p:sldSz cx="12192000" cy="6858000"/>
   <p:notesSz cx="6858000" cy="9144000"/>
   <p:custDataLst>
-    <p:tags r:id="rId12"/>
+    <p:tags r:id="rId13"/>
   </p:custDataLst>
   <p:defaultTextStyle>
     <a:defPPr>
@@ -8162,7 +8163,7 @@
         <p:spPr>
           <a:xfrm>
             <a:off x="624840" y="86360"/>
-            <a:ext cx="7778750" cy="583565"/>
+            <a:ext cx="5752465" cy="583565"/>
           </a:xfrm>
           <a:prstGeom prst="rect">
             <a:avLst/>
@@ -8189,7 +8190,24 @@
                 <a:latin typeface="微软雅黑" panose="020B0503020204020204" charset="-122"/>
                 <a:ea typeface="微软雅黑" panose="020B0503020204020204" charset="-122"/>
               </a:rPr>
-              <a:t>更新</a:t>
+              <a:t>怎么走（完美曲线，最短</a:t>
+            </a:r>
+            <a:r>
+              <a:rPr lang="zh-CN" altLang="en-US" sz="3200" b="1">
+                <a:solidFill>
+                  <a:schemeClr val="tx1"/>
+                </a:solidFill>
+                <a:effectLst>
+                  <a:outerShdw blurRad="38100" dist="19050" dir="2700000" algn="tl" rotWithShape="0">
+                    <a:schemeClr val="dk1">
+                      <a:alpha val="40000"/>
+                    </a:schemeClr>
+                  </a:outerShdw>
+                </a:effectLst>
+                <a:latin typeface="微软雅黑" panose="020B0503020204020204" charset="-122"/>
+                <a:ea typeface="微软雅黑" panose="020B0503020204020204" charset="-122"/>
+              </a:rPr>
+              <a:t>时间）</a:t>
             </a:r>
             <a:endParaRPr lang="zh-CN" altLang="en-US" sz="3200" b="1">
               <a:solidFill>
@@ -8321,6 +8339,999 @@
           </a:p>
         </p:txBody>
       </p:sp>
+      <p:cxnSp>
+        <p:nvCxnSpPr>
+          <p:cNvPr id="2" name="直接箭头连接符 1"/>
+          <p:cNvCxnSpPr/>
+          <p:nvPr/>
+        </p:nvCxnSpPr>
+        <p:spPr>
+          <a:xfrm flipV="1">
+            <a:off x="1587500" y="1157605"/>
+            <a:ext cx="6985" cy="4719955"/>
+          </a:xfrm>
+          <a:prstGeom prst="straightConnector1">
+            <a:avLst/>
+          </a:prstGeom>
+          <a:ln w="28575" cmpd="sng">
+            <a:solidFill>
+              <a:schemeClr val="accent1">
+                <a:shade val="50000"/>
+              </a:schemeClr>
+            </a:solidFill>
+            <a:prstDash val="solid"/>
+            <a:tailEnd type="arrow"/>
+          </a:ln>
+        </p:spPr>
+        <p:style>
+          <a:lnRef idx="1">
+            <a:schemeClr val="accent1"/>
+          </a:lnRef>
+          <a:fillRef idx="0">
+            <a:schemeClr val="accent1"/>
+          </a:fillRef>
+          <a:effectRef idx="0">
+            <a:schemeClr val="accent1"/>
+          </a:effectRef>
+          <a:fontRef idx="minor">
+            <a:schemeClr val="tx1"/>
+          </a:fontRef>
+        </p:style>
+      </p:cxnSp>
+      <p:cxnSp>
+        <p:nvCxnSpPr>
+          <p:cNvPr id="3" name="直接箭头连接符 2"/>
+          <p:cNvCxnSpPr/>
+          <p:nvPr>
+            <p:custDataLst>
+              <p:tags r:id="rId1"/>
+            </p:custDataLst>
+          </p:nvPr>
+        </p:nvCxnSpPr>
+        <p:spPr>
+          <a:xfrm flipV="1">
+            <a:off x="1587500" y="5841365"/>
+            <a:ext cx="8627745" cy="36195"/>
+          </a:xfrm>
+          <a:prstGeom prst="straightConnector1">
+            <a:avLst/>
+          </a:prstGeom>
+          <a:ln w="28575" cmpd="sng">
+            <a:solidFill>
+              <a:schemeClr val="accent1">
+                <a:shade val="50000"/>
+              </a:schemeClr>
+            </a:solidFill>
+            <a:prstDash val="solid"/>
+            <a:tailEnd type="arrow"/>
+          </a:ln>
+        </p:spPr>
+        <p:style>
+          <a:lnRef idx="1">
+            <a:schemeClr val="accent1"/>
+          </a:lnRef>
+          <a:fillRef idx="0">
+            <a:schemeClr val="accent1"/>
+          </a:fillRef>
+          <a:effectRef idx="0">
+            <a:schemeClr val="accent1"/>
+          </a:effectRef>
+          <a:fontRef idx="minor">
+            <a:schemeClr val="tx1"/>
+          </a:fontRef>
+        </p:style>
+      </p:cxnSp>
+      <p:cxnSp>
+        <p:nvCxnSpPr>
+          <p:cNvPr id="12" name="直接箭头连接符 11"/>
+          <p:cNvCxnSpPr/>
+          <p:nvPr/>
+        </p:nvCxnSpPr>
+        <p:spPr>
+          <a:xfrm>
+            <a:off x="4859655" y="3310255"/>
+            <a:ext cx="719455" cy="721995"/>
+          </a:xfrm>
+          <a:prstGeom prst="straightConnector1">
+            <a:avLst/>
+          </a:prstGeom>
+          <a:ln w="28575" cmpd="sng">
+            <a:solidFill>
+              <a:schemeClr val="accent1">
+                <a:shade val="50000"/>
+              </a:schemeClr>
+            </a:solidFill>
+            <a:prstDash val="solid"/>
+            <a:tailEnd type="arrow"/>
+          </a:ln>
+        </p:spPr>
+        <p:style>
+          <a:lnRef idx="1">
+            <a:schemeClr val="accent1"/>
+          </a:lnRef>
+          <a:fillRef idx="0">
+            <a:schemeClr val="accent1"/>
+          </a:fillRef>
+          <a:effectRef idx="0">
+            <a:schemeClr val="accent1"/>
+          </a:effectRef>
+          <a:fontRef idx="minor">
+            <a:schemeClr val="tx1"/>
+          </a:fontRef>
+        </p:style>
+      </p:cxnSp>
+      <p:sp>
+        <p:nvSpPr>
+          <p:cNvPr id="14" name="乘号 13"/>
+          <p:cNvSpPr/>
+          <p:nvPr/>
+        </p:nvSpPr>
+        <p:spPr>
+          <a:xfrm>
+            <a:off x="4617720" y="3016250"/>
+            <a:ext cx="358140" cy="439420"/>
+          </a:xfrm>
+          <a:prstGeom prst="mathMultiply">
+            <a:avLst/>
+          </a:prstGeom>
+        </p:spPr>
+        <p:style>
+          <a:lnRef idx="2">
+            <a:schemeClr val="accent1">
+              <a:shade val="50000"/>
+            </a:schemeClr>
+          </a:lnRef>
+          <a:fillRef idx="1">
+            <a:schemeClr val="accent1"/>
+          </a:fillRef>
+          <a:effectRef idx="0">
+            <a:schemeClr val="accent1"/>
+          </a:effectRef>
+          <a:fontRef idx="minor">
+            <a:schemeClr val="lt1"/>
+          </a:fontRef>
+        </p:style>
+        <p:txBody>
+          <a:bodyPr rtlCol="0" anchor="ctr"/>
+          <a:p>
+            <a:pPr algn="ctr"/>
+            <a:endParaRPr lang="zh-CN" altLang="en-US"/>
+          </a:p>
+        </p:txBody>
+      </p:sp>
+      <p:sp>
+        <p:nvSpPr>
+          <p:cNvPr id="15" name="椭圆 14"/>
+          <p:cNvSpPr/>
+          <p:nvPr/>
+        </p:nvSpPr>
+        <p:spPr>
+          <a:xfrm>
+            <a:off x="7244715" y="1932305"/>
+            <a:ext cx="321945" cy="306705"/>
+          </a:xfrm>
+          <a:prstGeom prst="ellipse">
+            <a:avLst/>
+          </a:prstGeom>
+        </p:spPr>
+        <p:style>
+          <a:lnRef idx="2">
+            <a:schemeClr val="accent1">
+              <a:shade val="50000"/>
+            </a:schemeClr>
+          </a:lnRef>
+          <a:fillRef idx="1">
+            <a:schemeClr val="accent1"/>
+          </a:fillRef>
+          <a:effectRef idx="0">
+            <a:schemeClr val="accent1"/>
+          </a:effectRef>
+          <a:fontRef idx="minor">
+            <a:schemeClr val="lt1"/>
+          </a:fontRef>
+        </p:style>
+        <p:txBody>
+          <a:bodyPr rtlCol="0" anchor="ctr"/>
+          <a:p>
+            <a:pPr algn="ctr"/>
+            <a:endParaRPr lang="zh-CN" altLang="en-US"/>
+          </a:p>
+        </p:txBody>
+      </p:sp>
+      <p:sp>
+        <p:nvSpPr>
+          <p:cNvPr id="16" name="文本框 15"/>
+          <p:cNvSpPr txBox="1"/>
+          <p:nvPr/>
+        </p:nvSpPr>
+        <p:spPr>
+          <a:xfrm>
+            <a:off x="3898900" y="3082925"/>
+            <a:ext cx="718820" cy="306705"/>
+          </a:xfrm>
+          <a:prstGeom prst="rect">
+            <a:avLst/>
+          </a:prstGeom>
+          <a:noFill/>
+        </p:spPr>
+        <p:txBody>
+          <a:bodyPr wrap="square" rtlCol="0">
+            <a:spAutoFit/>
+          </a:bodyPr>
+          <a:p>
+            <a:r>
+              <a:rPr lang="zh-CN" altLang="en-US" sz="1400"/>
+              <a:t>机器人</a:t>
+            </a:r>
+            <a:endParaRPr lang="zh-CN" altLang="en-US" sz="1400"/>
+          </a:p>
+        </p:txBody>
+      </p:sp>
+      <p:cxnSp>
+        <p:nvCxnSpPr>
+          <p:cNvPr id="17" name="直接箭头连接符 16"/>
+          <p:cNvCxnSpPr/>
+          <p:nvPr>
+            <p:custDataLst>
+              <p:tags r:id="rId2"/>
+            </p:custDataLst>
+          </p:nvPr>
+        </p:nvCxnSpPr>
+        <p:spPr>
+          <a:xfrm flipV="1">
+            <a:off x="4975860" y="2188210"/>
+            <a:ext cx="2224405" cy="1017270"/>
+          </a:xfrm>
+          <a:prstGeom prst="straightConnector1">
+            <a:avLst/>
+          </a:prstGeom>
+          <a:ln w="28575" cmpd="sng">
+            <a:solidFill>
+              <a:schemeClr val="accent1">
+                <a:shade val="50000"/>
+              </a:schemeClr>
+            </a:solidFill>
+            <a:prstDash val="solid"/>
+            <a:tailEnd type="arrow"/>
+          </a:ln>
+        </p:spPr>
+        <p:style>
+          <a:lnRef idx="1">
+            <a:schemeClr val="accent1"/>
+          </a:lnRef>
+          <a:fillRef idx="0">
+            <a:schemeClr val="accent1"/>
+          </a:fillRef>
+          <a:effectRef idx="0">
+            <a:schemeClr val="accent1"/>
+          </a:effectRef>
+          <a:fontRef idx="minor">
+            <a:schemeClr val="tx1"/>
+          </a:fontRef>
+        </p:style>
+      </p:cxnSp>
+      <p:sp>
+        <p:nvSpPr>
+          <p:cNvPr id="18" name="文本框 17"/>
+          <p:cNvSpPr txBox="1"/>
+          <p:nvPr>
+            <p:custDataLst>
+              <p:tags r:id="rId3"/>
+            </p:custDataLst>
+          </p:nvPr>
+        </p:nvSpPr>
+        <p:spPr>
+          <a:xfrm>
+            <a:off x="7045960" y="1519555"/>
+            <a:ext cx="718820" cy="306705"/>
+          </a:xfrm>
+          <a:prstGeom prst="rect">
+            <a:avLst/>
+          </a:prstGeom>
+          <a:noFill/>
+        </p:spPr>
+        <p:txBody>
+          <a:bodyPr wrap="square" rtlCol="0">
+            <a:spAutoFit/>
+          </a:bodyPr>
+          <a:p>
+            <a:r>
+              <a:rPr lang="zh-CN" altLang="en-US" sz="1400"/>
+              <a:t>工作站</a:t>
+            </a:r>
+            <a:endParaRPr lang="zh-CN" altLang="en-US" sz="1400"/>
+          </a:p>
+        </p:txBody>
+      </p:sp>
+      <p:cxnSp>
+        <p:nvCxnSpPr>
+          <p:cNvPr id="19" name="直接箭头连接符 18"/>
+          <p:cNvCxnSpPr/>
+          <p:nvPr>
+            <p:custDataLst>
+              <p:tags r:id="rId4"/>
+            </p:custDataLst>
+          </p:nvPr>
+        </p:nvCxnSpPr>
+        <p:spPr>
+          <a:xfrm flipV="1">
+            <a:off x="4786630" y="2049145"/>
+            <a:ext cx="6350" cy="1033780"/>
+          </a:xfrm>
+          <a:prstGeom prst="straightConnector1">
+            <a:avLst/>
+          </a:prstGeom>
+          <a:ln w="28575" cmpd="sng">
+            <a:solidFill>
+              <a:schemeClr val="accent1">
+                <a:shade val="50000"/>
+              </a:schemeClr>
+            </a:solidFill>
+            <a:prstDash val="dash"/>
+            <a:tailEnd type="none"/>
+          </a:ln>
+        </p:spPr>
+        <p:style>
+          <a:lnRef idx="1">
+            <a:schemeClr val="accent1"/>
+          </a:lnRef>
+          <a:fillRef idx="0">
+            <a:schemeClr val="accent1"/>
+          </a:fillRef>
+          <a:effectRef idx="0">
+            <a:schemeClr val="accent1"/>
+          </a:effectRef>
+          <a:fontRef idx="minor">
+            <a:schemeClr val="tx1"/>
+          </a:fontRef>
+        </p:style>
+      </p:cxnSp>
+      <p:cxnSp>
+        <p:nvCxnSpPr>
+          <p:cNvPr id="20" name="直接箭头连接符 19"/>
+          <p:cNvCxnSpPr>
+            <a:endCxn id="15" idx="2"/>
+          </p:cNvCxnSpPr>
+          <p:nvPr>
+            <p:custDataLst>
+              <p:tags r:id="rId5"/>
+            </p:custDataLst>
+          </p:nvPr>
+        </p:nvCxnSpPr>
+        <p:spPr>
+          <a:xfrm>
+            <a:off x="4741545" y="2070735"/>
+            <a:ext cx="2503170" cy="15240"/>
+          </a:xfrm>
+          <a:prstGeom prst="straightConnector1">
+            <a:avLst/>
+          </a:prstGeom>
+          <a:ln w="28575" cmpd="sng">
+            <a:solidFill>
+              <a:schemeClr val="accent1">
+                <a:shade val="50000"/>
+              </a:schemeClr>
+            </a:solidFill>
+            <a:prstDash val="dash"/>
+            <a:tailEnd type="none"/>
+          </a:ln>
+        </p:spPr>
+        <p:style>
+          <a:lnRef idx="1">
+            <a:schemeClr val="accent1"/>
+          </a:lnRef>
+          <a:fillRef idx="0">
+            <a:schemeClr val="accent1"/>
+          </a:fillRef>
+          <a:effectRef idx="0">
+            <a:schemeClr val="accent1"/>
+          </a:effectRef>
+          <a:fontRef idx="minor">
+            <a:schemeClr val="tx1"/>
+          </a:fontRef>
+        </p:style>
+      </p:cxnSp>
+      <p:pic>
+        <p:nvPicPr>
+          <p:cNvPr id="21" name="图片 20"/>
+          <p:cNvPicPr>
+            <a:picLocks noChangeAspect="1"/>
+          </p:cNvPicPr>
+          <p:nvPr>
+            <p:custDataLst>
+              <p:tags r:id="rId6"/>
+            </p:custDataLst>
+          </p:nvPr>
+        </p:nvPicPr>
+        <p:blipFill>
+          <a:blip r:embed="rId7"/>
+          <a:stretch>
+            <a:fillRect/>
+          </a:stretch>
+        </p:blipFill>
+        <p:spPr>
+          <a:xfrm>
+            <a:off x="3956050" y="3455670"/>
+            <a:ext cx="830580" cy="399415"/>
+          </a:xfrm>
+          <a:prstGeom prst="rect">
+            <a:avLst/>
+          </a:prstGeom>
+        </p:spPr>
+      </p:pic>
+      <p:pic>
+        <p:nvPicPr>
+          <p:cNvPr id="22" name="图片 21"/>
+          <p:cNvPicPr>
+            <a:picLocks noChangeAspect="1"/>
+          </p:cNvPicPr>
+          <p:nvPr>
+            <p:custDataLst>
+              <p:tags r:id="rId8"/>
+            </p:custDataLst>
+          </p:nvPr>
+        </p:nvPicPr>
+        <p:blipFill>
+          <a:blip r:embed="rId9"/>
+          <a:stretch>
+            <a:fillRect/>
+          </a:stretch>
+        </p:blipFill>
+        <p:spPr>
+          <a:xfrm>
+            <a:off x="7691755" y="1890395"/>
+            <a:ext cx="724535" cy="348615"/>
+          </a:xfrm>
+          <a:prstGeom prst="rect">
+            <a:avLst/>
+          </a:prstGeom>
+        </p:spPr>
+      </p:pic>
+      <p:pic>
+        <p:nvPicPr>
+          <p:cNvPr id="23" name="图片 22"/>
+          <p:cNvPicPr>
+            <a:picLocks noChangeAspect="1"/>
+          </p:cNvPicPr>
+          <p:nvPr>
+            <p:custDataLst>
+              <p:tags r:id="rId10"/>
+            </p:custDataLst>
+          </p:nvPr>
+        </p:nvPicPr>
+        <p:blipFill>
+          <a:blip r:embed="rId11"/>
+          <a:stretch>
+            <a:fillRect/>
+          </a:stretch>
+        </p:blipFill>
+        <p:spPr>
+          <a:xfrm>
+            <a:off x="5210810" y="1764665"/>
+            <a:ext cx="1396365" cy="203835"/>
+          </a:xfrm>
+          <a:prstGeom prst="rect">
+            <a:avLst/>
+          </a:prstGeom>
+        </p:spPr>
+      </p:pic>
+      <p:pic>
+        <p:nvPicPr>
+          <p:cNvPr id="25" name="图片 24"/>
+          <p:cNvPicPr>
+            <a:picLocks noChangeAspect="1"/>
+          </p:cNvPicPr>
+          <p:nvPr>
+            <p:custDataLst>
+              <p:tags r:id="rId12"/>
+            </p:custDataLst>
+          </p:nvPr>
+        </p:nvPicPr>
+        <p:blipFill>
+          <a:blip r:embed="rId13"/>
+          <a:stretch>
+            <a:fillRect/>
+          </a:stretch>
+        </p:blipFill>
+        <p:spPr>
+          <a:xfrm>
+            <a:off x="4162425" y="2418080"/>
+            <a:ext cx="1270000" cy="240665"/>
+          </a:xfrm>
+          <a:prstGeom prst="rect">
+            <a:avLst/>
+          </a:prstGeom>
+        </p:spPr>
+      </p:pic>
+      <p:sp>
+        <p:nvSpPr>
+          <p:cNvPr id="27" name="弧形 26"/>
+          <p:cNvSpPr/>
+          <p:nvPr/>
+        </p:nvSpPr>
+        <p:spPr>
+          <a:xfrm rot="10140000">
+            <a:off x="6685915" y="1861820"/>
+            <a:ext cx="188595" cy="474980"/>
+          </a:xfrm>
+          <a:prstGeom prst="arc">
+            <a:avLst/>
+          </a:prstGeom>
+          <a:ln w="28575" cmpd="sng">
+            <a:solidFill>
+              <a:schemeClr val="accent1">
+                <a:shade val="50000"/>
+              </a:schemeClr>
+            </a:solidFill>
+            <a:prstDash val="solid"/>
+          </a:ln>
+        </p:spPr>
+        <p:style>
+          <a:lnRef idx="1">
+            <a:schemeClr val="accent1"/>
+          </a:lnRef>
+          <a:fillRef idx="0">
+            <a:schemeClr val="accent1"/>
+          </a:fillRef>
+          <a:effectRef idx="0">
+            <a:schemeClr val="accent1"/>
+          </a:effectRef>
+          <a:fontRef idx="minor">
+            <a:schemeClr val="tx1"/>
+          </a:fontRef>
+        </p:style>
+        <p:txBody>
+          <a:bodyPr rtlCol="0" anchor="ctr"/>
+          <a:p>
+            <a:pPr algn="ctr"/>
+            <a:endParaRPr lang="zh-CN" altLang="en-US"/>
+          </a:p>
+        </p:txBody>
+      </p:sp>
+      <p:cxnSp>
+        <p:nvCxnSpPr>
+          <p:cNvPr id="28" name="直接箭头连接符 27"/>
+          <p:cNvCxnSpPr/>
+          <p:nvPr>
+            <p:custDataLst>
+              <p:tags r:id="rId14"/>
+            </p:custDataLst>
+          </p:nvPr>
+        </p:nvCxnSpPr>
+        <p:spPr>
+          <a:xfrm>
+            <a:off x="4926965" y="3288030"/>
+            <a:ext cx="2503170" cy="15240"/>
+          </a:xfrm>
+          <a:prstGeom prst="straightConnector1">
+            <a:avLst/>
+          </a:prstGeom>
+          <a:ln w="28575" cmpd="sng">
+            <a:solidFill>
+              <a:schemeClr val="accent1">
+                <a:shade val="50000"/>
+              </a:schemeClr>
+            </a:solidFill>
+            <a:prstDash val="dash"/>
+            <a:tailEnd type="none"/>
+          </a:ln>
+        </p:spPr>
+        <p:style>
+          <a:lnRef idx="1">
+            <a:schemeClr val="accent1"/>
+          </a:lnRef>
+          <a:fillRef idx="0">
+            <a:schemeClr val="accent1"/>
+          </a:fillRef>
+          <a:effectRef idx="0">
+            <a:schemeClr val="accent1"/>
+          </a:effectRef>
+          <a:fontRef idx="minor">
+            <a:schemeClr val="tx1"/>
+          </a:fontRef>
+        </p:style>
+      </p:cxnSp>
+      <p:sp>
+        <p:nvSpPr>
+          <p:cNvPr id="29" name="弧形 28"/>
+          <p:cNvSpPr/>
+          <p:nvPr>
+            <p:custDataLst>
+              <p:tags r:id="rId15"/>
+            </p:custDataLst>
+          </p:nvPr>
+        </p:nvSpPr>
+        <p:spPr>
+          <a:xfrm rot="3720000">
+            <a:off x="4862195" y="3146425"/>
+            <a:ext cx="188595" cy="474980"/>
+          </a:xfrm>
+          <a:prstGeom prst="arc">
+            <a:avLst/>
+          </a:prstGeom>
+          <a:ln w="28575" cmpd="sng">
+            <a:solidFill>
+              <a:schemeClr val="accent1">
+                <a:shade val="50000"/>
+              </a:schemeClr>
+            </a:solidFill>
+            <a:prstDash val="solid"/>
+          </a:ln>
+        </p:spPr>
+        <p:style>
+          <a:lnRef idx="1">
+            <a:schemeClr val="accent1"/>
+          </a:lnRef>
+          <a:fillRef idx="0">
+            <a:schemeClr val="accent1"/>
+          </a:fillRef>
+          <a:effectRef idx="0">
+            <a:schemeClr val="accent1"/>
+          </a:effectRef>
+          <a:fontRef idx="minor">
+            <a:schemeClr val="tx1"/>
+          </a:fontRef>
+        </p:style>
+        <p:txBody>
+          <a:bodyPr rtlCol="0" anchor="ctr"/>
+          <a:p>
+            <a:pPr algn="ctr"/>
+            <a:endParaRPr lang="zh-CN" altLang="en-US"/>
+          </a:p>
+        </p:txBody>
+      </p:sp>
+      <p:pic>
+        <p:nvPicPr>
+          <p:cNvPr id="30" name="图片 29"/>
+          <p:cNvPicPr>
+            <a:picLocks noChangeAspect="1"/>
+          </p:cNvPicPr>
+          <p:nvPr>
+            <p:custDataLst>
+              <p:tags r:id="rId16"/>
+            </p:custDataLst>
+          </p:nvPr>
+        </p:nvPicPr>
+        <p:blipFill>
+          <a:blip r:embed="rId17"/>
+          <a:stretch>
+            <a:fillRect/>
+          </a:stretch>
+        </p:blipFill>
+        <p:spPr>
+          <a:xfrm>
+            <a:off x="7045960" y="2377440"/>
+            <a:ext cx="1853565" cy="574675"/>
+          </a:xfrm>
+          <a:prstGeom prst="rect">
+            <a:avLst/>
+          </a:prstGeom>
+        </p:spPr>
+      </p:pic>
+      <p:pic>
+        <p:nvPicPr>
+          <p:cNvPr id="31" name="图片 30"/>
+          <p:cNvPicPr>
+            <a:picLocks noChangeAspect="1"/>
+          </p:cNvPicPr>
+          <p:nvPr>
+            <p:custDataLst>
+              <p:tags r:id="rId18"/>
+            </p:custDataLst>
+          </p:nvPr>
+        </p:nvPicPr>
+        <p:blipFill>
+          <a:blip r:embed="rId19"/>
+          <a:stretch>
+            <a:fillRect/>
+          </a:stretch>
+        </p:blipFill>
+        <p:spPr>
+          <a:xfrm>
+            <a:off x="6342380" y="2137410"/>
+            <a:ext cx="201295" cy="340360"/>
+          </a:xfrm>
+          <a:prstGeom prst="rect">
+            <a:avLst/>
+          </a:prstGeom>
+        </p:spPr>
+      </p:pic>
+      <p:pic>
+        <p:nvPicPr>
+          <p:cNvPr id="32" name="图片 31"/>
+          <p:cNvPicPr>
+            <a:picLocks noChangeAspect="1"/>
+          </p:cNvPicPr>
+          <p:nvPr>
+            <p:custDataLst>
+              <p:tags r:id="rId20"/>
+            </p:custDataLst>
+          </p:nvPr>
+        </p:nvPicPr>
+        <p:blipFill>
+          <a:blip r:embed="rId21"/>
+          <a:stretch>
+            <a:fillRect/>
+          </a:stretch>
+        </p:blipFill>
+        <p:spPr>
+          <a:xfrm>
+            <a:off x="5377815" y="3307715"/>
+            <a:ext cx="201295" cy="450215"/>
+          </a:xfrm>
+          <a:prstGeom prst="rect">
+            <a:avLst/>
+          </a:prstGeom>
+        </p:spPr>
+      </p:pic>
+      <p:pic>
+        <p:nvPicPr>
+          <p:cNvPr id="33" name="图片 32"/>
+          <p:cNvPicPr>
+            <a:picLocks noChangeAspect="1"/>
+          </p:cNvPicPr>
+          <p:nvPr>
+            <p:custDataLst>
+              <p:tags r:id="rId22"/>
+            </p:custDataLst>
+          </p:nvPr>
+        </p:nvPicPr>
+        <p:blipFill>
+          <a:blip r:embed="rId23"/>
+          <a:stretch>
+            <a:fillRect/>
+          </a:stretch>
+        </p:blipFill>
+        <p:spPr>
+          <a:xfrm>
+            <a:off x="2286635" y="4377055"/>
+            <a:ext cx="4361180" cy="314960"/>
+          </a:xfrm>
+          <a:prstGeom prst="rect">
+            <a:avLst/>
+          </a:prstGeom>
+        </p:spPr>
+      </p:pic>
+      <p:sp>
+        <p:nvSpPr>
+          <p:cNvPr id="44" name="右箭头 43"/>
+          <p:cNvSpPr/>
+          <p:nvPr>
+            <p:custDataLst>
+              <p:tags r:id="rId24"/>
+            </p:custDataLst>
+          </p:nvPr>
+        </p:nvSpPr>
+        <p:spPr>
+          <a:xfrm>
+            <a:off x="6932295" y="4540250"/>
+            <a:ext cx="681355" cy="151765"/>
+          </a:xfrm>
+          <a:prstGeom prst="rightArrow">
+            <a:avLst/>
+          </a:prstGeom>
+        </p:spPr>
+        <p:style>
+          <a:lnRef idx="2">
+            <a:schemeClr val="accent1">
+              <a:shade val="50000"/>
+            </a:schemeClr>
+          </a:lnRef>
+          <a:fillRef idx="1">
+            <a:schemeClr val="accent1"/>
+          </a:fillRef>
+          <a:effectRef idx="0">
+            <a:schemeClr val="accent1"/>
+          </a:effectRef>
+          <a:fontRef idx="minor">
+            <a:schemeClr val="lt1"/>
+          </a:fontRef>
+        </p:style>
+        <p:txBody>
+          <a:bodyPr rtlCol="0" anchor="ctr"/>
+          <a:p>
+            <a:pPr algn="ctr"/>
+            <a:endParaRPr lang="zh-CN" altLang="en-US"/>
+          </a:p>
+        </p:txBody>
+      </p:sp>
+      <p:pic>
+        <p:nvPicPr>
+          <p:cNvPr id="34" name="图片 33"/>
+          <p:cNvPicPr>
+            <a:picLocks noChangeAspect="1"/>
+          </p:cNvPicPr>
+          <p:nvPr>
+            <p:custDataLst>
+              <p:tags r:id="rId25"/>
+            </p:custDataLst>
+          </p:nvPr>
+        </p:nvPicPr>
+        <p:blipFill>
+          <a:blip r:embed="rId26"/>
+          <a:stretch>
+            <a:fillRect/>
+          </a:stretch>
+        </p:blipFill>
+        <p:spPr>
+          <a:xfrm>
+            <a:off x="7898130" y="4377055"/>
+            <a:ext cx="419100" cy="412750"/>
+          </a:xfrm>
+          <a:prstGeom prst="rect">
+            <a:avLst/>
+          </a:prstGeom>
+        </p:spPr>
+      </p:pic>
+      <p:pic>
+        <p:nvPicPr>
+          <p:cNvPr id="36" name="图片 35"/>
+          <p:cNvPicPr>
+            <a:picLocks noChangeAspect="1"/>
+          </p:cNvPicPr>
+          <p:nvPr>
+            <p:custDataLst>
+              <p:tags r:id="rId27"/>
+            </p:custDataLst>
+          </p:nvPr>
+        </p:nvPicPr>
+        <p:blipFill>
+          <a:blip r:embed="rId28"/>
+          <a:stretch>
+            <a:fillRect/>
+          </a:stretch>
+        </p:blipFill>
+        <p:spPr>
+          <a:xfrm>
+            <a:off x="3473450" y="5127625"/>
+            <a:ext cx="1724025" cy="288290"/>
+          </a:xfrm>
+          <a:prstGeom prst="rect">
+            <a:avLst/>
+          </a:prstGeom>
+        </p:spPr>
+      </p:pic>
+      <p:sp>
+        <p:nvSpPr>
+          <p:cNvPr id="37" name="右箭头 36"/>
+          <p:cNvSpPr/>
+          <p:nvPr>
+            <p:custDataLst>
+              <p:tags r:id="rId29"/>
+            </p:custDataLst>
+          </p:nvPr>
+        </p:nvSpPr>
+        <p:spPr>
+          <a:xfrm>
+            <a:off x="6932295" y="5259070"/>
+            <a:ext cx="681355" cy="151765"/>
+          </a:xfrm>
+          <a:prstGeom prst="rightArrow">
+            <a:avLst/>
+          </a:prstGeom>
+        </p:spPr>
+        <p:style>
+          <a:lnRef idx="2">
+            <a:schemeClr val="accent1">
+              <a:shade val="50000"/>
+            </a:schemeClr>
+          </a:lnRef>
+          <a:fillRef idx="1">
+            <a:schemeClr val="accent1"/>
+          </a:fillRef>
+          <a:effectRef idx="0">
+            <a:schemeClr val="accent1"/>
+          </a:effectRef>
+          <a:fontRef idx="minor">
+            <a:schemeClr val="lt1"/>
+          </a:fontRef>
+        </p:style>
+        <p:txBody>
+          <a:bodyPr rtlCol="0" anchor="ctr"/>
+          <a:p>
+            <a:pPr algn="ctr"/>
+            <a:endParaRPr lang="zh-CN" altLang="en-US"/>
+          </a:p>
+        </p:txBody>
+      </p:sp>
+      <p:pic>
+        <p:nvPicPr>
+          <p:cNvPr id="38" name="图片 37"/>
+          <p:cNvPicPr>
+            <a:picLocks noChangeAspect="1"/>
+          </p:cNvPicPr>
+          <p:nvPr>
+            <p:custDataLst>
+              <p:tags r:id="rId30"/>
+            </p:custDataLst>
+          </p:nvPr>
+        </p:nvPicPr>
+        <p:blipFill>
+          <a:blip r:embed="rId31"/>
+          <a:stretch>
+            <a:fillRect/>
+          </a:stretch>
+        </p:blipFill>
+        <p:spPr>
+          <a:xfrm>
+            <a:off x="7915275" y="5321935"/>
+            <a:ext cx="393700" cy="25400"/>
+          </a:xfrm>
+          <a:prstGeom prst="rect">
+            <a:avLst/>
+          </a:prstGeom>
+        </p:spPr>
+      </p:pic>
+      <p:sp>
+        <p:nvSpPr>
+          <p:cNvPr id="40" name="文本框 39"/>
+          <p:cNvSpPr txBox="1"/>
+          <p:nvPr>
+            <p:custDataLst>
+              <p:tags r:id="rId32"/>
+            </p:custDataLst>
+          </p:nvPr>
+        </p:nvSpPr>
+        <p:spPr>
+          <a:xfrm>
+            <a:off x="8601710" y="4421505"/>
+            <a:ext cx="1040765" cy="368300"/>
+          </a:xfrm>
+          <a:prstGeom prst="rect">
+            <a:avLst/>
+          </a:prstGeom>
+          <a:noFill/>
+        </p:spPr>
+        <p:txBody>
+          <a:bodyPr wrap="square" rtlCol="0">
+            <a:spAutoFit/>
+          </a:bodyPr>
+          <a:p>
+            <a:r>
+              <a:rPr lang="zh-CN" altLang="en-US"/>
+              <a:t>逆时针</a:t>
+            </a:r>
+            <a:endParaRPr lang="zh-CN" altLang="en-US"/>
+          </a:p>
+        </p:txBody>
+      </p:sp>
+      <p:sp>
+        <p:nvSpPr>
+          <p:cNvPr id="41" name="文本框 40"/>
+          <p:cNvSpPr txBox="1"/>
+          <p:nvPr>
+            <p:custDataLst>
+              <p:tags r:id="rId33"/>
+            </p:custDataLst>
+          </p:nvPr>
+        </p:nvSpPr>
+        <p:spPr>
+          <a:xfrm>
+            <a:off x="8623935" y="5103495"/>
+            <a:ext cx="1040765" cy="368300"/>
+          </a:xfrm>
+          <a:prstGeom prst="rect">
+            <a:avLst/>
+          </a:prstGeom>
+          <a:noFill/>
+        </p:spPr>
+        <p:txBody>
+          <a:bodyPr wrap="square" rtlCol="0">
+            <a:spAutoFit/>
+          </a:bodyPr>
+          <a:p>
+            <a:r>
+              <a:rPr lang="zh-CN" altLang="en-US"/>
+              <a:t>顺时</a:t>
+            </a:r>
+            <a:r>
+              <a:rPr lang="zh-CN" altLang="en-US"/>
+              <a:t>针</a:t>
+            </a:r>
+            <a:endParaRPr lang="zh-CN" altLang="en-US"/>
+          </a:p>
+        </p:txBody>
+      </p:sp>
     </p:spTree>
   </p:cSld>
   <p:clrMapOvr>
@@ -8440,7 +9451,24 @@
                 <a:latin typeface="微软雅黑" panose="020B0503020204020204" charset="-122"/>
                 <a:ea typeface="微软雅黑" panose="020B0503020204020204" charset="-122"/>
               </a:rPr>
-              <a:t>更新</a:t>
+              <a:t>怎么</a:t>
+            </a:r>
+            <a:r>
+              <a:rPr lang="zh-CN" altLang="en-US" sz="3200" b="1">
+                <a:solidFill>
+                  <a:schemeClr val="tx1"/>
+                </a:solidFill>
+                <a:effectLst>
+                  <a:outerShdw blurRad="38100" dist="19050" dir="2700000" algn="tl" rotWithShape="0">
+                    <a:schemeClr val="dk1">
+                      <a:alpha val="40000"/>
+                    </a:schemeClr>
+                  </a:outerShdw>
+                </a:effectLst>
+                <a:latin typeface="微软雅黑" panose="020B0503020204020204" charset="-122"/>
+                <a:ea typeface="微软雅黑" panose="020B0503020204020204" charset="-122"/>
+              </a:rPr>
+              <a:t>找</a:t>
             </a:r>
             <a:endParaRPr lang="zh-CN" altLang="en-US" sz="3200" b="1">
               <a:solidFill>
@@ -8580,6 +9608,274 @@
 </p:sld>
 </file>
 
+<file path=ppt/slides/slide7.xml><?xml version="1.0" encoding="utf-8"?>
+<p:sld xmlns:a="http://schemas.openxmlformats.org/drawingml/2006/main" xmlns:r="http://schemas.openxmlformats.org/officeDocument/2006/relationships" xmlns:p="http://schemas.openxmlformats.org/presentationml/2006/main">
+  <p:cSld>
+    <p:spTree>
+      <p:nvGrpSpPr>
+        <p:cNvPr id="1" name=""/>
+        <p:cNvGrpSpPr/>
+        <p:nvPr/>
+      </p:nvGrpSpPr>
+      <p:grpSpPr/>
+      <p:sp>
+        <p:nvSpPr>
+          <p:cNvPr id="4" name="下箭头 3"/>
+          <p:cNvSpPr/>
+          <p:nvPr/>
+        </p:nvSpPr>
+        <p:spPr>
+          <a:xfrm>
+            <a:off x="203200" y="0"/>
+            <a:ext cx="421640" cy="724535"/>
+          </a:xfrm>
+          <a:prstGeom prst="downArrow">
+            <a:avLst/>
+          </a:prstGeom>
+          <a:gradFill>
+            <a:gsLst>
+              <a:gs pos="23000">
+                <a:schemeClr val="accent1">
+                  <a:lumMod val="60000"/>
+                  <a:lumOff val="40000"/>
+                </a:schemeClr>
+              </a:gs>
+              <a:gs pos="100000">
+                <a:schemeClr val="accent1">
+                  <a:lumMod val="50000"/>
+                </a:schemeClr>
+              </a:gs>
+            </a:gsLst>
+            <a:lin ang="5400000" scaled="0"/>
+          </a:gradFill>
+          <a:ln>
+            <a:noFill/>
+          </a:ln>
+          <a:effectLst>
+            <a:outerShdw blurRad="50800" dist="38100" dir="5400000" algn="t" rotWithShape="0">
+              <a:prstClr val="black">
+                <a:alpha val="18000"/>
+              </a:prstClr>
+            </a:outerShdw>
+          </a:effectLst>
+        </p:spPr>
+        <p:style>
+          <a:lnRef idx="2">
+            <a:schemeClr val="accent1">
+              <a:shade val="50000"/>
+            </a:schemeClr>
+          </a:lnRef>
+          <a:fillRef idx="1">
+            <a:schemeClr val="accent1"/>
+          </a:fillRef>
+          <a:effectRef idx="0">
+            <a:schemeClr val="accent1"/>
+          </a:effectRef>
+          <a:fontRef idx="minor">
+            <a:schemeClr val="lt1"/>
+          </a:fontRef>
+        </p:style>
+        <p:txBody>
+          <a:bodyPr rtlCol="0" anchor="ctr"/>
+          <a:p>
+            <a:pPr algn="ctr"/>
+            <a:endParaRPr lang="zh-CN" altLang="en-US"/>
+          </a:p>
+        </p:txBody>
+      </p:sp>
+      <p:sp>
+        <p:nvSpPr>
+          <p:cNvPr id="5" name="文本框 4"/>
+          <p:cNvSpPr txBox="1"/>
+          <p:nvPr/>
+        </p:nvSpPr>
+        <p:spPr>
+          <a:xfrm>
+            <a:off x="624840" y="86360"/>
+            <a:ext cx="7778750" cy="583565"/>
+          </a:xfrm>
+          <a:prstGeom prst="rect">
+            <a:avLst/>
+          </a:prstGeom>
+          <a:noFill/>
+        </p:spPr>
+        <p:txBody>
+          <a:bodyPr wrap="square" rtlCol="0">
+            <a:spAutoFit/>
+          </a:bodyPr>
+          <a:p>
+            <a:r>
+              <a:rPr lang="zh-CN" altLang="en-US" sz="3200" b="1">
+                <a:solidFill>
+                  <a:schemeClr val="tx1"/>
+                </a:solidFill>
+                <a:effectLst>
+                  <a:outerShdw blurRad="38100" dist="19050" dir="2700000" algn="tl" rotWithShape="0">
+                    <a:schemeClr val="dk1">
+                      <a:alpha val="40000"/>
+                    </a:schemeClr>
+                  </a:outerShdw>
+                </a:effectLst>
+                <a:latin typeface="微软雅黑" panose="020B0503020204020204" charset="-122"/>
+                <a:ea typeface="微软雅黑" panose="020B0503020204020204" charset="-122"/>
+              </a:rPr>
+              <a:t>怎么</a:t>
+            </a:r>
+            <a:r>
+              <a:rPr lang="zh-CN" altLang="en-US" sz="3200" b="1">
+                <a:solidFill>
+                  <a:schemeClr val="tx1"/>
+                </a:solidFill>
+                <a:effectLst>
+                  <a:outerShdw blurRad="38100" dist="19050" dir="2700000" algn="tl" rotWithShape="0">
+                    <a:schemeClr val="dk1">
+                      <a:alpha val="40000"/>
+                    </a:schemeClr>
+                  </a:outerShdw>
+                </a:effectLst>
+                <a:latin typeface="微软雅黑" panose="020B0503020204020204" charset="-122"/>
+                <a:ea typeface="微软雅黑" panose="020B0503020204020204" charset="-122"/>
+              </a:rPr>
+              <a:t>找</a:t>
+            </a:r>
+            <a:endParaRPr lang="zh-CN" altLang="en-US" sz="3200" b="1">
+              <a:solidFill>
+                <a:schemeClr val="tx1"/>
+              </a:solidFill>
+              <a:effectLst>
+                <a:outerShdw blurRad="38100" dist="19050" dir="2700000" algn="tl" rotWithShape="0">
+                  <a:schemeClr val="dk1">
+                    <a:alpha val="40000"/>
+                  </a:schemeClr>
+                </a:outerShdw>
+              </a:effectLst>
+              <a:latin typeface="微软雅黑" panose="020B0503020204020204" charset="-122"/>
+              <a:ea typeface="微软雅黑" panose="020B0503020204020204" charset="-122"/>
+            </a:endParaRPr>
+          </a:p>
+        </p:txBody>
+      </p:sp>
+      <p:sp>
+        <p:nvSpPr>
+          <p:cNvPr id="9" name="矩形 8"/>
+          <p:cNvSpPr/>
+          <p:nvPr/>
+        </p:nvSpPr>
+        <p:spPr>
+          <a:xfrm>
+            <a:off x="203200" y="881380"/>
+            <a:ext cx="11826240" cy="5867400"/>
+          </a:xfrm>
+          <a:prstGeom prst="rect">
+            <a:avLst/>
+          </a:prstGeom>
+          <a:noFill/>
+          <a:ln w="28575">
+            <a:solidFill>
+              <a:schemeClr val="accent1">
+                <a:lumMod val="50000"/>
+              </a:schemeClr>
+            </a:solidFill>
+          </a:ln>
+          <a:effectLst/>
+        </p:spPr>
+        <p:style>
+          <a:lnRef idx="2">
+            <a:schemeClr val="accent1">
+              <a:shade val="50000"/>
+            </a:schemeClr>
+          </a:lnRef>
+          <a:fillRef idx="1">
+            <a:schemeClr val="accent1"/>
+          </a:fillRef>
+          <a:effectRef idx="0">
+            <a:schemeClr val="accent1"/>
+          </a:effectRef>
+          <a:fontRef idx="minor">
+            <a:schemeClr val="lt1"/>
+          </a:fontRef>
+        </p:style>
+        <p:txBody>
+          <a:bodyPr rtlCol="0" anchor="ctr"/>
+          <a:p>
+            <a:pPr algn="ctr"/>
+            <a:endParaRPr lang="zh-CN" altLang="en-US"/>
+          </a:p>
+        </p:txBody>
+      </p:sp>
+      <p:sp>
+        <p:nvSpPr>
+          <p:cNvPr id="6" name="矩形 5"/>
+          <p:cNvSpPr/>
+          <p:nvPr/>
+        </p:nvSpPr>
+        <p:spPr>
+          <a:xfrm>
+            <a:off x="202565" y="805815"/>
+            <a:ext cx="11826875" cy="76200"/>
+          </a:xfrm>
+          <a:prstGeom prst="rect">
+            <a:avLst/>
+          </a:prstGeom>
+          <a:gradFill>
+            <a:gsLst>
+              <a:gs pos="32000">
+                <a:schemeClr val="accent1">
+                  <a:lumMod val="60000"/>
+                  <a:lumOff val="40000"/>
+                </a:schemeClr>
+              </a:gs>
+              <a:gs pos="100000">
+                <a:schemeClr val="accent1">
+                  <a:lumMod val="50000"/>
+                </a:schemeClr>
+              </a:gs>
+            </a:gsLst>
+            <a:lin ang="0" scaled="0"/>
+          </a:gradFill>
+          <a:ln>
+            <a:noFill/>
+          </a:ln>
+          <a:effectLst>
+            <a:outerShdw blurRad="50800" dist="25400" dir="5400000" algn="t" rotWithShape="0">
+              <a:prstClr val="black">
+                <a:alpha val="19000"/>
+              </a:prstClr>
+            </a:outerShdw>
+          </a:effectLst>
+        </p:spPr>
+        <p:style>
+          <a:lnRef idx="2">
+            <a:schemeClr val="accent1">
+              <a:shade val="50000"/>
+            </a:schemeClr>
+          </a:lnRef>
+          <a:fillRef idx="1">
+            <a:schemeClr val="accent1"/>
+          </a:fillRef>
+          <a:effectRef idx="0">
+            <a:schemeClr val="accent1"/>
+          </a:effectRef>
+          <a:fontRef idx="minor">
+            <a:schemeClr val="lt1"/>
+          </a:fontRef>
+        </p:style>
+        <p:txBody>
+          <a:bodyPr rtlCol="0" anchor="ctr"/>
+          <a:p>
+            <a:pPr algn="ctr"/>
+            <a:endParaRPr lang="zh-CN" altLang="en-US"/>
+          </a:p>
+        </p:txBody>
+      </p:sp>
+    </p:spTree>
+  </p:cSld>
+  <p:clrMapOvr>
+    <a:masterClrMapping/>
+  </p:clrMapOvr>
+</p:sld>
+</file>
+
 <file path=ppt/tags/tag1.xml><?xml version="1.0" encoding="utf-8"?>
 <p:tagLst xmlns:p="http://schemas.openxmlformats.org/presentationml/2006/main">
   <p:tag name="KSO_WM_BEAUTIFY_FLAG" val=""/>
@@ -8618,8 +9914,31 @@
 
 <file path=ppt/tags/tag15.xml><?xml version="1.0" encoding="utf-8"?>
 <p:tagLst xmlns:p="http://schemas.openxmlformats.org/presentationml/2006/main">
-  <p:tag name="COMMONDATA" val="eyJoZGlkIjoiZTIyOGQxNTIzNTA2ZjJmOTAyNmEzNTdjYzAyMjMzMTIifQ=="/>
-  <p:tag name="KSO_WPP_MARK_KEY" val="57106572-17af-4763-bee3-f66a70fe43fc"/>
+  <p:tag name="KSO_WM_BEAUTIFY_FLAG" val=""/>
+</p:tagLst>
+</file>
+
+<file path=ppt/tags/tag16.xml><?xml version="1.0" encoding="utf-8"?>
+<p:tagLst xmlns:p="http://schemas.openxmlformats.org/presentationml/2006/main">
+  <p:tag name="KSO_WM_BEAUTIFY_FLAG" val=""/>
+</p:tagLst>
+</file>
+
+<file path=ppt/tags/tag17.xml><?xml version="1.0" encoding="utf-8"?>
+<p:tagLst xmlns:p="http://schemas.openxmlformats.org/presentationml/2006/main">
+  <p:tag name="KSO_WM_BEAUTIFY_FLAG" val=""/>
+</p:tagLst>
+</file>
+
+<file path=ppt/tags/tag18.xml><?xml version="1.0" encoding="utf-8"?>
+<p:tagLst xmlns:p="http://schemas.openxmlformats.org/presentationml/2006/main">
+  <p:tag name="KSO_WM_BEAUTIFY_FLAG" val=""/>
+</p:tagLst>
+</file>
+
+<file path=ppt/tags/tag19.xml><?xml version="1.0" encoding="utf-8"?>
+<p:tagLst xmlns:p="http://schemas.openxmlformats.org/presentationml/2006/main">
+  <p:tag name="KSO_WM_BEAUTIFY_FLAG" val=""/>
 </p:tagLst>
 </file>
 
@@ -8629,9 +9948,118 @@
 </p:tagLst>
 </file>
 
+<file path=ppt/tags/tag20.xml><?xml version="1.0" encoding="utf-8"?>
+<p:tagLst xmlns:p="http://schemas.openxmlformats.org/presentationml/2006/main">
+  <p:tag name="KSO_WM_BEAUTIFY_FLAG" val=""/>
+</p:tagLst>
+</file>
+
+<file path=ppt/tags/tag21.xml><?xml version="1.0" encoding="utf-8"?>
+<p:tagLst xmlns:p="http://schemas.openxmlformats.org/presentationml/2006/main">
+  <p:tag name="KSO_WM_BEAUTIFY_FLAG" val=""/>
+</p:tagLst>
+</file>
+
+<file path=ppt/tags/tag22.xml><?xml version="1.0" encoding="utf-8"?>
+<p:tagLst xmlns:p="http://schemas.openxmlformats.org/presentationml/2006/main">
+  <p:tag name="KSO_WM_BEAUTIFY_FLAG" val=""/>
+</p:tagLst>
+</file>
+
+<file path=ppt/tags/tag23.xml><?xml version="1.0" encoding="utf-8"?>
+<p:tagLst xmlns:p="http://schemas.openxmlformats.org/presentationml/2006/main">
+  <p:tag name="KSO_WM_BEAUTIFY_FLAG" val=""/>
+</p:tagLst>
+</file>
+
+<file path=ppt/tags/tag24.xml><?xml version="1.0" encoding="utf-8"?>
+<p:tagLst xmlns:p="http://schemas.openxmlformats.org/presentationml/2006/main">
+  <p:tag name="KSO_WM_BEAUTIFY_FLAG" val=""/>
+</p:tagLst>
+</file>
+
+<file path=ppt/tags/tag25.xml><?xml version="1.0" encoding="utf-8"?>
+<p:tagLst xmlns:p="http://schemas.openxmlformats.org/presentationml/2006/main">
+  <p:tag name="KSO_WM_BEAUTIFY_FLAG" val=""/>
+</p:tagLst>
+</file>
+
+<file path=ppt/tags/tag26.xml><?xml version="1.0" encoding="utf-8"?>
+<p:tagLst xmlns:p="http://schemas.openxmlformats.org/presentationml/2006/main">
+  <p:tag name="KSO_WM_BEAUTIFY_FLAG" val=""/>
+</p:tagLst>
+</file>
+
+<file path=ppt/tags/tag27.xml><?xml version="1.0" encoding="utf-8"?>
+<p:tagLst xmlns:p="http://schemas.openxmlformats.org/presentationml/2006/main">
+  <p:tag name="KSO_WM_BEAUTIFY_FLAG" val=""/>
+</p:tagLst>
+</file>
+
+<file path=ppt/tags/tag28.xml><?xml version="1.0" encoding="utf-8"?>
+<p:tagLst xmlns:p="http://schemas.openxmlformats.org/presentationml/2006/main">
+  <p:tag name="KSO_WM_BEAUTIFY_FLAG" val=""/>
+</p:tagLst>
+</file>
+
+<file path=ppt/tags/tag29.xml><?xml version="1.0" encoding="utf-8"?>
+<p:tagLst xmlns:p="http://schemas.openxmlformats.org/presentationml/2006/main">
+  <p:tag name="KSO_WM_BEAUTIFY_FLAG" val=""/>
+</p:tagLst>
+</file>
+
 <file path=ppt/tags/tag3.xml><?xml version="1.0" encoding="utf-8"?>
 <p:tagLst xmlns:p="http://schemas.openxmlformats.org/presentationml/2006/main">
   <p:tag name="KSO_WM_BEAUTIFY_FLAG" val=""/>
+</p:tagLst>
+</file>
+
+<file path=ppt/tags/tag30.xml><?xml version="1.0" encoding="utf-8"?>
+<p:tagLst xmlns:p="http://schemas.openxmlformats.org/presentationml/2006/main">
+  <p:tag name="KSO_WM_BEAUTIFY_FLAG" val=""/>
+</p:tagLst>
+</file>
+
+<file path=ppt/tags/tag31.xml><?xml version="1.0" encoding="utf-8"?>
+<p:tagLst xmlns:p="http://schemas.openxmlformats.org/presentationml/2006/main">
+  <p:tag name="KSO_WM_BEAUTIFY_FLAG" val=""/>
+</p:tagLst>
+</file>
+
+<file path=ppt/tags/tag32.xml><?xml version="1.0" encoding="utf-8"?>
+<p:tagLst xmlns:p="http://schemas.openxmlformats.org/presentationml/2006/main">
+  <p:tag name="KSO_WM_BEAUTIFY_FLAG" val=""/>
+</p:tagLst>
+</file>
+
+<file path=ppt/tags/tag33.xml><?xml version="1.0" encoding="utf-8"?>
+<p:tagLst xmlns:p="http://schemas.openxmlformats.org/presentationml/2006/main">
+  <p:tag name="KSO_WM_BEAUTIFY_FLAG" val=""/>
+</p:tagLst>
+</file>
+
+<file path=ppt/tags/tag34.xml><?xml version="1.0" encoding="utf-8"?>
+<p:tagLst xmlns:p="http://schemas.openxmlformats.org/presentationml/2006/main">
+  <p:tag name="KSO_WM_BEAUTIFY_FLAG" val=""/>
+</p:tagLst>
+</file>
+
+<file path=ppt/tags/tag35.xml><?xml version="1.0" encoding="utf-8"?>
+<p:tagLst xmlns:p="http://schemas.openxmlformats.org/presentationml/2006/main">
+  <p:tag name="KSO_WM_BEAUTIFY_FLAG" val=""/>
+</p:tagLst>
+</file>
+
+<file path=ppt/tags/tag36.xml><?xml version="1.0" encoding="utf-8"?>
+<p:tagLst xmlns:p="http://schemas.openxmlformats.org/presentationml/2006/main">
+  <p:tag name="KSO_WM_BEAUTIFY_FLAG" val=""/>
+</p:tagLst>
+</file>
+
+<file path=ppt/tags/tag37.xml><?xml version="1.0" encoding="utf-8"?>
+<p:tagLst xmlns:p="http://schemas.openxmlformats.org/presentationml/2006/main">
+  <p:tag name="COMMONDATA" val="eyJoZGlkIjoiZTIyOGQxNTIzNTA2ZjJmOTAyNmEzNTdjYzAyMjMzMTIifQ=="/>
+  <p:tag name="KSO_WPP_MARK_KEY" val="57106572-17af-4763-bee3-f66a70fe43fc"/>
 </p:tagLst>
 </file>
 

--- a/华为挑战赛-更新中-思路简图.pptx
+++ b/华为挑战赛-更新中-思路简图.pptx
@@ -2997,7 +2997,7 @@
         <p:spPr>
           <a:xfrm>
             <a:off x="624840" y="86360"/>
-            <a:ext cx="7778750" cy="583565"/>
+            <a:ext cx="2364105" cy="583565"/>
           </a:xfrm>
           <a:prstGeom prst="rect">
             <a:avLst/>
@@ -3181,8 +3181,8 @@
         </p:nvSpPr>
         <p:spPr>
           <a:xfrm>
-            <a:off x="1229360" y="2583180"/>
-            <a:ext cx="9732645" cy="1506855"/>
+            <a:off x="1185545" y="2868295"/>
+            <a:ext cx="9732645" cy="1014730"/>
           </a:xfrm>
           <a:prstGeom prst="rect">
             <a:avLst/>
@@ -3246,40 +3246,6 @@
           </a:p>
           <a:p>
             <a:pPr algn="ctr"/>
-            <a:endParaRPr lang="zh-CN" altLang="en-US" sz="3200" b="1">
-              <a:solidFill>
-                <a:schemeClr val="tx1"/>
-              </a:solidFill>
-              <a:effectLst>
-                <a:outerShdw blurRad="38100" dist="38100" dir="2700000" algn="tl">
-                  <a:srgbClr val="000000">
-                    <a:alpha val="43137"/>
-                  </a:srgbClr>
-                </a:outerShdw>
-              </a:effectLst>
-              <a:latin typeface="微软雅黑" panose="020B0503020204020204" charset="-122"/>
-              <a:ea typeface="微软雅黑" panose="020B0503020204020204" charset="-122"/>
-            </a:endParaRPr>
-          </a:p>
-          <a:p>
-            <a:pPr algn="ctr"/>
-            <a:r>
-              <a:rPr lang="zh-CN" altLang="en-US" sz="2800">
-                <a:solidFill>
-                  <a:schemeClr val="tx1"/>
-                </a:solidFill>
-                <a:effectLst>
-                  <a:outerShdw blurRad="38100" dist="38100" dir="2700000" algn="tl">
-                    <a:srgbClr val="000000">
-                      <a:alpha val="43137"/>
-                    </a:srgbClr>
-                  </a:outerShdw>
-                </a:effectLst>
-                <a:latin typeface="微软雅黑" panose="020B0503020204020204" charset="-122"/>
-                <a:ea typeface="微软雅黑" panose="020B0503020204020204" charset="-122"/>
-              </a:rPr>
-              <a:t>汇报人：刘志远</a:t>
-            </a:r>
             <a:endParaRPr lang="zh-CN" altLang="en-US" sz="2800">
               <a:solidFill>
                 <a:schemeClr val="tx1"/>
@@ -6928,7 +6894,7 @@
         <p:spPr>
           <a:xfrm>
             <a:off x="5249545" y="1339215"/>
-            <a:ext cx="6393180" cy="1630045"/>
+            <a:ext cx="6393180" cy="1938020"/>
           </a:xfrm>
           <a:prstGeom prst="rect">
             <a:avLst/>
@@ -7078,6 +7044,33 @@
                 <a:sym typeface="+mn-ea"/>
               </a:rPr>
               <a:t>问题</a:t>
+            </a:r>
+            <a:r>
+              <a:rPr lang="en-US" altLang="zh-CN" sz="2000" b="1">
+                <a:highlight>
+                  <a:srgbClr val="00FFFF"/>
+                </a:highlight>
+                <a:sym typeface="+mn-ea"/>
+              </a:rPr>
+              <a:t>. </a:t>
+            </a:r>
+            <a:r>
+              <a:rPr lang="zh-CN" altLang="en-US" sz="2000" b="1">
+                <a:highlight>
+                  <a:srgbClr val="00FFFF"/>
+                </a:highlight>
+                <a:sym typeface="+mn-ea"/>
+              </a:rPr>
+              <a:t>完成当前订单，不用实时更</a:t>
+            </a:r>
+            <a:r>
+              <a:rPr lang="zh-CN" altLang="en-US" sz="2000" b="1">
+                <a:highlight>
+                  <a:srgbClr val="00FFFF"/>
+                </a:highlight>
+                <a:sym typeface="+mn-ea"/>
+              </a:rPr>
+              <a:t>新。</a:t>
             </a:r>
             <a:endParaRPr lang="zh-CN" altLang="en-US" sz="2000" b="1">
               <a:highlight>
@@ -7748,6 +7741,24 @@
                 </a:rPr>
                 <a:t> </a:t>
               </a:r>
+              <a:r>
+                <a:rPr lang="zh-CN" altLang="en-US" sz="1400" b="1">
+                  <a:highlight>
+                    <a:srgbClr val="00FFFF"/>
+                  </a:highlight>
+                  <a:sym typeface="+mn-ea"/>
+                </a:rPr>
+                <a:t>（</a:t>
+              </a:r>
+              <a:r>
+                <a:rPr lang="zh-CN" altLang="en-US" sz="1400" b="1">
+                  <a:highlight>
+                    <a:srgbClr val="00FFFF"/>
+                  </a:highlight>
+                  <a:sym typeface="+mn-ea"/>
+                </a:rPr>
+                <a:t>李）</a:t>
+              </a:r>
               <a:endParaRPr lang="en-US" altLang="zh-CN" sz="1400" b="1">
                 <a:highlight>
                   <a:srgbClr val="00FFFF"/>
@@ -7770,7 +7781,16 @@
                   </a:highlight>
                   <a:sym typeface="+mn-ea"/>
                 </a:rPr>
-                <a:t>考虑组合优化。建立成本函数。</a:t>
+                <a:t>考虑组合优化。建立成本函数。（不可能全局最优，尽可能</a:t>
+              </a:r>
+              <a:r>
+                <a:rPr lang="zh-CN" altLang="en-US" sz="1400" b="1">
+                  <a:highlight>
+                    <a:srgbClr val="00FFFF"/>
+                  </a:highlight>
+                  <a:sym typeface="+mn-ea"/>
+                </a:rPr>
+                <a:t>贪心）</a:t>
               </a:r>
               <a:endParaRPr lang="zh-CN" altLang="en-US" sz="1400" b="1">
                 <a:highlight>
@@ -7952,9 +7972,21 @@
                 </a:rPr>
                 <a:t>”</a:t>
               </a:r>
+              <a:r>
+                <a:rPr lang="zh-CN" altLang="en-US" sz="1400" b="1">
+                  <a:solidFill>
+                    <a:schemeClr val="tx1"/>
+                  </a:solidFill>
+                  <a:highlight>
+                    <a:srgbClr val="00FFFF"/>
+                  </a:highlight>
+                  <a:sym typeface="+mn-ea"/>
+                </a:rPr>
+                <a:t>（邓）</a:t>
+              </a:r>
               <a:endParaRPr lang="zh-CN" altLang="en-US" sz="1400">
                 <a:solidFill>
-                  <a:srgbClr val="C00000"/>
+                  <a:schemeClr val="tx1"/>
                 </a:solidFill>
                 <a:latin typeface="微软雅黑" panose="020B0503020204020204" charset="-122"/>
                 <a:ea typeface="微软雅黑" panose="020B0503020204020204" charset="-122"/>
@@ -7977,7 +8009,16 @@
                   </a:highlight>
                   <a:sym typeface="+mn-ea"/>
                 </a:rPr>
-                <a:t>考虑时间成本以及躲避障碍。</a:t>
+                <a:t>考虑时间成本以及躲避障碍。（可最优</a:t>
+              </a:r>
+              <a:r>
+                <a:rPr lang="zh-CN" altLang="en-US" sz="1400" b="1">
+                  <a:highlight>
+                    <a:srgbClr val="00FFFF"/>
+                  </a:highlight>
+                  <a:sym typeface="+mn-ea"/>
+                </a:rPr>
+                <a:t>解）</a:t>
               </a:r>
               <a:endParaRPr lang="zh-CN" altLang="en-US" sz="1400" b="1">
                 <a:highlight>
@@ -8003,7 +8044,16 @@
                   <a:cs typeface="微软雅黑" panose="020B0503020204020204" charset="-122"/>
                   <a:sym typeface="+mn-ea"/>
                 </a:rPr>
-                <a:t>1. 走出完美曲线，最短时间到达靶工作站。</a:t>
+                <a:t>1. 走出完美曲线，最短时间到达靶工作站。（</a:t>
+              </a:r>
+              <a:r>
+                <a:rPr lang="zh-CN" altLang="en-US" sz="1400">
+                  <a:latin typeface="微软雅黑" panose="020B0503020204020204" charset="-122"/>
+                  <a:ea typeface="微软雅黑" panose="020B0503020204020204" charset="-122"/>
+                  <a:cs typeface="微软雅黑" panose="020B0503020204020204" charset="-122"/>
+                  <a:sym typeface="+mn-ea"/>
+                </a:rPr>
+                <a:t>有最优解）</a:t>
               </a:r>
               <a:endParaRPr lang="zh-CN" altLang="en-US" sz="1400">
                 <a:latin typeface="微软雅黑" panose="020B0503020204020204" charset="-122"/>
@@ -8029,7 +8079,7 @@
                   <a:cs typeface="微软雅黑" panose="020B0503020204020204" charset="-122"/>
                   <a:sym typeface="+mn-ea"/>
                 </a:rPr>
-                <a:t>2. 机器人碰撞检测，墙壁碰撞检测。</a:t>
+                <a:t>2. 机器人碰撞检测，墙壁碰撞检测。（）</a:t>
               </a:r>
               <a:endParaRPr lang="zh-CN" altLang="en-US" sz="1400">
                 <a:latin typeface="微软雅黑" panose="020B0503020204020204" charset="-122"/>
@@ -9329,6 +9379,49 @@
               <a:t>针</a:t>
             </a:r>
             <a:endParaRPr lang="zh-CN" altLang="en-US"/>
+          </a:p>
+        </p:txBody>
+      </p:sp>
+      <p:sp>
+        <p:nvSpPr>
+          <p:cNvPr id="7" name="左弧形箭头 6"/>
+          <p:cNvSpPr/>
+          <p:nvPr/>
+        </p:nvSpPr>
+        <p:spPr>
+          <a:xfrm>
+            <a:off x="3411220" y="2751455"/>
+            <a:ext cx="402590" cy="827405"/>
+          </a:xfrm>
+          <a:prstGeom prst="curvedRightArrow">
+            <a:avLst/>
+          </a:prstGeom>
+        </p:spPr>
+        <p:style>
+          <a:lnRef idx="2">
+            <a:schemeClr val="accent1">
+              <a:shade val="50000"/>
+            </a:schemeClr>
+          </a:lnRef>
+          <a:fillRef idx="1">
+            <a:schemeClr val="accent1"/>
+          </a:fillRef>
+          <a:effectRef idx="0">
+            <a:schemeClr val="accent1"/>
+          </a:effectRef>
+          <a:fontRef idx="minor">
+            <a:schemeClr val="lt1"/>
+          </a:fontRef>
+        </p:style>
+        <p:txBody>
+          <a:bodyPr rtlCol="0" anchor="ctr"/>
+          <a:p>
+            <a:pPr algn="ctr"/>
+            <a:endParaRPr lang="zh-CN" altLang="en-US">
+              <a:solidFill>
+                <a:schemeClr val="tx1"/>
+              </a:solidFill>
+            </a:endParaRPr>
           </a:p>
         </p:txBody>
       </p:sp>

--- a/华为挑战赛-更新中-思路简图.pptx
+++ b/华为挑战赛-更新中-思路简图.pptx
@@ -8389,88 +8389,103 @@
           </a:p>
         </p:txBody>
       </p:sp>
-      <p:cxnSp>
-        <p:nvCxnSpPr>
-          <p:cNvPr id="2" name="直接箭头连接符 1"/>
-          <p:cNvCxnSpPr/>
+      <p:grpSp>
+        <p:nvGrpSpPr>
+          <p:cNvPr id="8" name="组合 7"/>
+          <p:cNvGrpSpPr/>
           <p:nvPr/>
-        </p:nvCxnSpPr>
-        <p:spPr>
-          <a:xfrm flipV="1">
+        </p:nvGrpSpPr>
+        <p:grpSpPr>
+          <a:xfrm>
             <a:off x="1587500" y="1157605"/>
-            <a:ext cx="6985" cy="4719955"/>
+            <a:ext cx="8627110" cy="4719320"/>
+            <a:chOff x="2500" y="1823"/>
+            <a:chExt cx="13586" cy="7432"/>
           </a:xfrm>
-          <a:prstGeom prst="straightConnector1">
-            <a:avLst/>
-          </a:prstGeom>
-          <a:ln w="28575" cmpd="sng">
-            <a:solidFill>
-              <a:schemeClr val="accent1">
-                <a:shade val="50000"/>
-              </a:schemeClr>
-            </a:solidFill>
-            <a:prstDash val="solid"/>
-            <a:tailEnd type="arrow"/>
-          </a:ln>
-        </p:spPr>
-        <p:style>
-          <a:lnRef idx="1">
-            <a:schemeClr val="accent1"/>
-          </a:lnRef>
-          <a:fillRef idx="0">
-            <a:schemeClr val="accent1"/>
-          </a:fillRef>
-          <a:effectRef idx="0">
-            <a:schemeClr val="accent1"/>
-          </a:effectRef>
-          <a:fontRef idx="minor">
-            <a:schemeClr val="tx1"/>
-          </a:fontRef>
-        </p:style>
-      </p:cxnSp>
-      <p:cxnSp>
-        <p:nvCxnSpPr>
-          <p:cNvPr id="3" name="直接箭头连接符 2"/>
-          <p:cNvCxnSpPr/>
-          <p:nvPr>
-            <p:custDataLst>
-              <p:tags r:id="rId1"/>
-            </p:custDataLst>
-          </p:nvPr>
-        </p:nvCxnSpPr>
-        <p:spPr>
-          <a:xfrm flipV="1">
-            <a:off x="1587500" y="5841365"/>
-            <a:ext cx="8627745" cy="36195"/>
-          </a:xfrm>
-          <a:prstGeom prst="straightConnector1">
-            <a:avLst/>
-          </a:prstGeom>
-          <a:ln w="28575" cmpd="sng">
-            <a:solidFill>
-              <a:schemeClr val="accent1">
-                <a:shade val="50000"/>
-              </a:schemeClr>
-            </a:solidFill>
-            <a:prstDash val="solid"/>
-            <a:tailEnd type="arrow"/>
-          </a:ln>
-        </p:spPr>
-        <p:style>
-          <a:lnRef idx="1">
-            <a:schemeClr val="accent1"/>
-          </a:lnRef>
-          <a:fillRef idx="0">
-            <a:schemeClr val="accent1"/>
-          </a:fillRef>
-          <a:effectRef idx="0">
-            <a:schemeClr val="accent1"/>
-          </a:effectRef>
-          <a:fontRef idx="minor">
-            <a:schemeClr val="tx1"/>
-          </a:fontRef>
-        </p:style>
-      </p:cxnSp>
+        </p:grpSpPr>
+        <p:cxnSp>
+          <p:nvCxnSpPr>
+            <p:cNvPr id="2" name="直接箭头连接符 1"/>
+            <p:cNvCxnSpPr/>
+            <p:nvPr/>
+          </p:nvCxnSpPr>
+          <p:spPr>
+            <a:xfrm flipV="1">
+              <a:off x="2500" y="1823"/>
+              <a:ext cx="11" cy="7433"/>
+            </a:xfrm>
+            <a:prstGeom prst="straightConnector1">
+              <a:avLst/>
+            </a:prstGeom>
+            <a:ln w="28575" cmpd="sng">
+              <a:solidFill>
+                <a:schemeClr val="accent1">
+                  <a:shade val="50000"/>
+                </a:schemeClr>
+              </a:solidFill>
+              <a:prstDash val="solid"/>
+              <a:tailEnd type="arrow"/>
+            </a:ln>
+          </p:spPr>
+          <p:style>
+            <a:lnRef idx="1">
+              <a:schemeClr val="accent1"/>
+            </a:lnRef>
+            <a:fillRef idx="0">
+              <a:schemeClr val="accent1"/>
+            </a:fillRef>
+            <a:effectRef idx="0">
+              <a:schemeClr val="accent1"/>
+            </a:effectRef>
+            <a:fontRef idx="minor">
+              <a:schemeClr val="tx1"/>
+            </a:fontRef>
+          </p:style>
+        </p:cxnSp>
+        <p:cxnSp>
+          <p:nvCxnSpPr>
+            <p:cNvPr id="3" name="直接箭头连接符 2"/>
+            <p:cNvCxnSpPr/>
+            <p:nvPr>
+              <p:custDataLst>
+                <p:tags r:id="rId1"/>
+              </p:custDataLst>
+            </p:nvPr>
+          </p:nvCxnSpPr>
+          <p:spPr>
+            <a:xfrm flipV="1">
+              <a:off x="2500" y="9199"/>
+              <a:ext cx="13587" cy="57"/>
+            </a:xfrm>
+            <a:prstGeom prst="straightConnector1">
+              <a:avLst/>
+            </a:prstGeom>
+            <a:ln w="28575" cmpd="sng">
+              <a:solidFill>
+                <a:schemeClr val="accent1">
+                  <a:shade val="50000"/>
+                </a:schemeClr>
+              </a:solidFill>
+              <a:prstDash val="solid"/>
+              <a:tailEnd type="arrow"/>
+            </a:ln>
+          </p:spPr>
+          <p:style>
+            <a:lnRef idx="1">
+              <a:schemeClr val="accent1"/>
+            </a:lnRef>
+            <a:fillRef idx="0">
+              <a:schemeClr val="accent1"/>
+            </a:fillRef>
+            <a:effectRef idx="0">
+              <a:schemeClr val="accent1"/>
+            </a:effectRef>
+            <a:fontRef idx="minor">
+              <a:schemeClr val="tx1"/>
+            </a:fontRef>
+          </p:style>
+        </p:cxnSp>
+      </p:grpSp>
       <p:cxnSp>
         <p:nvCxnSpPr>
           <p:cNvPr id="12" name="直接箭头连接符 11"/>
@@ -8479,7 +8494,7 @@
         </p:nvCxnSpPr>
         <p:spPr>
           <a:xfrm>
-            <a:off x="4859655" y="3310255"/>
+            <a:off x="4908550" y="3978275"/>
             <a:ext cx="719455" cy="721995"/>
           </a:xfrm>
           <a:prstGeom prst="straightConnector1">
@@ -8518,7 +8533,7 @@
         </p:nvSpPr>
         <p:spPr>
           <a:xfrm>
-            <a:off x="4617720" y="3016250"/>
+            <a:off x="4666615" y="3684270"/>
             <a:ext cx="358140" cy="439420"/>
           </a:xfrm>
           <a:prstGeom prst="mathMultiply">
@@ -8557,7 +8572,7 @@
         </p:nvSpPr>
         <p:spPr>
           <a:xfrm>
-            <a:off x="7244715" y="1932305"/>
+            <a:off x="7293610" y="2600325"/>
             <a:ext cx="321945" cy="306705"/>
           </a:xfrm>
           <a:prstGeom prst="ellipse">
@@ -8596,7 +8611,7 @@
         </p:nvSpPr>
         <p:spPr>
           <a:xfrm>
-            <a:off x="3898900" y="3082925"/>
+            <a:off x="3947795" y="3750945"/>
             <a:ext cx="718820" cy="306705"/>
           </a:xfrm>
           <a:prstGeom prst="rect">
@@ -8629,7 +8644,7 @@
         </p:nvCxnSpPr>
         <p:spPr>
           <a:xfrm flipV="1">
-            <a:off x="4975860" y="2188210"/>
+            <a:off x="5024755" y="2856230"/>
             <a:ext cx="2224405" cy="1017270"/>
           </a:xfrm>
           <a:prstGeom prst="straightConnector1">
@@ -8672,7 +8687,7 @@
         </p:nvSpPr>
         <p:spPr>
           <a:xfrm>
-            <a:off x="7045960" y="1519555"/>
+            <a:off x="7094855" y="2187575"/>
             <a:ext cx="718820" cy="306705"/>
           </a:xfrm>
           <a:prstGeom prst="rect">
@@ -8705,7 +8720,7 @@
         </p:nvCxnSpPr>
         <p:spPr>
           <a:xfrm flipV="1">
-            <a:off x="4786630" y="2049145"/>
+            <a:off x="4835525" y="2717165"/>
             <a:ext cx="6350" cy="1033780"/>
           </a:xfrm>
           <a:prstGeom prst="straightConnector1">
@@ -8750,7 +8765,7 @@
         </p:nvCxnSpPr>
         <p:spPr>
           <a:xfrm>
-            <a:off x="4741545" y="2070735"/>
+            <a:off x="4790440" y="2738755"/>
             <a:ext cx="2503170" cy="15240"/>
           </a:xfrm>
           <a:prstGeom prst="straightConnector1">
@@ -8801,7 +8816,7 @@
         </p:blipFill>
         <p:spPr>
           <a:xfrm>
-            <a:off x="3956050" y="3455670"/>
+            <a:off x="4004945" y="4123690"/>
             <a:ext cx="830580" cy="399415"/>
           </a:xfrm>
           <a:prstGeom prst="rect">
@@ -8829,7 +8844,7 @@
         </p:blipFill>
         <p:spPr>
           <a:xfrm>
-            <a:off x="7691755" y="1890395"/>
+            <a:off x="7740650" y="2558415"/>
             <a:ext cx="724535" cy="348615"/>
           </a:xfrm>
           <a:prstGeom prst="rect">
@@ -8857,7 +8872,7 @@
         </p:blipFill>
         <p:spPr>
           <a:xfrm>
-            <a:off x="5210810" y="1764665"/>
+            <a:off x="5259705" y="2432685"/>
             <a:ext cx="1396365" cy="203835"/>
           </a:xfrm>
           <a:prstGeom prst="rect">
@@ -8885,7 +8900,7 @@
         </p:blipFill>
         <p:spPr>
           <a:xfrm>
-            <a:off x="4162425" y="2418080"/>
+            <a:off x="4211320" y="3086100"/>
             <a:ext cx="1270000" cy="240665"/>
           </a:xfrm>
           <a:prstGeom prst="rect">
@@ -8901,7 +8916,7 @@
         </p:nvSpPr>
         <p:spPr>
           <a:xfrm rot="10140000">
-            <a:off x="6685915" y="1861820"/>
+            <a:off x="6734810" y="2529840"/>
             <a:ext cx="188595" cy="474980"/>
           </a:xfrm>
           <a:prstGeom prst="arc">
@@ -8950,7 +8965,7 @@
         </p:nvCxnSpPr>
         <p:spPr>
           <a:xfrm>
-            <a:off x="4926965" y="3288030"/>
+            <a:off x="4975860" y="3956050"/>
             <a:ext cx="2503170" cy="15240"/>
           </a:xfrm>
           <a:prstGeom prst="straightConnector1">
@@ -8993,7 +9008,7 @@
         </p:nvSpPr>
         <p:spPr>
           <a:xfrm rot="3720000">
-            <a:off x="4862195" y="3146425"/>
+            <a:off x="4911090" y="3814445"/>
             <a:ext cx="188595" cy="474980"/>
           </a:xfrm>
           <a:prstGeom prst="arc">
@@ -9050,7 +9065,7 @@
         </p:blipFill>
         <p:spPr>
           <a:xfrm>
-            <a:off x="7045960" y="2377440"/>
+            <a:off x="7094855" y="3045460"/>
             <a:ext cx="1853565" cy="574675"/>
           </a:xfrm>
           <a:prstGeom prst="rect">
@@ -9078,7 +9093,7 @@
         </p:blipFill>
         <p:spPr>
           <a:xfrm>
-            <a:off x="6342380" y="2137410"/>
+            <a:off x="6391275" y="2805430"/>
             <a:ext cx="201295" cy="340360"/>
           </a:xfrm>
           <a:prstGeom prst="rect">
@@ -9106,7 +9121,7 @@
         </p:blipFill>
         <p:spPr>
           <a:xfrm>
-            <a:off x="5377815" y="3307715"/>
+            <a:off x="5426710" y="3975735"/>
             <a:ext cx="201295" cy="450215"/>
           </a:xfrm>
           <a:prstGeom prst="rect">
@@ -9114,274 +9129,6 @@
           </a:prstGeom>
         </p:spPr>
       </p:pic>
-      <p:pic>
-        <p:nvPicPr>
-          <p:cNvPr id="33" name="图片 32"/>
-          <p:cNvPicPr>
-            <a:picLocks noChangeAspect="1"/>
-          </p:cNvPicPr>
-          <p:nvPr>
-            <p:custDataLst>
-              <p:tags r:id="rId22"/>
-            </p:custDataLst>
-          </p:nvPr>
-        </p:nvPicPr>
-        <p:blipFill>
-          <a:blip r:embed="rId23"/>
-          <a:stretch>
-            <a:fillRect/>
-          </a:stretch>
-        </p:blipFill>
-        <p:spPr>
-          <a:xfrm>
-            <a:off x="2286635" y="4377055"/>
-            <a:ext cx="4361180" cy="314960"/>
-          </a:xfrm>
-          <a:prstGeom prst="rect">
-            <a:avLst/>
-          </a:prstGeom>
-        </p:spPr>
-      </p:pic>
-      <p:sp>
-        <p:nvSpPr>
-          <p:cNvPr id="44" name="右箭头 43"/>
-          <p:cNvSpPr/>
-          <p:nvPr>
-            <p:custDataLst>
-              <p:tags r:id="rId24"/>
-            </p:custDataLst>
-          </p:nvPr>
-        </p:nvSpPr>
-        <p:spPr>
-          <a:xfrm>
-            <a:off x="6932295" y="4540250"/>
-            <a:ext cx="681355" cy="151765"/>
-          </a:xfrm>
-          <a:prstGeom prst="rightArrow">
-            <a:avLst/>
-          </a:prstGeom>
-        </p:spPr>
-        <p:style>
-          <a:lnRef idx="2">
-            <a:schemeClr val="accent1">
-              <a:shade val="50000"/>
-            </a:schemeClr>
-          </a:lnRef>
-          <a:fillRef idx="1">
-            <a:schemeClr val="accent1"/>
-          </a:fillRef>
-          <a:effectRef idx="0">
-            <a:schemeClr val="accent1"/>
-          </a:effectRef>
-          <a:fontRef idx="minor">
-            <a:schemeClr val="lt1"/>
-          </a:fontRef>
-        </p:style>
-        <p:txBody>
-          <a:bodyPr rtlCol="0" anchor="ctr"/>
-          <a:p>
-            <a:pPr algn="ctr"/>
-            <a:endParaRPr lang="zh-CN" altLang="en-US"/>
-          </a:p>
-        </p:txBody>
-      </p:sp>
-      <p:pic>
-        <p:nvPicPr>
-          <p:cNvPr id="34" name="图片 33"/>
-          <p:cNvPicPr>
-            <a:picLocks noChangeAspect="1"/>
-          </p:cNvPicPr>
-          <p:nvPr>
-            <p:custDataLst>
-              <p:tags r:id="rId25"/>
-            </p:custDataLst>
-          </p:nvPr>
-        </p:nvPicPr>
-        <p:blipFill>
-          <a:blip r:embed="rId26"/>
-          <a:stretch>
-            <a:fillRect/>
-          </a:stretch>
-        </p:blipFill>
-        <p:spPr>
-          <a:xfrm>
-            <a:off x="7898130" y="4377055"/>
-            <a:ext cx="419100" cy="412750"/>
-          </a:xfrm>
-          <a:prstGeom prst="rect">
-            <a:avLst/>
-          </a:prstGeom>
-        </p:spPr>
-      </p:pic>
-      <p:pic>
-        <p:nvPicPr>
-          <p:cNvPr id="36" name="图片 35"/>
-          <p:cNvPicPr>
-            <a:picLocks noChangeAspect="1"/>
-          </p:cNvPicPr>
-          <p:nvPr>
-            <p:custDataLst>
-              <p:tags r:id="rId27"/>
-            </p:custDataLst>
-          </p:nvPr>
-        </p:nvPicPr>
-        <p:blipFill>
-          <a:blip r:embed="rId28"/>
-          <a:stretch>
-            <a:fillRect/>
-          </a:stretch>
-        </p:blipFill>
-        <p:spPr>
-          <a:xfrm>
-            <a:off x="3473450" y="5127625"/>
-            <a:ext cx="1724025" cy="288290"/>
-          </a:xfrm>
-          <a:prstGeom prst="rect">
-            <a:avLst/>
-          </a:prstGeom>
-        </p:spPr>
-      </p:pic>
-      <p:sp>
-        <p:nvSpPr>
-          <p:cNvPr id="37" name="右箭头 36"/>
-          <p:cNvSpPr/>
-          <p:nvPr>
-            <p:custDataLst>
-              <p:tags r:id="rId29"/>
-            </p:custDataLst>
-          </p:nvPr>
-        </p:nvSpPr>
-        <p:spPr>
-          <a:xfrm>
-            <a:off x="6932295" y="5259070"/>
-            <a:ext cx="681355" cy="151765"/>
-          </a:xfrm>
-          <a:prstGeom prst="rightArrow">
-            <a:avLst/>
-          </a:prstGeom>
-        </p:spPr>
-        <p:style>
-          <a:lnRef idx="2">
-            <a:schemeClr val="accent1">
-              <a:shade val="50000"/>
-            </a:schemeClr>
-          </a:lnRef>
-          <a:fillRef idx="1">
-            <a:schemeClr val="accent1"/>
-          </a:fillRef>
-          <a:effectRef idx="0">
-            <a:schemeClr val="accent1"/>
-          </a:effectRef>
-          <a:fontRef idx="minor">
-            <a:schemeClr val="lt1"/>
-          </a:fontRef>
-        </p:style>
-        <p:txBody>
-          <a:bodyPr rtlCol="0" anchor="ctr"/>
-          <a:p>
-            <a:pPr algn="ctr"/>
-            <a:endParaRPr lang="zh-CN" altLang="en-US"/>
-          </a:p>
-        </p:txBody>
-      </p:sp>
-      <p:pic>
-        <p:nvPicPr>
-          <p:cNvPr id="38" name="图片 37"/>
-          <p:cNvPicPr>
-            <a:picLocks noChangeAspect="1"/>
-          </p:cNvPicPr>
-          <p:nvPr>
-            <p:custDataLst>
-              <p:tags r:id="rId30"/>
-            </p:custDataLst>
-          </p:nvPr>
-        </p:nvPicPr>
-        <p:blipFill>
-          <a:blip r:embed="rId31"/>
-          <a:stretch>
-            <a:fillRect/>
-          </a:stretch>
-        </p:blipFill>
-        <p:spPr>
-          <a:xfrm>
-            <a:off x="7915275" y="5321935"/>
-            <a:ext cx="393700" cy="25400"/>
-          </a:xfrm>
-          <a:prstGeom prst="rect">
-            <a:avLst/>
-          </a:prstGeom>
-        </p:spPr>
-      </p:pic>
-      <p:sp>
-        <p:nvSpPr>
-          <p:cNvPr id="40" name="文本框 39"/>
-          <p:cNvSpPr txBox="1"/>
-          <p:nvPr>
-            <p:custDataLst>
-              <p:tags r:id="rId32"/>
-            </p:custDataLst>
-          </p:nvPr>
-        </p:nvSpPr>
-        <p:spPr>
-          <a:xfrm>
-            <a:off x="8601710" y="4421505"/>
-            <a:ext cx="1040765" cy="368300"/>
-          </a:xfrm>
-          <a:prstGeom prst="rect">
-            <a:avLst/>
-          </a:prstGeom>
-          <a:noFill/>
-        </p:spPr>
-        <p:txBody>
-          <a:bodyPr wrap="square" rtlCol="0">
-            <a:spAutoFit/>
-          </a:bodyPr>
-          <a:p>
-            <a:r>
-              <a:rPr lang="zh-CN" altLang="en-US"/>
-              <a:t>逆时针</a:t>
-            </a:r>
-            <a:endParaRPr lang="zh-CN" altLang="en-US"/>
-          </a:p>
-        </p:txBody>
-      </p:sp>
-      <p:sp>
-        <p:nvSpPr>
-          <p:cNvPr id="41" name="文本框 40"/>
-          <p:cNvSpPr txBox="1"/>
-          <p:nvPr>
-            <p:custDataLst>
-              <p:tags r:id="rId33"/>
-            </p:custDataLst>
-          </p:nvPr>
-        </p:nvSpPr>
-        <p:spPr>
-          <a:xfrm>
-            <a:off x="8623935" y="5103495"/>
-            <a:ext cx="1040765" cy="368300"/>
-          </a:xfrm>
-          <a:prstGeom prst="rect">
-            <a:avLst/>
-          </a:prstGeom>
-          <a:noFill/>
-        </p:spPr>
-        <p:txBody>
-          <a:bodyPr wrap="square" rtlCol="0">
-            <a:spAutoFit/>
-          </a:bodyPr>
-          <a:p>
-            <a:r>
-              <a:rPr lang="zh-CN" altLang="en-US"/>
-              <a:t>顺时</a:t>
-            </a:r>
-            <a:r>
-              <a:rPr lang="zh-CN" altLang="en-US"/>
-              <a:t>针</a:t>
-            </a:r>
-            <a:endParaRPr lang="zh-CN" altLang="en-US"/>
-          </a:p>
-        </p:txBody>
-      </p:sp>
       <p:sp>
         <p:nvSpPr>
           <p:cNvPr id="7" name="左弧形箭头 6"/>
@@ -9390,7 +9137,7 @@
         </p:nvSpPr>
         <p:spPr>
           <a:xfrm>
-            <a:off x="3411220" y="2751455"/>
+            <a:off x="3460115" y="3419475"/>
             <a:ext cx="402590" cy="827405"/>
           </a:xfrm>
           <a:prstGeom prst="curvedRightArrow">
@@ -9517,7 +9264,7 @@
         <p:spPr>
           <a:xfrm>
             <a:off x="624840" y="86360"/>
-            <a:ext cx="7778750" cy="583565"/>
+            <a:ext cx="3827145" cy="583565"/>
           </a:xfrm>
           <a:prstGeom prst="rect">
             <a:avLst/>
@@ -9693,6 +9440,574 @@
           </a:p>
         </p:txBody>
       </p:sp>
+      <p:grpSp>
+        <p:nvGrpSpPr>
+          <p:cNvPr id="8" name="组合 7"/>
+          <p:cNvGrpSpPr/>
+          <p:nvPr/>
+        </p:nvGrpSpPr>
+        <p:grpSpPr>
+          <a:xfrm>
+            <a:off x="1587500" y="1157605"/>
+            <a:ext cx="8627110" cy="4719320"/>
+            <a:chOff x="2500" y="1823"/>
+            <a:chExt cx="13586" cy="7432"/>
+          </a:xfrm>
+        </p:grpSpPr>
+        <p:cxnSp>
+          <p:nvCxnSpPr>
+            <p:cNvPr id="2" name="直接箭头连接符 1"/>
+            <p:cNvCxnSpPr/>
+            <p:nvPr>
+              <p:custDataLst>
+                <p:tags r:id="rId1"/>
+              </p:custDataLst>
+            </p:nvPr>
+          </p:nvCxnSpPr>
+          <p:spPr>
+            <a:xfrm flipV="1">
+              <a:off x="2500" y="1823"/>
+              <a:ext cx="11" cy="7433"/>
+            </a:xfrm>
+            <a:prstGeom prst="straightConnector1">
+              <a:avLst/>
+            </a:prstGeom>
+            <a:ln w="28575" cmpd="sng">
+              <a:solidFill>
+                <a:schemeClr val="accent1">
+                  <a:shade val="50000"/>
+                </a:schemeClr>
+              </a:solidFill>
+              <a:prstDash val="solid"/>
+              <a:tailEnd type="arrow"/>
+            </a:ln>
+          </p:spPr>
+          <p:style>
+            <a:lnRef idx="1">
+              <a:schemeClr val="accent1"/>
+            </a:lnRef>
+            <a:fillRef idx="0">
+              <a:schemeClr val="accent1"/>
+            </a:fillRef>
+            <a:effectRef idx="0">
+              <a:schemeClr val="accent1"/>
+            </a:effectRef>
+            <a:fontRef idx="minor">
+              <a:schemeClr val="tx1"/>
+            </a:fontRef>
+          </p:style>
+        </p:cxnSp>
+        <p:cxnSp>
+          <p:nvCxnSpPr>
+            <p:cNvPr id="3" name="直接箭头连接符 2"/>
+            <p:cNvCxnSpPr/>
+            <p:nvPr>
+              <p:custDataLst>
+                <p:tags r:id="rId2"/>
+              </p:custDataLst>
+            </p:nvPr>
+          </p:nvCxnSpPr>
+          <p:spPr>
+            <a:xfrm flipV="1">
+              <a:off x="2500" y="9199"/>
+              <a:ext cx="13587" cy="57"/>
+            </a:xfrm>
+            <a:prstGeom prst="straightConnector1">
+              <a:avLst/>
+            </a:prstGeom>
+            <a:ln w="28575" cmpd="sng">
+              <a:solidFill>
+                <a:schemeClr val="accent1">
+                  <a:shade val="50000"/>
+                </a:schemeClr>
+              </a:solidFill>
+              <a:prstDash val="solid"/>
+              <a:tailEnd type="arrow"/>
+            </a:ln>
+          </p:spPr>
+          <p:style>
+            <a:lnRef idx="1">
+              <a:schemeClr val="accent1"/>
+            </a:lnRef>
+            <a:fillRef idx="0">
+              <a:schemeClr val="accent1"/>
+            </a:fillRef>
+            <a:effectRef idx="0">
+              <a:schemeClr val="accent1"/>
+            </a:effectRef>
+            <a:fontRef idx="minor">
+              <a:schemeClr val="tx1"/>
+            </a:fontRef>
+          </p:style>
+        </p:cxnSp>
+      </p:grpSp>
+      <p:sp>
+        <p:nvSpPr>
+          <p:cNvPr id="14" name="乘号 13"/>
+          <p:cNvSpPr/>
+          <p:nvPr>
+            <p:custDataLst>
+              <p:tags r:id="rId3"/>
+            </p:custDataLst>
+          </p:nvPr>
+        </p:nvSpPr>
+        <p:spPr>
+          <a:xfrm>
+            <a:off x="3117215" y="4178935"/>
+            <a:ext cx="358140" cy="439420"/>
+          </a:xfrm>
+          <a:prstGeom prst="mathMultiply">
+            <a:avLst/>
+          </a:prstGeom>
+        </p:spPr>
+        <p:style>
+          <a:lnRef idx="2">
+            <a:schemeClr val="accent1">
+              <a:shade val="50000"/>
+            </a:schemeClr>
+          </a:lnRef>
+          <a:fillRef idx="1">
+            <a:schemeClr val="accent1"/>
+          </a:fillRef>
+          <a:effectRef idx="0">
+            <a:schemeClr val="accent1"/>
+          </a:effectRef>
+          <a:fontRef idx="minor">
+            <a:schemeClr val="lt1"/>
+          </a:fontRef>
+        </p:style>
+        <p:txBody>
+          <a:bodyPr rtlCol="0" anchor="ctr"/>
+          <a:p>
+            <a:pPr algn="ctr"/>
+            <a:endParaRPr lang="zh-CN" altLang="en-US"/>
+          </a:p>
+        </p:txBody>
+      </p:sp>
+      <p:sp>
+        <p:nvSpPr>
+          <p:cNvPr id="16" name="文本框 15"/>
+          <p:cNvSpPr txBox="1"/>
+          <p:nvPr>
+            <p:custDataLst>
+              <p:tags r:id="rId4"/>
+            </p:custDataLst>
+          </p:nvPr>
+        </p:nvSpPr>
+        <p:spPr>
+          <a:xfrm>
+            <a:off x="2384425" y="4245610"/>
+            <a:ext cx="937895" cy="306705"/>
+          </a:xfrm>
+          <a:prstGeom prst="rect">
+            <a:avLst/>
+          </a:prstGeom>
+          <a:noFill/>
+        </p:spPr>
+        <p:txBody>
+          <a:bodyPr wrap="square" rtlCol="0">
+            <a:spAutoFit/>
+          </a:bodyPr>
+          <a:p>
+            <a:r>
+              <a:rPr lang="zh-CN" altLang="en-US" sz="1400"/>
+              <a:t>机器人</a:t>
+            </a:r>
+            <a:r>
+              <a:rPr lang="en-US" altLang="zh-CN" sz="1400"/>
+              <a:t> i</a:t>
+            </a:r>
+            <a:endParaRPr lang="en-US" altLang="zh-CN" sz="1400"/>
+          </a:p>
+        </p:txBody>
+      </p:sp>
+      <p:sp>
+        <p:nvSpPr>
+          <p:cNvPr id="15" name="椭圆 14"/>
+          <p:cNvSpPr/>
+          <p:nvPr>
+            <p:custDataLst>
+              <p:tags r:id="rId5"/>
+            </p:custDataLst>
+          </p:nvPr>
+        </p:nvSpPr>
+        <p:spPr>
+          <a:xfrm>
+            <a:off x="5955665" y="2806065"/>
+            <a:ext cx="321945" cy="306705"/>
+          </a:xfrm>
+          <a:prstGeom prst="ellipse">
+            <a:avLst/>
+          </a:prstGeom>
+        </p:spPr>
+        <p:style>
+          <a:lnRef idx="2">
+            <a:schemeClr val="accent1">
+              <a:shade val="50000"/>
+            </a:schemeClr>
+          </a:lnRef>
+          <a:fillRef idx="1">
+            <a:schemeClr val="accent1"/>
+          </a:fillRef>
+          <a:effectRef idx="0">
+            <a:schemeClr val="accent1"/>
+          </a:effectRef>
+          <a:fontRef idx="minor">
+            <a:schemeClr val="lt1"/>
+          </a:fontRef>
+        </p:style>
+        <p:txBody>
+          <a:bodyPr rtlCol="0" anchor="ctr"/>
+          <a:p>
+            <a:pPr algn="ctr"/>
+            <a:endParaRPr lang="zh-CN" altLang="en-US"/>
+          </a:p>
+        </p:txBody>
+      </p:sp>
+      <p:sp>
+        <p:nvSpPr>
+          <p:cNvPr id="18" name="文本框 17"/>
+          <p:cNvSpPr txBox="1"/>
+          <p:nvPr>
+            <p:custDataLst>
+              <p:tags r:id="rId6"/>
+            </p:custDataLst>
+          </p:nvPr>
+        </p:nvSpPr>
+        <p:spPr>
+          <a:xfrm>
+            <a:off x="5756910" y="2393315"/>
+            <a:ext cx="1186815" cy="306705"/>
+          </a:xfrm>
+          <a:prstGeom prst="rect">
+            <a:avLst/>
+          </a:prstGeom>
+          <a:noFill/>
+        </p:spPr>
+        <p:txBody>
+          <a:bodyPr wrap="square" rtlCol="0">
+            <a:spAutoFit/>
+          </a:bodyPr>
+          <a:p>
+            <a:r>
+              <a:rPr lang="zh-CN" altLang="en-US" sz="1400"/>
+              <a:t>工作站</a:t>
+            </a:r>
+            <a:r>
+              <a:rPr lang="en-US" altLang="zh-CN" sz="1400"/>
+              <a:t> ID, 9</a:t>
+            </a:r>
+            <a:endParaRPr lang="en-US" altLang="zh-CN" sz="1400"/>
+          </a:p>
+        </p:txBody>
+      </p:sp>
+      <p:cxnSp>
+        <p:nvCxnSpPr>
+          <p:cNvPr id="28" name="直接箭头连接符 27"/>
+          <p:cNvCxnSpPr/>
+          <p:nvPr>
+            <p:custDataLst>
+              <p:tags r:id="rId7"/>
+            </p:custDataLst>
+          </p:nvPr>
+        </p:nvCxnSpPr>
+        <p:spPr>
+          <a:xfrm flipV="1">
+            <a:off x="3489325" y="3112770"/>
+            <a:ext cx="2402840" cy="1232535"/>
+          </a:xfrm>
+          <a:prstGeom prst="straightConnector1">
+            <a:avLst/>
+          </a:prstGeom>
+          <a:ln w="28575" cmpd="sng">
+            <a:solidFill>
+              <a:schemeClr val="accent1">
+                <a:shade val="50000"/>
+              </a:schemeClr>
+            </a:solidFill>
+            <a:prstDash val="dash"/>
+            <a:headEnd type="none"/>
+            <a:tailEnd type="triangle"/>
+          </a:ln>
+        </p:spPr>
+        <p:style>
+          <a:lnRef idx="1">
+            <a:schemeClr val="accent1"/>
+          </a:lnRef>
+          <a:fillRef idx="0">
+            <a:schemeClr val="accent1"/>
+          </a:fillRef>
+          <a:effectRef idx="0">
+            <a:schemeClr val="accent1"/>
+          </a:effectRef>
+          <a:fontRef idx="minor">
+            <a:schemeClr val="tx1"/>
+          </a:fontRef>
+        </p:style>
+      </p:cxnSp>
+      <p:sp>
+        <p:nvSpPr>
+          <p:cNvPr id="10" name="文本框 9"/>
+          <p:cNvSpPr txBox="1"/>
+          <p:nvPr>
+            <p:custDataLst>
+              <p:tags r:id="rId8"/>
+            </p:custDataLst>
+          </p:nvPr>
+        </p:nvSpPr>
+        <p:spPr>
+          <a:xfrm>
+            <a:off x="3475355" y="3267075"/>
+            <a:ext cx="1624330" cy="306705"/>
+          </a:xfrm>
+          <a:prstGeom prst="rect">
+            <a:avLst/>
+          </a:prstGeom>
+          <a:noFill/>
+        </p:spPr>
+        <p:txBody>
+          <a:bodyPr wrap="square" rtlCol="0">
+            <a:spAutoFit/>
+          </a:bodyPr>
+          <a:p>
+            <a:r>
+              <a:rPr lang="en-US" altLang="zh-CN" sz="1400"/>
+              <a:t>50</a:t>
+            </a:r>
+            <a:r>
+              <a:rPr lang="zh-CN" altLang="en-US" sz="1400"/>
+              <a:t>帧，</a:t>
+            </a:r>
+            <a:r>
+              <a:rPr lang="en-US" altLang="zh-CN" sz="1400"/>
+              <a:t>r_next[i] = 9</a:t>
+            </a:r>
+            <a:endParaRPr lang="en-US" altLang="zh-CN" sz="1400"/>
+          </a:p>
+        </p:txBody>
+      </p:sp>
+      <p:sp>
+        <p:nvSpPr>
+          <p:cNvPr id="11" name="文本框 10"/>
+          <p:cNvSpPr txBox="1"/>
+          <p:nvPr>
+            <p:custDataLst>
+              <p:tags r:id="rId9"/>
+            </p:custDataLst>
+          </p:nvPr>
+        </p:nvSpPr>
+        <p:spPr>
+          <a:xfrm>
+            <a:off x="7194550" y="2223770"/>
+            <a:ext cx="4413250" cy="1168400"/>
+          </a:xfrm>
+          <a:prstGeom prst="rect">
+            <a:avLst/>
+          </a:prstGeom>
+          <a:noFill/>
+        </p:spPr>
+        <p:txBody>
+          <a:bodyPr wrap="square" rtlCol="0">
+            <a:spAutoFit/>
+          </a:bodyPr>
+          <a:p>
+            <a:r>
+              <a:rPr lang="en-US" altLang="zh-CN" sz="1400"/>
+              <a:t>1. </a:t>
+            </a:r>
+            <a:r>
+              <a:rPr lang="zh-CN" altLang="en-US" sz="1400"/>
+              <a:t>生产类工作站</a:t>
+            </a:r>
+            <a:r>
+              <a:rPr lang="en-US" altLang="zh-CN" sz="1400"/>
+              <a:t> 1</a:t>
+            </a:r>
+            <a:r>
+              <a:rPr lang="zh-CN" altLang="en-US" sz="1400"/>
+              <a:t>，</a:t>
+            </a:r>
+            <a:r>
+              <a:rPr lang="en-US" altLang="zh-CN" sz="1400"/>
+              <a:t>2</a:t>
+            </a:r>
+            <a:r>
+              <a:rPr lang="zh-CN" altLang="en-US" sz="1400"/>
+              <a:t>，</a:t>
+            </a:r>
+            <a:r>
+              <a:rPr lang="en-US" altLang="zh-CN" sz="1400"/>
+              <a:t>3. (</a:t>
+            </a:r>
+            <a:r>
+              <a:rPr lang="zh-CN" altLang="en-US" sz="1400"/>
+              <a:t>有无产品存货</a:t>
+            </a:r>
+            <a:r>
+              <a:rPr lang="en-US" altLang="zh-CN" sz="1400"/>
+              <a:t>)</a:t>
+            </a:r>
+            <a:endParaRPr lang="zh-CN" altLang="en-US" sz="1400"/>
+          </a:p>
+          <a:p>
+            <a:endParaRPr lang="zh-CN" altLang="en-US" sz="1400"/>
+          </a:p>
+          <a:p>
+            <a:r>
+              <a:rPr lang="en-US" altLang="zh-CN" sz="1400"/>
+              <a:t>2. </a:t>
+            </a:r>
+            <a:r>
+              <a:rPr lang="zh-CN" altLang="en-US" sz="1400"/>
+              <a:t>生产加工类工作站</a:t>
+            </a:r>
+            <a:r>
+              <a:rPr lang="en-US" altLang="zh-CN" sz="1400"/>
+              <a:t> 4</a:t>
+            </a:r>
+            <a:r>
+              <a:rPr lang="zh-CN" altLang="en-US" sz="1400"/>
+              <a:t>，</a:t>
+            </a:r>
+            <a:r>
+              <a:rPr lang="en-US" altLang="zh-CN" sz="1400"/>
+              <a:t>5</a:t>
+            </a:r>
+            <a:r>
+              <a:rPr lang="zh-CN" altLang="en-US" sz="1400"/>
+              <a:t>，</a:t>
+            </a:r>
+            <a:r>
+              <a:rPr lang="en-US" altLang="zh-CN" sz="1400"/>
+              <a:t>6</a:t>
+            </a:r>
+            <a:r>
+              <a:rPr lang="zh-CN" altLang="en-US" sz="1400"/>
+              <a:t>，</a:t>
+            </a:r>
+            <a:r>
+              <a:rPr lang="en-US" altLang="zh-CN" sz="1400"/>
+              <a:t>7 </a:t>
+            </a:r>
+            <a:r>
+              <a:rPr lang="zh-CN" altLang="en-US" sz="1400"/>
+              <a:t>（收材料，生产</a:t>
+            </a:r>
+            <a:r>
+              <a:rPr lang="zh-CN" altLang="en-US" sz="1400"/>
+              <a:t>产品）</a:t>
+            </a:r>
+            <a:endParaRPr lang="zh-CN" altLang="en-US" sz="1400"/>
+          </a:p>
+          <a:p>
+            <a:endParaRPr lang="zh-CN" altLang="en-US" sz="1400"/>
+          </a:p>
+          <a:p>
+            <a:r>
+              <a:rPr lang="en-US" altLang="zh-CN" sz="1400"/>
+              <a:t>3. </a:t>
+            </a:r>
+            <a:r>
+              <a:rPr lang="zh-CN" altLang="en-US" sz="1400"/>
+              <a:t>收购类工作站</a:t>
+            </a:r>
+            <a:r>
+              <a:rPr lang="en-US" altLang="zh-CN" sz="1400"/>
+              <a:t> 8</a:t>
+            </a:r>
+            <a:r>
+              <a:rPr lang="zh-CN" altLang="en-US" sz="1400"/>
+              <a:t>，</a:t>
+            </a:r>
+            <a:r>
+              <a:rPr lang="en-US" altLang="zh-CN" sz="1400"/>
+              <a:t>9 </a:t>
+            </a:r>
+            <a:r>
+              <a:rPr lang="zh-CN" altLang="en-US" sz="1400"/>
+              <a:t>（无需</a:t>
+            </a:r>
+            <a:r>
+              <a:rPr lang="zh-CN" altLang="en-US" sz="1400"/>
+              <a:t>考虑）</a:t>
+            </a:r>
+            <a:endParaRPr lang="zh-CN" altLang="en-US" sz="1400"/>
+          </a:p>
+        </p:txBody>
+      </p:sp>
+      <p:sp>
+        <p:nvSpPr>
+          <p:cNvPr id="12" name="左大括号 11"/>
+          <p:cNvSpPr/>
+          <p:nvPr/>
+        </p:nvSpPr>
+        <p:spPr>
+          <a:xfrm>
+            <a:off x="6673850" y="2251710"/>
+            <a:ext cx="336550" cy="1271905"/>
+          </a:xfrm>
+          <a:prstGeom prst="leftBrace">
+            <a:avLst/>
+          </a:prstGeom>
+          <a:ln w="28575" cmpd="sng">
+            <a:solidFill>
+              <a:schemeClr val="accent1">
+                <a:shade val="50000"/>
+              </a:schemeClr>
+            </a:solidFill>
+            <a:prstDash val="solid"/>
+          </a:ln>
+        </p:spPr>
+        <p:style>
+          <a:lnRef idx="1">
+            <a:schemeClr val="accent1"/>
+          </a:lnRef>
+          <a:fillRef idx="0">
+            <a:schemeClr val="accent1"/>
+          </a:fillRef>
+          <a:effectRef idx="0">
+            <a:schemeClr val="accent1"/>
+          </a:effectRef>
+          <a:fontRef idx="minor">
+            <a:schemeClr val="tx1"/>
+          </a:fontRef>
+        </p:style>
+        <p:txBody>
+          <a:bodyPr rtlCol="0" anchor="ctr"/>
+          <a:p>
+            <a:pPr algn="ctr"/>
+            <a:endParaRPr lang="zh-CN" altLang="en-US"/>
+          </a:p>
+        </p:txBody>
+      </p:sp>
+      <p:pic>
+        <p:nvPicPr>
+          <p:cNvPr id="13" name="图片 12"/>
+          <p:cNvPicPr>
+            <a:picLocks noChangeAspect="1"/>
+          </p:cNvPicPr>
+          <p:nvPr>
+            <p:custDataLst>
+              <p:tags r:id="rId10"/>
+            </p:custDataLst>
+          </p:nvPr>
+        </p:nvPicPr>
+        <p:blipFill>
+          <a:blip r:embed="rId11"/>
+          <a:stretch>
+            <a:fillRect/>
+          </a:stretch>
+        </p:blipFill>
+        <p:spPr>
+          <a:xfrm>
+            <a:off x="7331710" y="4178935"/>
+            <a:ext cx="4114800" cy="2489200"/>
+          </a:xfrm>
+          <a:prstGeom prst="rect">
+            <a:avLst/>
+          </a:prstGeom>
+        </p:spPr>
+      </p:pic>
     </p:spTree>
   </p:cSld>
   <p:clrMapOvr>
@@ -10150,6 +10465,18 @@
 </file>
 
 <file path=ppt/tags/tag37.xml><?xml version="1.0" encoding="utf-8"?>
+<p:tagLst xmlns:p="http://schemas.openxmlformats.org/presentationml/2006/main">
+  <p:tag name="KSO_WM_BEAUTIFY_FLAG" val=""/>
+</p:tagLst>
+</file>
+
+<file path=ppt/tags/tag38.xml><?xml version="1.0" encoding="utf-8"?>
+<p:tagLst xmlns:p="http://schemas.openxmlformats.org/presentationml/2006/main">
+  <p:tag name="KSO_WM_BEAUTIFY_FLAG" val=""/>
+</p:tagLst>
+</file>
+
+<file path=ppt/tags/tag39.xml><?xml version="1.0" encoding="utf-8"?>
 <p:tagLst xmlns:p="http://schemas.openxmlformats.org/presentationml/2006/main">
   <p:tag name="COMMONDATA" val="eyJoZGlkIjoiZTIyOGQxNTIzNTA2ZjJmOTAyNmEzNTdjYzAyMjMzMTIifQ=="/>
   <p:tag name="KSO_WPP_MARK_KEY" val="57106572-17af-4763-bee3-f66a70fe43fc"/>

--- a/华为挑战赛-更新中-思路简图.pptx
+++ b/华为挑战赛-更新中-思路简图.pptx
@@ -12,11 +12,13 @@
     <p:sldId id="306" r:id="rId7"/>
     <p:sldId id="307" r:id="rId8"/>
     <p:sldId id="308" r:id="rId9"/>
+    <p:sldId id="309" r:id="rId10"/>
+    <p:sldId id="310" r:id="rId11"/>
   </p:sldIdLst>
   <p:sldSz cx="12192000" cy="6858000"/>
   <p:notesSz cx="6858000" cy="9144000"/>
   <p:custDataLst>
-    <p:tags r:id="rId13"/>
+    <p:tags r:id="rId15"/>
   </p:custDataLst>
   <p:defaultTextStyle>
     <a:defPPr>
@@ -9440,120 +9442,19 @@
           </a:p>
         </p:txBody>
       </p:sp>
-      <p:grpSp>
-        <p:nvGrpSpPr>
-          <p:cNvPr id="8" name="组合 7"/>
-          <p:cNvGrpSpPr/>
-          <p:nvPr/>
-        </p:nvGrpSpPr>
-        <p:grpSpPr>
-          <a:xfrm>
-            <a:off x="1587500" y="1157605"/>
-            <a:ext cx="8627110" cy="4719320"/>
-            <a:chOff x="2500" y="1823"/>
-            <a:chExt cx="13586" cy="7432"/>
-          </a:xfrm>
-        </p:grpSpPr>
-        <p:cxnSp>
-          <p:nvCxnSpPr>
-            <p:cNvPr id="2" name="直接箭头连接符 1"/>
-            <p:cNvCxnSpPr/>
-            <p:nvPr>
-              <p:custDataLst>
-                <p:tags r:id="rId1"/>
-              </p:custDataLst>
-            </p:nvPr>
-          </p:nvCxnSpPr>
-          <p:spPr>
-            <a:xfrm flipV="1">
-              <a:off x="2500" y="1823"/>
-              <a:ext cx="11" cy="7433"/>
-            </a:xfrm>
-            <a:prstGeom prst="straightConnector1">
-              <a:avLst/>
-            </a:prstGeom>
-            <a:ln w="28575" cmpd="sng">
-              <a:solidFill>
-                <a:schemeClr val="accent1">
-                  <a:shade val="50000"/>
-                </a:schemeClr>
-              </a:solidFill>
-              <a:prstDash val="solid"/>
-              <a:tailEnd type="arrow"/>
-            </a:ln>
-          </p:spPr>
-          <p:style>
-            <a:lnRef idx="1">
-              <a:schemeClr val="accent1"/>
-            </a:lnRef>
-            <a:fillRef idx="0">
-              <a:schemeClr val="accent1"/>
-            </a:fillRef>
-            <a:effectRef idx="0">
-              <a:schemeClr val="accent1"/>
-            </a:effectRef>
-            <a:fontRef idx="minor">
-              <a:schemeClr val="tx1"/>
-            </a:fontRef>
-          </p:style>
-        </p:cxnSp>
-        <p:cxnSp>
-          <p:nvCxnSpPr>
-            <p:cNvPr id="3" name="直接箭头连接符 2"/>
-            <p:cNvCxnSpPr/>
-            <p:nvPr>
-              <p:custDataLst>
-                <p:tags r:id="rId2"/>
-              </p:custDataLst>
-            </p:nvPr>
-          </p:nvCxnSpPr>
-          <p:spPr>
-            <a:xfrm flipV="1">
-              <a:off x="2500" y="9199"/>
-              <a:ext cx="13587" cy="57"/>
-            </a:xfrm>
-            <a:prstGeom prst="straightConnector1">
-              <a:avLst/>
-            </a:prstGeom>
-            <a:ln w="28575" cmpd="sng">
-              <a:solidFill>
-                <a:schemeClr val="accent1">
-                  <a:shade val="50000"/>
-                </a:schemeClr>
-              </a:solidFill>
-              <a:prstDash val="solid"/>
-              <a:tailEnd type="arrow"/>
-            </a:ln>
-          </p:spPr>
-          <p:style>
-            <a:lnRef idx="1">
-              <a:schemeClr val="accent1"/>
-            </a:lnRef>
-            <a:fillRef idx="0">
-              <a:schemeClr val="accent1"/>
-            </a:fillRef>
-            <a:effectRef idx="0">
-              <a:schemeClr val="accent1"/>
-            </a:effectRef>
-            <a:fontRef idx="minor">
-              <a:schemeClr val="tx1"/>
-            </a:fontRef>
-          </p:style>
-        </p:cxnSp>
-      </p:grpSp>
       <p:sp>
         <p:nvSpPr>
           <p:cNvPr id="14" name="乘号 13"/>
           <p:cNvSpPr/>
           <p:nvPr>
             <p:custDataLst>
-              <p:tags r:id="rId3"/>
+              <p:tags r:id="rId1"/>
             </p:custDataLst>
           </p:nvPr>
         </p:nvSpPr>
         <p:spPr>
           <a:xfrm>
-            <a:off x="3117215" y="4178935"/>
+            <a:off x="3329305" y="3947795"/>
             <a:ext cx="358140" cy="439420"/>
           </a:xfrm>
           <a:prstGeom prst="mathMultiply">
@@ -9586,54 +9487,17 @@
       </p:sp>
       <p:sp>
         <p:nvSpPr>
-          <p:cNvPr id="16" name="文本框 15"/>
-          <p:cNvSpPr txBox="1"/>
+          <p:cNvPr id="15" name="椭圆 14"/>
+          <p:cNvSpPr/>
           <p:nvPr>
             <p:custDataLst>
-              <p:tags r:id="rId4"/>
+              <p:tags r:id="rId2"/>
             </p:custDataLst>
           </p:nvPr>
         </p:nvSpPr>
         <p:spPr>
           <a:xfrm>
-            <a:off x="2384425" y="4245610"/>
-            <a:ext cx="937895" cy="306705"/>
-          </a:xfrm>
-          <a:prstGeom prst="rect">
-            <a:avLst/>
-          </a:prstGeom>
-          <a:noFill/>
-        </p:spPr>
-        <p:txBody>
-          <a:bodyPr wrap="square" rtlCol="0">
-            <a:spAutoFit/>
-          </a:bodyPr>
-          <a:p>
-            <a:r>
-              <a:rPr lang="zh-CN" altLang="en-US" sz="1400"/>
-              <a:t>机器人</a:t>
-            </a:r>
-            <a:r>
-              <a:rPr lang="en-US" altLang="zh-CN" sz="1400"/>
-              <a:t> i</a:t>
-            </a:r>
-            <a:endParaRPr lang="en-US" altLang="zh-CN" sz="1400"/>
-          </a:p>
-        </p:txBody>
-      </p:sp>
-      <p:sp>
-        <p:nvSpPr>
-          <p:cNvPr id="15" name="椭圆 14"/>
-          <p:cNvSpPr/>
-          <p:nvPr>
-            <p:custDataLst>
-              <p:tags r:id="rId5"/>
-            </p:custDataLst>
-          </p:nvPr>
-        </p:nvSpPr>
-        <p:spPr>
-          <a:xfrm>
-            <a:off x="5955665" y="2806065"/>
+            <a:off x="7421880" y="4863465"/>
             <a:ext cx="321945" cy="306705"/>
           </a:xfrm>
           <a:prstGeom prst="ellipse">
@@ -9666,8 +9530,77 @@
       </p:sp>
       <p:sp>
         <p:nvSpPr>
-          <p:cNvPr id="18" name="文本框 17"/>
+          <p:cNvPr id="10" name="文本框 9"/>
           <p:cNvSpPr txBox="1"/>
+          <p:nvPr>
+            <p:custDataLst>
+              <p:tags r:id="rId3"/>
+            </p:custDataLst>
+          </p:nvPr>
+        </p:nvSpPr>
+        <p:spPr>
+          <a:xfrm>
+            <a:off x="4625340" y="4784090"/>
+            <a:ext cx="1850390" cy="306705"/>
+          </a:xfrm>
+          <a:prstGeom prst="rect">
+            <a:avLst/>
+          </a:prstGeom>
+          <a:noFill/>
+        </p:spPr>
+        <p:txBody>
+          <a:bodyPr wrap="square" rtlCol="0">
+            <a:spAutoFit/>
+          </a:bodyPr>
+          <a:p>
+            <a:r>
+              <a:rPr lang="en-US" altLang="zh-CN" sz="1400"/>
+              <a:t>50</a:t>
+            </a:r>
+            <a:r>
+              <a:rPr lang="zh-CN" altLang="en-US" sz="1400"/>
+              <a:t>帧，</a:t>
+            </a:r>
+            <a:r>
+              <a:rPr lang="en-US" altLang="zh-CN" sz="1400"/>
+              <a:t> main_varible</a:t>
+            </a:r>
+            <a:endParaRPr lang="en-US" altLang="zh-CN" sz="1400"/>
+          </a:p>
+        </p:txBody>
+      </p:sp>
+      <p:pic>
+        <p:nvPicPr>
+          <p:cNvPr id="13" name="图片 12"/>
+          <p:cNvPicPr>
+            <a:picLocks noChangeAspect="1"/>
+          </p:cNvPicPr>
+          <p:nvPr>
+            <p:custDataLst>
+              <p:tags r:id="rId4"/>
+            </p:custDataLst>
+          </p:nvPr>
+        </p:nvPicPr>
+        <p:blipFill>
+          <a:blip r:embed="rId5"/>
+          <a:stretch>
+            <a:fillRect/>
+          </a:stretch>
+        </p:blipFill>
+        <p:spPr>
+          <a:xfrm>
+            <a:off x="1428750" y="1020445"/>
+            <a:ext cx="3023235" cy="1828800"/>
+          </a:xfrm>
+          <a:prstGeom prst="rect">
+            <a:avLst/>
+          </a:prstGeom>
+        </p:spPr>
+      </p:pic>
+      <p:sp>
+        <p:nvSpPr>
+          <p:cNvPr id="7" name="椭圆 6"/>
+          <p:cNvSpPr/>
           <p:nvPr>
             <p:custDataLst>
               <p:tags r:id="rId6"/>
@@ -9676,7 +9609,130 @@
         </p:nvSpPr>
         <p:spPr>
           <a:xfrm>
-            <a:off x="5756910" y="2393315"/>
+            <a:off x="3221355" y="4928235"/>
+            <a:ext cx="321945" cy="306705"/>
+          </a:xfrm>
+          <a:prstGeom prst="ellipse">
+            <a:avLst/>
+          </a:prstGeom>
+        </p:spPr>
+        <p:style>
+          <a:lnRef idx="2">
+            <a:schemeClr val="accent1">
+              <a:shade val="50000"/>
+            </a:schemeClr>
+          </a:lnRef>
+          <a:fillRef idx="1">
+            <a:schemeClr val="accent1"/>
+          </a:fillRef>
+          <a:effectRef idx="0">
+            <a:schemeClr val="accent1"/>
+          </a:effectRef>
+          <a:fontRef idx="minor">
+            <a:schemeClr val="lt1"/>
+          </a:fontRef>
+        </p:style>
+        <p:txBody>
+          <a:bodyPr rtlCol="0" anchor="ctr"/>
+          <a:p>
+            <a:pPr algn="ctr"/>
+            <a:endParaRPr lang="zh-CN" altLang="en-US"/>
+          </a:p>
+        </p:txBody>
+      </p:sp>
+      <p:sp>
+        <p:nvSpPr>
+          <p:cNvPr id="17" name="文本框 16"/>
+          <p:cNvSpPr txBox="1"/>
+          <p:nvPr>
+            <p:custDataLst>
+              <p:tags r:id="rId7"/>
+            </p:custDataLst>
+          </p:nvPr>
+        </p:nvSpPr>
+        <p:spPr>
+          <a:xfrm>
+            <a:off x="2868930" y="4543425"/>
+            <a:ext cx="1156335" cy="306705"/>
+          </a:xfrm>
+          <a:prstGeom prst="rect">
+            <a:avLst/>
+          </a:prstGeom>
+          <a:noFill/>
+        </p:spPr>
+        <p:txBody>
+          <a:bodyPr wrap="square" rtlCol="0">
+            <a:spAutoFit/>
+          </a:bodyPr>
+          <a:p>
+            <a:r>
+              <a:rPr lang="zh-CN" altLang="en-US" sz="1400"/>
+              <a:t>收购工作站</a:t>
+            </a:r>
+            <a:r>
+              <a:rPr lang="en-US" altLang="zh-CN" sz="1400"/>
+              <a:t> </a:t>
+            </a:r>
+            <a:endParaRPr lang="en-US" altLang="zh-CN" sz="1400"/>
+          </a:p>
+        </p:txBody>
+      </p:sp>
+      <p:sp>
+        <p:nvSpPr>
+          <p:cNvPr id="19" name="椭圆 18"/>
+          <p:cNvSpPr/>
+          <p:nvPr>
+            <p:custDataLst>
+              <p:tags r:id="rId8"/>
+            </p:custDataLst>
+          </p:nvPr>
+        </p:nvSpPr>
+        <p:spPr>
+          <a:xfrm>
+            <a:off x="5836920" y="1845945"/>
+            <a:ext cx="321945" cy="306705"/>
+          </a:xfrm>
+          <a:prstGeom prst="ellipse">
+            <a:avLst/>
+          </a:prstGeom>
+        </p:spPr>
+        <p:style>
+          <a:lnRef idx="2">
+            <a:schemeClr val="accent1">
+              <a:shade val="50000"/>
+            </a:schemeClr>
+          </a:lnRef>
+          <a:fillRef idx="1">
+            <a:schemeClr val="accent1"/>
+          </a:fillRef>
+          <a:effectRef idx="0">
+            <a:schemeClr val="accent1"/>
+          </a:effectRef>
+          <a:fontRef idx="minor">
+            <a:schemeClr val="lt1"/>
+          </a:fontRef>
+        </p:style>
+        <p:txBody>
+          <a:bodyPr rtlCol="0" anchor="ctr"/>
+          <a:p>
+            <a:pPr algn="ctr"/>
+            <a:endParaRPr lang="zh-CN" altLang="en-US"/>
+          </a:p>
+        </p:txBody>
+      </p:sp>
+      <p:sp>
+        <p:nvSpPr>
+          <p:cNvPr id="20" name="文本框 19"/>
+          <p:cNvSpPr txBox="1"/>
+          <p:nvPr>
+            <p:custDataLst>
+              <p:tags r:id="rId9"/>
+            </p:custDataLst>
+          </p:nvPr>
+        </p:nvSpPr>
+        <p:spPr>
+          <a:xfrm>
+            <a:off x="5638165" y="1433195"/>
             <a:ext cx="1186815" cy="306705"/>
           </a:xfrm>
           <a:prstGeom prst="rect">
@@ -9693,112 +9749,23 @@
               <a:rPr lang="zh-CN" altLang="en-US" sz="1400"/>
               <a:t>工作站</a:t>
             </a:r>
-            <a:r>
-              <a:rPr lang="en-US" altLang="zh-CN" sz="1400"/>
-              <a:t> ID, 9</a:t>
-            </a:r>
             <a:endParaRPr lang="en-US" altLang="zh-CN" sz="1400"/>
           </a:p>
         </p:txBody>
       </p:sp>
-      <p:cxnSp>
-        <p:nvCxnSpPr>
-          <p:cNvPr id="28" name="直接箭头连接符 27"/>
-          <p:cNvCxnSpPr/>
-          <p:nvPr>
-            <p:custDataLst>
-              <p:tags r:id="rId7"/>
-            </p:custDataLst>
-          </p:nvPr>
-        </p:nvCxnSpPr>
-        <p:spPr>
-          <a:xfrm flipV="1">
-            <a:off x="3489325" y="3112770"/>
-            <a:ext cx="2402840" cy="1232535"/>
-          </a:xfrm>
-          <a:prstGeom prst="straightConnector1">
-            <a:avLst/>
-          </a:prstGeom>
-          <a:ln w="28575" cmpd="sng">
-            <a:solidFill>
-              <a:schemeClr val="accent1">
-                <a:shade val="50000"/>
-              </a:schemeClr>
-            </a:solidFill>
-            <a:prstDash val="dash"/>
-            <a:headEnd type="none"/>
-            <a:tailEnd type="triangle"/>
-          </a:ln>
-        </p:spPr>
-        <p:style>
-          <a:lnRef idx="1">
-            <a:schemeClr val="accent1"/>
-          </a:lnRef>
-          <a:fillRef idx="0">
-            <a:schemeClr val="accent1"/>
-          </a:fillRef>
-          <a:effectRef idx="0">
-            <a:schemeClr val="accent1"/>
-          </a:effectRef>
-          <a:fontRef idx="minor">
-            <a:schemeClr val="tx1"/>
-          </a:fontRef>
-        </p:style>
-      </p:cxnSp>
       <p:sp>
         <p:nvSpPr>
-          <p:cNvPr id="10" name="文本框 9"/>
+          <p:cNvPr id="21" name="文本框 20"/>
           <p:cNvSpPr txBox="1"/>
           <p:nvPr>
             <p:custDataLst>
-              <p:tags r:id="rId8"/>
+              <p:tags r:id="rId10"/>
             </p:custDataLst>
           </p:nvPr>
         </p:nvSpPr>
         <p:spPr>
           <a:xfrm>
-            <a:off x="3475355" y="3267075"/>
-            <a:ext cx="1624330" cy="306705"/>
-          </a:xfrm>
-          <a:prstGeom prst="rect">
-            <a:avLst/>
-          </a:prstGeom>
-          <a:noFill/>
-        </p:spPr>
-        <p:txBody>
-          <a:bodyPr wrap="square" rtlCol="0">
-            <a:spAutoFit/>
-          </a:bodyPr>
-          <a:p>
-            <a:r>
-              <a:rPr lang="en-US" altLang="zh-CN" sz="1400"/>
-              <a:t>50</a:t>
-            </a:r>
-            <a:r>
-              <a:rPr lang="zh-CN" altLang="en-US" sz="1400"/>
-              <a:t>帧，</a:t>
-            </a:r>
-            <a:r>
-              <a:rPr lang="en-US" altLang="zh-CN" sz="1400"/>
-              <a:t>r_next[i] = 9</a:t>
-            </a:r>
-            <a:endParaRPr lang="en-US" altLang="zh-CN" sz="1400"/>
-          </a:p>
-        </p:txBody>
-      </p:sp>
-      <p:sp>
-        <p:nvSpPr>
-          <p:cNvPr id="11" name="文本框 10"/>
-          <p:cNvSpPr txBox="1"/>
-          <p:nvPr>
-            <p:custDataLst>
-              <p:tags r:id="rId9"/>
-            </p:custDataLst>
-          </p:nvPr>
-        </p:nvSpPr>
-        <p:spPr>
-          <a:xfrm>
-            <a:off x="7194550" y="2223770"/>
+            <a:off x="7075805" y="1263650"/>
             <a:ext cx="4413250" cy="1168400"/>
           </a:xfrm>
           <a:prstGeom prst="rect">
@@ -9859,7 +9826,11 @@
             </a:r>
             <a:r>
               <a:rPr lang="zh-CN" altLang="en-US" sz="1400"/>
-              <a:t>生产加工类工作站</a:t>
+              <a:t>生产</a:t>
+            </a:r>
+            <a:r>
+              <a:rPr lang="zh-CN" altLang="en-US" sz="1400"/>
+              <a:t>收购类工作站</a:t>
             </a:r>
             <a:r>
               <a:rPr lang="en-US" altLang="zh-CN" sz="1400"/>
@@ -9937,13 +9908,17 @@
       </p:sp>
       <p:sp>
         <p:nvSpPr>
-          <p:cNvPr id="12" name="左大括号 11"/>
+          <p:cNvPr id="22" name="左大括号 21"/>
           <p:cNvSpPr/>
-          <p:nvPr/>
+          <p:nvPr>
+            <p:custDataLst>
+              <p:tags r:id="rId11"/>
+            </p:custDataLst>
+          </p:nvPr>
         </p:nvSpPr>
         <p:spPr>
           <a:xfrm>
-            <a:off x="6673850" y="2251710"/>
+            <a:off x="6555105" y="1291590"/>
             <a:ext cx="336550" cy="1271905"/>
           </a:xfrm>
           <a:prstGeom prst="leftBrace">
@@ -9980,34 +9955,1046 @@
           </a:p>
         </p:txBody>
       </p:sp>
-      <p:pic>
-        <p:nvPicPr>
-          <p:cNvPr id="13" name="图片 12"/>
-          <p:cNvPicPr>
-            <a:picLocks noChangeAspect="1"/>
-          </p:cNvPicPr>
+      <p:sp>
+        <p:nvSpPr>
+          <p:cNvPr id="23" name="文本框 22"/>
+          <p:cNvSpPr txBox="1"/>
           <p:nvPr>
             <p:custDataLst>
-              <p:tags r:id="rId10"/>
+              <p:tags r:id="rId12"/>
             </p:custDataLst>
           </p:nvPr>
-        </p:nvPicPr>
-        <p:blipFill>
-          <a:blip r:embed="rId11"/>
-          <a:stretch>
-            <a:fillRect/>
-          </a:stretch>
-        </p:blipFill>
+        </p:nvSpPr>
         <p:spPr>
           <a:xfrm>
-            <a:off x="7331710" y="4178935"/>
-            <a:ext cx="4114800" cy="2489200"/>
+            <a:off x="7075805" y="4545330"/>
+            <a:ext cx="1094740" cy="306705"/>
           </a:xfrm>
           <a:prstGeom prst="rect">
             <a:avLst/>
           </a:prstGeom>
+          <a:noFill/>
         </p:spPr>
-      </p:pic>
+        <p:txBody>
+          <a:bodyPr wrap="square" rtlCol="0">
+            <a:spAutoFit/>
+          </a:bodyPr>
+          <a:p>
+            <a:r>
+              <a:rPr lang="zh-CN" altLang="en-US" sz="1400"/>
+              <a:t>生产工作站</a:t>
+            </a:r>
+            <a:r>
+              <a:rPr lang="en-US" altLang="zh-CN" sz="1400"/>
+              <a:t> </a:t>
+            </a:r>
+            <a:endParaRPr lang="en-US" altLang="zh-CN" sz="1400"/>
+          </a:p>
+        </p:txBody>
+      </p:sp>
+      <p:sp>
+        <p:nvSpPr>
+          <p:cNvPr id="26" name="上弧形箭头 25"/>
+          <p:cNvSpPr/>
+          <p:nvPr/>
+        </p:nvSpPr>
+        <p:spPr>
+          <a:xfrm>
+            <a:off x="3595370" y="3786505"/>
+            <a:ext cx="4061460" cy="762000"/>
+          </a:xfrm>
+          <a:prstGeom prst="curvedDownArrow">
+            <a:avLst/>
+          </a:prstGeom>
+          <a:noFill/>
+          <a:ln w="28575" cmpd="sng">
+            <a:solidFill>
+              <a:schemeClr val="accent1">
+                <a:shade val="50000"/>
+              </a:schemeClr>
+            </a:solidFill>
+            <a:prstDash val="solid"/>
+          </a:ln>
+        </p:spPr>
+        <p:style>
+          <a:lnRef idx="2">
+            <a:schemeClr val="accent1">
+              <a:shade val="50000"/>
+            </a:schemeClr>
+          </a:lnRef>
+          <a:fillRef idx="1">
+            <a:schemeClr val="accent1"/>
+          </a:fillRef>
+          <a:effectRef idx="0">
+            <a:schemeClr val="accent1"/>
+          </a:effectRef>
+          <a:fontRef idx="minor">
+            <a:schemeClr val="lt1"/>
+          </a:fontRef>
+        </p:style>
+        <p:txBody>
+          <a:bodyPr rtlCol="0" anchor="ctr"/>
+          <a:p>
+            <a:pPr algn="ctr"/>
+            <a:endParaRPr lang="zh-CN" altLang="en-US">
+              <a:solidFill>
+                <a:schemeClr val="tx1"/>
+              </a:solidFill>
+            </a:endParaRPr>
+          </a:p>
+        </p:txBody>
+      </p:sp>
+      <p:sp>
+        <p:nvSpPr>
+          <p:cNvPr id="27" name="上弧形箭头 26"/>
+          <p:cNvSpPr/>
+          <p:nvPr>
+            <p:custDataLst>
+              <p:tags r:id="rId13"/>
+            </p:custDataLst>
+          </p:nvPr>
+        </p:nvSpPr>
+        <p:spPr>
+          <a:xfrm rot="10800000">
+            <a:off x="3485515" y="5287010"/>
+            <a:ext cx="4061460" cy="762000"/>
+          </a:xfrm>
+          <a:prstGeom prst="curvedDownArrow">
+            <a:avLst/>
+          </a:prstGeom>
+          <a:noFill/>
+          <a:ln w="28575" cmpd="sng">
+            <a:solidFill>
+              <a:schemeClr val="accent1">
+                <a:shade val="50000"/>
+              </a:schemeClr>
+            </a:solidFill>
+            <a:prstDash val="solid"/>
+          </a:ln>
+        </p:spPr>
+        <p:style>
+          <a:lnRef idx="2">
+            <a:schemeClr val="accent1">
+              <a:shade val="50000"/>
+            </a:schemeClr>
+          </a:lnRef>
+          <a:fillRef idx="1">
+            <a:schemeClr val="accent1"/>
+          </a:fillRef>
+          <a:effectRef idx="0">
+            <a:schemeClr val="accent1"/>
+          </a:effectRef>
+          <a:fontRef idx="minor">
+            <a:schemeClr val="lt1"/>
+          </a:fontRef>
+        </p:style>
+        <p:txBody>
+          <a:bodyPr rtlCol="0" anchor="ctr"/>
+          <a:p>
+            <a:pPr algn="ctr"/>
+            <a:endParaRPr lang="zh-CN" altLang="en-US">
+              <a:solidFill>
+                <a:schemeClr val="tx1"/>
+              </a:solidFill>
+            </a:endParaRPr>
+          </a:p>
+        </p:txBody>
+      </p:sp>
+      <p:sp>
+        <p:nvSpPr>
+          <p:cNvPr id="126" name="文本框 125"/>
+          <p:cNvSpPr txBox="1"/>
+          <p:nvPr>
+            <p:custDataLst>
+              <p:tags r:id="rId14"/>
+            </p:custDataLst>
+          </p:nvPr>
+        </p:nvSpPr>
+        <p:spPr>
+          <a:xfrm>
+            <a:off x="2228215" y="301625"/>
+            <a:ext cx="8318500" cy="368300"/>
+          </a:xfrm>
+          <a:prstGeom prst="rect">
+            <a:avLst/>
+          </a:prstGeom>
+          <a:noFill/>
+        </p:spPr>
+        <p:txBody>
+          <a:bodyPr wrap="square" rtlCol="0" anchor="t">
+            <a:spAutoFit/>
+          </a:bodyPr>
+          <a:p>
+            <a:r>
+              <a:rPr lang="zh-CN" altLang="en-US" b="1">
+                <a:solidFill>
+                  <a:schemeClr val="tx1"/>
+                </a:solidFill>
+                <a:highlight>
+                  <a:srgbClr val="00FFFF"/>
+                </a:highlight>
+                <a:latin typeface="微软雅黑" panose="020B0503020204020204" charset="-122"/>
+                <a:ea typeface="微软雅黑" panose="020B0503020204020204" charset="-122"/>
+                <a:cs typeface="微软雅黑" panose="020B0503020204020204" charset="-122"/>
+                <a:sym typeface="+mn-ea"/>
+              </a:rPr>
+              <a:t>仅考虑当前机器人工作</a:t>
+            </a:r>
+            <a:r>
+              <a:rPr lang="zh-CN" altLang="en-US" b="1">
+                <a:solidFill>
+                  <a:schemeClr val="tx1"/>
+                </a:solidFill>
+                <a:highlight>
+                  <a:srgbClr val="00FFFF"/>
+                </a:highlight>
+                <a:latin typeface="微软雅黑" panose="020B0503020204020204" charset="-122"/>
+                <a:ea typeface="微软雅黑" panose="020B0503020204020204" charset="-122"/>
+                <a:cs typeface="微软雅黑" panose="020B0503020204020204" charset="-122"/>
+                <a:sym typeface="+mn-ea"/>
+              </a:rPr>
+              <a:t>流：不变因素是</a:t>
+            </a:r>
+            <a:r>
+              <a:rPr lang="en-US" altLang="zh-CN" b="1">
+                <a:solidFill>
+                  <a:schemeClr val="tx1"/>
+                </a:solidFill>
+                <a:highlight>
+                  <a:srgbClr val="00FFFF"/>
+                </a:highlight>
+                <a:latin typeface="微软雅黑" panose="020B0503020204020204" charset="-122"/>
+                <a:ea typeface="微软雅黑" panose="020B0503020204020204" charset="-122"/>
+                <a:cs typeface="微软雅黑" panose="020B0503020204020204" charset="-122"/>
+                <a:sym typeface="+mn-ea"/>
+              </a:rPr>
+              <a:t>“</a:t>
+            </a:r>
+            <a:r>
+              <a:rPr lang="zh-CN" altLang="en-US" b="1">
+                <a:highlight>
+                  <a:srgbClr val="00FFFF"/>
+                </a:highlight>
+                <a:latin typeface="微软雅黑" panose="020B0503020204020204" charset="-122"/>
+                <a:ea typeface="微软雅黑" panose="020B0503020204020204" charset="-122"/>
+                <a:cs typeface="微软雅黑" panose="020B0503020204020204" charset="-122"/>
+                <a:sym typeface="+mn-ea"/>
+              </a:rPr>
+              <a:t>去买材料</a:t>
+            </a:r>
+            <a:r>
+              <a:rPr lang="en-US" altLang="zh-CN" b="1">
+                <a:solidFill>
+                  <a:schemeClr val="tx1"/>
+                </a:solidFill>
+                <a:highlight>
+                  <a:srgbClr val="00FFFF"/>
+                </a:highlight>
+                <a:latin typeface="微软雅黑" panose="020B0503020204020204" charset="-122"/>
+                <a:ea typeface="微软雅黑" panose="020B0503020204020204" charset="-122"/>
+                <a:cs typeface="微软雅黑" panose="020B0503020204020204" charset="-122"/>
+                <a:sym typeface="+mn-ea"/>
+              </a:rPr>
+              <a:t>”</a:t>
+            </a:r>
+            <a:r>
+              <a:rPr lang="zh-CN" altLang="en-US" b="1">
+                <a:solidFill>
+                  <a:schemeClr val="tx1"/>
+                </a:solidFill>
+                <a:highlight>
+                  <a:srgbClr val="00FFFF"/>
+                </a:highlight>
+                <a:latin typeface="微软雅黑" panose="020B0503020204020204" charset="-122"/>
+                <a:ea typeface="微软雅黑" panose="020B0503020204020204" charset="-122"/>
+                <a:cs typeface="微软雅黑" panose="020B0503020204020204" charset="-122"/>
+                <a:sym typeface="+mn-ea"/>
+              </a:rPr>
+              <a:t>和</a:t>
+            </a:r>
+            <a:r>
+              <a:rPr lang="en-US" altLang="zh-CN" b="1">
+                <a:solidFill>
+                  <a:schemeClr val="tx1"/>
+                </a:solidFill>
+                <a:highlight>
+                  <a:srgbClr val="00FFFF"/>
+                </a:highlight>
+                <a:latin typeface="微软雅黑" panose="020B0503020204020204" charset="-122"/>
+                <a:ea typeface="微软雅黑" panose="020B0503020204020204" charset="-122"/>
+                <a:cs typeface="微软雅黑" panose="020B0503020204020204" charset="-122"/>
+                <a:sym typeface="+mn-ea"/>
+              </a:rPr>
+              <a:t>“</a:t>
+            </a:r>
+            <a:r>
+              <a:rPr lang="zh-CN" altLang="en-US" b="1">
+                <a:highlight>
+                  <a:srgbClr val="00FFFF"/>
+                </a:highlight>
+                <a:latin typeface="微软雅黑" panose="020B0503020204020204" charset="-122"/>
+                <a:ea typeface="微软雅黑" panose="020B0503020204020204" charset="-122"/>
+                <a:cs typeface="微软雅黑" panose="020B0503020204020204" charset="-122"/>
+                <a:sym typeface="+mn-ea"/>
+              </a:rPr>
+              <a:t>去卖材料</a:t>
+            </a:r>
+            <a:r>
+              <a:rPr lang="en-US" altLang="zh-CN" b="1">
+                <a:solidFill>
+                  <a:schemeClr val="tx1"/>
+                </a:solidFill>
+                <a:highlight>
+                  <a:srgbClr val="00FFFF"/>
+                </a:highlight>
+                <a:latin typeface="微软雅黑" panose="020B0503020204020204" charset="-122"/>
+                <a:ea typeface="微软雅黑" panose="020B0503020204020204" charset="-122"/>
+                <a:cs typeface="微软雅黑" panose="020B0503020204020204" charset="-122"/>
+                <a:sym typeface="+mn-ea"/>
+              </a:rPr>
+              <a:t>”</a:t>
+            </a:r>
+            <a:r>
+              <a:rPr lang="zh-CN" altLang="en-US" b="1">
+                <a:solidFill>
+                  <a:schemeClr val="tx1"/>
+                </a:solidFill>
+                <a:highlight>
+                  <a:srgbClr val="00FFFF"/>
+                </a:highlight>
+                <a:latin typeface="微软雅黑" panose="020B0503020204020204" charset="-122"/>
+                <a:ea typeface="微软雅黑" panose="020B0503020204020204" charset="-122"/>
+                <a:cs typeface="微软雅黑" panose="020B0503020204020204" charset="-122"/>
+                <a:sym typeface="+mn-ea"/>
+              </a:rPr>
+              <a:t>的固定</a:t>
+            </a:r>
+            <a:r>
+              <a:rPr lang="zh-CN" altLang="en-US" b="1">
+                <a:solidFill>
+                  <a:schemeClr val="tx1"/>
+                </a:solidFill>
+                <a:highlight>
+                  <a:srgbClr val="00FFFF"/>
+                </a:highlight>
+                <a:latin typeface="微软雅黑" panose="020B0503020204020204" charset="-122"/>
+                <a:ea typeface="微软雅黑" panose="020B0503020204020204" charset="-122"/>
+                <a:cs typeface="微软雅黑" panose="020B0503020204020204" charset="-122"/>
+                <a:sym typeface="+mn-ea"/>
+              </a:rPr>
+              <a:t>行为。</a:t>
+            </a:r>
+            <a:endParaRPr lang="zh-CN" altLang="en-US" b="1">
+              <a:solidFill>
+                <a:schemeClr val="tx1"/>
+              </a:solidFill>
+              <a:highlight>
+                <a:srgbClr val="00FFFF"/>
+              </a:highlight>
+              <a:latin typeface="微软雅黑" panose="020B0503020204020204" charset="-122"/>
+              <a:ea typeface="微软雅黑" panose="020B0503020204020204" charset="-122"/>
+              <a:cs typeface="微软雅黑" panose="020B0503020204020204" charset="-122"/>
+              <a:sym typeface="+mn-ea"/>
+            </a:endParaRPr>
+          </a:p>
+        </p:txBody>
+      </p:sp>
+      <p:sp>
+        <p:nvSpPr>
+          <p:cNvPr id="29" name="文本框 28"/>
+          <p:cNvSpPr txBox="1"/>
+          <p:nvPr>
+            <p:custDataLst>
+              <p:tags r:id="rId15"/>
+            </p:custDataLst>
+          </p:nvPr>
+        </p:nvSpPr>
+        <p:spPr>
+          <a:xfrm>
+            <a:off x="5215255" y="3428365"/>
+            <a:ext cx="1107440" cy="306705"/>
+          </a:xfrm>
+          <a:prstGeom prst="rect">
+            <a:avLst/>
+          </a:prstGeom>
+          <a:noFill/>
+        </p:spPr>
+        <p:txBody>
+          <a:bodyPr wrap="square" rtlCol="0">
+            <a:spAutoFit/>
+          </a:bodyPr>
+          <a:p>
+            <a:r>
+              <a:rPr lang="zh-CN" altLang="en-US" sz="1400"/>
+              <a:t>去买（</a:t>
+            </a:r>
+            <a:r>
+              <a:rPr lang="zh-CN" altLang="en-US" sz="1400"/>
+              <a:t>空手）</a:t>
+            </a:r>
+            <a:endParaRPr lang="en-US" altLang="zh-CN" sz="1400"/>
+          </a:p>
+        </p:txBody>
+      </p:sp>
+      <p:sp>
+        <p:nvSpPr>
+          <p:cNvPr id="30" name="文本框 29"/>
+          <p:cNvSpPr txBox="1"/>
+          <p:nvPr>
+            <p:custDataLst>
+              <p:tags r:id="rId16"/>
+            </p:custDataLst>
+          </p:nvPr>
+        </p:nvSpPr>
+        <p:spPr>
+          <a:xfrm>
+            <a:off x="5257165" y="6123940"/>
+            <a:ext cx="1409065" cy="306705"/>
+          </a:xfrm>
+          <a:prstGeom prst="rect">
+            <a:avLst/>
+          </a:prstGeom>
+          <a:noFill/>
+        </p:spPr>
+        <p:txBody>
+          <a:bodyPr wrap="square" rtlCol="0">
+            <a:spAutoFit/>
+          </a:bodyPr>
+          <a:p>
+            <a:r>
+              <a:rPr lang="zh-CN" altLang="en-US" sz="1400"/>
+              <a:t>去卖（</a:t>
+            </a:r>
+            <a:r>
+              <a:rPr lang="zh-CN" altLang="en-US" sz="1400"/>
+              <a:t>不空手）</a:t>
+            </a:r>
+            <a:endParaRPr lang="zh-CN" altLang="en-US" sz="1400"/>
+          </a:p>
+        </p:txBody>
+      </p:sp>
+      <p:cxnSp>
+        <p:nvCxnSpPr>
+          <p:cNvPr id="31" name="直接箭头连接符 30"/>
+          <p:cNvCxnSpPr/>
+          <p:nvPr/>
+        </p:nvCxnSpPr>
+        <p:spPr>
+          <a:xfrm flipH="1" flipV="1">
+            <a:off x="2990850" y="3805555"/>
+            <a:ext cx="338455" cy="581660"/>
+          </a:xfrm>
+          <a:prstGeom prst="straightConnector1">
+            <a:avLst/>
+          </a:prstGeom>
+          <a:ln w="28575" cmpd="sng">
+            <a:solidFill>
+              <a:srgbClr val="C00000"/>
+            </a:solidFill>
+            <a:prstDash val="sysDash"/>
+            <a:tailEnd type="arrow"/>
+          </a:ln>
+        </p:spPr>
+        <p:style>
+          <a:lnRef idx="1">
+            <a:schemeClr val="accent1"/>
+          </a:lnRef>
+          <a:fillRef idx="0">
+            <a:schemeClr val="accent1"/>
+          </a:fillRef>
+          <a:effectRef idx="0">
+            <a:schemeClr val="accent1"/>
+          </a:effectRef>
+          <a:fontRef idx="minor">
+            <a:schemeClr val="tx1"/>
+          </a:fontRef>
+        </p:style>
+      </p:cxnSp>
+      <p:sp>
+        <p:nvSpPr>
+          <p:cNvPr id="32" name="文本框 31"/>
+          <p:cNvSpPr txBox="1"/>
+          <p:nvPr>
+            <p:custDataLst>
+              <p:tags r:id="rId17"/>
+            </p:custDataLst>
+          </p:nvPr>
+        </p:nvSpPr>
+        <p:spPr>
+          <a:xfrm>
+            <a:off x="1414780" y="2884805"/>
+            <a:ext cx="4187825" cy="866140"/>
+          </a:xfrm>
+          <a:prstGeom prst="rect">
+            <a:avLst/>
+          </a:prstGeom>
+          <a:noFill/>
+        </p:spPr>
+        <p:txBody>
+          <a:bodyPr wrap="square" rtlCol="0">
+            <a:spAutoFit/>
+          </a:bodyPr>
+          <a:p>
+            <a:pPr>
+              <a:lnSpc>
+                <a:spcPct val="120000"/>
+              </a:lnSpc>
+            </a:pPr>
+            <a:r>
+              <a:rPr lang="zh-CN" altLang="en-US" sz="1400" b="1">
+                <a:solidFill>
+                  <a:srgbClr val="C00000"/>
+                </a:solidFill>
+              </a:rPr>
+              <a:t>触发</a:t>
+            </a:r>
+            <a:r>
+              <a:rPr lang="en-US" altLang="zh-CN" sz="1400" b="1">
+                <a:solidFill>
+                  <a:srgbClr val="C00000"/>
+                </a:solidFill>
+              </a:rPr>
+              <a:t>find_target:</a:t>
+            </a:r>
+            <a:r>
+              <a:rPr lang="zh-CN" altLang="en-US" sz="1400" b="1">
+                <a:solidFill>
+                  <a:srgbClr val="C00000"/>
+                </a:solidFill>
+              </a:rPr>
+              <a:t>（需要找</a:t>
+            </a:r>
+            <a:r>
+              <a:rPr lang="en-US" altLang="zh-CN" sz="1400" b="1">
+                <a:solidFill>
+                  <a:srgbClr val="C00000"/>
+                </a:solidFill>
+              </a:rPr>
+              <a:t>r_next</a:t>
+            </a:r>
+            <a:r>
+              <a:rPr lang="zh-CN" altLang="en-US" sz="1400" b="1">
+                <a:solidFill>
+                  <a:srgbClr val="C00000"/>
+                </a:solidFill>
+              </a:rPr>
+              <a:t>）</a:t>
+            </a:r>
+            <a:endParaRPr lang="en-US" altLang="zh-CN" sz="1400" b="1">
+              <a:solidFill>
+                <a:srgbClr val="C00000"/>
+              </a:solidFill>
+            </a:endParaRPr>
+          </a:p>
+          <a:p>
+            <a:pPr marL="800100" lvl="1" indent="-342900">
+              <a:lnSpc>
+                <a:spcPct val="120000"/>
+              </a:lnSpc>
+              <a:buFont typeface="+mj-ea"/>
+              <a:buAutoNum type="circleNumDbPlain"/>
+            </a:pPr>
+            <a:r>
+              <a:rPr lang="zh-CN" altLang="en-US" sz="1400" b="1">
+                <a:solidFill>
+                  <a:srgbClr val="C00000"/>
+                </a:solidFill>
+              </a:rPr>
+              <a:t>如果空手，则去买（</a:t>
+            </a:r>
+            <a:r>
+              <a:rPr lang="en-US" altLang="zh-CN" sz="1400" b="1">
+                <a:solidFill>
+                  <a:srgbClr val="C00000"/>
+                </a:solidFill>
+              </a:rPr>
+              <a:t>1,2,3,4,5,6,7</a:t>
+            </a:r>
+            <a:r>
+              <a:rPr lang="zh-CN" altLang="en-US" sz="1400" b="1">
+                <a:solidFill>
+                  <a:srgbClr val="C00000"/>
+                </a:solidFill>
+              </a:rPr>
+              <a:t>）</a:t>
+            </a:r>
+            <a:endParaRPr lang="zh-CN" altLang="en-US" sz="1400" b="1">
+              <a:solidFill>
+                <a:srgbClr val="C00000"/>
+              </a:solidFill>
+            </a:endParaRPr>
+          </a:p>
+          <a:p>
+            <a:pPr marL="800100" lvl="1" indent="-342900">
+              <a:lnSpc>
+                <a:spcPct val="120000"/>
+              </a:lnSpc>
+              <a:buFont typeface="+mj-ea"/>
+              <a:buAutoNum type="circleNumDbPlain"/>
+            </a:pPr>
+            <a:r>
+              <a:rPr lang="zh-CN" altLang="en-US" sz="1400" b="1">
+                <a:solidFill>
+                  <a:srgbClr val="C00000"/>
+                </a:solidFill>
+              </a:rPr>
+              <a:t>如果不空手，则去卖</a:t>
+            </a:r>
+            <a:r>
+              <a:rPr lang="en-US" altLang="zh-CN" sz="1400" b="1">
+                <a:solidFill>
+                  <a:srgbClr val="C00000"/>
+                </a:solidFill>
+              </a:rPr>
+              <a:t> (4,5,6,7,8,9)</a:t>
+            </a:r>
+            <a:endParaRPr lang="en-US" altLang="zh-CN" sz="1400" b="1">
+              <a:solidFill>
+                <a:srgbClr val="C00000"/>
+              </a:solidFill>
+            </a:endParaRPr>
+          </a:p>
+        </p:txBody>
+      </p:sp>
+      <p:cxnSp>
+        <p:nvCxnSpPr>
+          <p:cNvPr id="33" name="直接箭头连接符 32"/>
+          <p:cNvCxnSpPr/>
+          <p:nvPr>
+            <p:custDataLst>
+              <p:tags r:id="rId18"/>
+            </p:custDataLst>
+          </p:nvPr>
+        </p:nvCxnSpPr>
+        <p:spPr>
+          <a:xfrm flipV="1">
+            <a:off x="7743825" y="3870960"/>
+            <a:ext cx="545465" cy="446405"/>
+          </a:xfrm>
+          <a:prstGeom prst="straightConnector1">
+            <a:avLst/>
+          </a:prstGeom>
+          <a:ln w="28575" cmpd="sng">
+            <a:solidFill>
+              <a:srgbClr val="C00000"/>
+            </a:solidFill>
+            <a:prstDash val="sysDash"/>
+            <a:tailEnd type="arrow"/>
+          </a:ln>
+        </p:spPr>
+        <p:style>
+          <a:lnRef idx="1">
+            <a:schemeClr val="accent1"/>
+          </a:lnRef>
+          <a:fillRef idx="0">
+            <a:schemeClr val="accent1"/>
+          </a:fillRef>
+          <a:effectRef idx="0">
+            <a:schemeClr val="accent1"/>
+          </a:effectRef>
+          <a:fontRef idx="minor">
+            <a:schemeClr val="tx1"/>
+          </a:fontRef>
+        </p:style>
+      </p:cxnSp>
+      <p:sp>
+        <p:nvSpPr>
+          <p:cNvPr id="34" name="文本框 33"/>
+          <p:cNvSpPr txBox="1"/>
+          <p:nvPr>
+            <p:custDataLst>
+              <p:tags r:id="rId19"/>
+            </p:custDataLst>
+          </p:nvPr>
+        </p:nvSpPr>
+        <p:spPr>
+          <a:xfrm>
+            <a:off x="7476490" y="2924175"/>
+            <a:ext cx="3924935" cy="866140"/>
+          </a:xfrm>
+          <a:prstGeom prst="rect">
+            <a:avLst/>
+          </a:prstGeom>
+          <a:noFill/>
+        </p:spPr>
+        <p:txBody>
+          <a:bodyPr wrap="square" rtlCol="0">
+            <a:spAutoFit/>
+          </a:bodyPr>
+          <a:p>
+            <a:pPr>
+              <a:lnSpc>
+                <a:spcPct val="120000"/>
+              </a:lnSpc>
+            </a:pPr>
+            <a:r>
+              <a:rPr lang="zh-CN" altLang="en-US" sz="1400" b="1">
+                <a:solidFill>
+                  <a:srgbClr val="C00000"/>
+                </a:solidFill>
+              </a:rPr>
+              <a:t>触发</a:t>
+            </a:r>
+            <a:r>
+              <a:rPr lang="en-US" altLang="zh-CN" sz="1400" b="1">
+                <a:solidFill>
+                  <a:srgbClr val="C00000"/>
+                </a:solidFill>
+              </a:rPr>
+              <a:t>check_action</a:t>
+            </a:r>
+            <a:r>
+              <a:rPr lang="zh-CN" altLang="en-US" sz="1400" b="1">
+                <a:solidFill>
+                  <a:srgbClr val="C00000"/>
+                </a:solidFill>
+              </a:rPr>
+              <a:t>（到达靶节点</a:t>
+            </a:r>
+            <a:r>
+              <a:rPr lang="en-US" altLang="zh-CN" sz="1400" b="1">
+                <a:solidFill>
+                  <a:srgbClr val="C00000"/>
+                </a:solidFill>
+              </a:rPr>
+              <a:t>, </a:t>
+            </a:r>
+            <a:r>
+              <a:rPr lang="zh-CN" altLang="en-US" sz="1400" b="1">
+                <a:solidFill>
+                  <a:srgbClr val="C00000"/>
+                </a:solidFill>
+              </a:rPr>
+              <a:t>确认交易</a:t>
+            </a:r>
+            <a:r>
+              <a:rPr lang="zh-CN" altLang="en-US" sz="1400" b="1">
+                <a:solidFill>
+                  <a:srgbClr val="C00000"/>
+                </a:solidFill>
+              </a:rPr>
+              <a:t>行为）</a:t>
+            </a:r>
+            <a:r>
+              <a:rPr lang="en-US" altLang="zh-CN" sz="1400" b="1">
+                <a:solidFill>
+                  <a:srgbClr val="C00000"/>
+                </a:solidFill>
+              </a:rPr>
+              <a:t>:</a:t>
+            </a:r>
+            <a:endParaRPr lang="en-US" altLang="zh-CN" sz="1400" b="1">
+              <a:solidFill>
+                <a:srgbClr val="C00000"/>
+              </a:solidFill>
+            </a:endParaRPr>
+          </a:p>
+          <a:p>
+            <a:pPr marL="800100" lvl="1" indent="-342900">
+              <a:lnSpc>
+                <a:spcPct val="120000"/>
+              </a:lnSpc>
+              <a:buFont typeface="+mj-ea"/>
+              <a:buAutoNum type="circleNumDbPlain"/>
+            </a:pPr>
+            <a:r>
+              <a:rPr lang="zh-CN" altLang="en-US" sz="1400" b="1">
+                <a:solidFill>
+                  <a:srgbClr val="C00000"/>
+                </a:solidFill>
+              </a:rPr>
+              <a:t>如果空手，</a:t>
+            </a:r>
+            <a:r>
+              <a:rPr lang="zh-CN" altLang="en-US" sz="1400" b="1">
+                <a:solidFill>
+                  <a:srgbClr val="C00000"/>
+                </a:solidFill>
+                <a:sym typeface="+mn-ea"/>
+              </a:rPr>
+              <a:t>则买</a:t>
+            </a:r>
+            <a:endParaRPr lang="en-US" altLang="zh-CN" sz="1400" b="1">
+              <a:solidFill>
+                <a:srgbClr val="C00000"/>
+              </a:solidFill>
+              <a:sym typeface="+mn-ea"/>
+            </a:endParaRPr>
+          </a:p>
+          <a:p>
+            <a:pPr marL="800100" lvl="1" indent="-342900">
+              <a:lnSpc>
+                <a:spcPct val="120000"/>
+              </a:lnSpc>
+              <a:buFont typeface="+mj-ea"/>
+              <a:buAutoNum type="circleNumDbPlain"/>
+            </a:pPr>
+            <a:r>
+              <a:rPr lang="zh-CN" altLang="en-US" sz="1400" b="1">
+                <a:solidFill>
+                  <a:srgbClr val="C00000"/>
+                </a:solidFill>
+              </a:rPr>
+              <a:t>如果不空手，则</a:t>
+            </a:r>
+            <a:r>
+              <a:rPr lang="zh-CN" altLang="en-US" sz="1400" b="1">
+                <a:solidFill>
+                  <a:srgbClr val="C00000"/>
+                </a:solidFill>
+              </a:rPr>
+              <a:t>卖</a:t>
+            </a:r>
+            <a:endParaRPr lang="en-US" altLang="zh-CN" sz="1400" b="1">
+              <a:solidFill>
+                <a:srgbClr val="C00000"/>
+              </a:solidFill>
+            </a:endParaRPr>
+          </a:p>
+        </p:txBody>
+      </p:sp>
+      <p:cxnSp>
+        <p:nvCxnSpPr>
+          <p:cNvPr id="35" name="直接箭头连接符 34"/>
+          <p:cNvCxnSpPr/>
+          <p:nvPr>
+            <p:custDataLst>
+              <p:tags r:id="rId20"/>
+            </p:custDataLst>
+          </p:nvPr>
+        </p:nvCxnSpPr>
+        <p:spPr>
+          <a:xfrm>
+            <a:off x="7656830" y="5442585"/>
+            <a:ext cx="487045" cy="482600"/>
+          </a:xfrm>
+          <a:prstGeom prst="straightConnector1">
+            <a:avLst/>
+          </a:prstGeom>
+          <a:ln w="28575" cmpd="sng">
+            <a:solidFill>
+              <a:srgbClr val="C00000"/>
+            </a:solidFill>
+            <a:prstDash val="sysDash"/>
+            <a:tailEnd type="arrow"/>
+          </a:ln>
+        </p:spPr>
+        <p:style>
+          <a:lnRef idx="1">
+            <a:schemeClr val="accent1"/>
+          </a:lnRef>
+          <a:fillRef idx="0">
+            <a:schemeClr val="accent1"/>
+          </a:fillRef>
+          <a:effectRef idx="0">
+            <a:schemeClr val="accent1"/>
+          </a:effectRef>
+          <a:fontRef idx="minor">
+            <a:schemeClr val="tx1"/>
+          </a:fontRef>
+        </p:style>
+      </p:cxnSp>
+      <p:sp>
+        <p:nvSpPr>
+          <p:cNvPr id="36" name="文本框 35"/>
+          <p:cNvSpPr txBox="1"/>
+          <p:nvPr/>
+        </p:nvSpPr>
+        <p:spPr>
+          <a:xfrm>
+            <a:off x="8058150" y="6017260"/>
+            <a:ext cx="2744470" cy="349250"/>
+          </a:xfrm>
+          <a:prstGeom prst="rect">
+            <a:avLst/>
+          </a:prstGeom>
+          <a:noFill/>
+        </p:spPr>
+        <p:txBody>
+          <a:bodyPr wrap="square" rtlCol="0" anchor="t">
+            <a:spAutoFit/>
+          </a:bodyPr>
+          <a:p>
+            <a:pPr>
+              <a:lnSpc>
+                <a:spcPct val="120000"/>
+              </a:lnSpc>
+            </a:pPr>
+            <a:r>
+              <a:rPr lang="zh-CN" altLang="en-US" sz="1400" b="1">
+                <a:solidFill>
+                  <a:srgbClr val="C00000"/>
+                </a:solidFill>
+                <a:sym typeface="+mn-ea"/>
+              </a:rPr>
+              <a:t>触发</a:t>
+            </a:r>
+            <a:r>
+              <a:rPr lang="en-US" altLang="zh-CN" sz="1400" b="1">
+                <a:solidFill>
+                  <a:srgbClr val="C00000"/>
+                </a:solidFill>
+                <a:sym typeface="+mn-ea"/>
+              </a:rPr>
+              <a:t>find_target:</a:t>
+            </a:r>
+            <a:r>
+              <a:rPr lang="zh-CN" altLang="en-US" sz="1400" b="1">
+                <a:solidFill>
+                  <a:srgbClr val="C00000"/>
+                </a:solidFill>
+                <a:sym typeface="+mn-ea"/>
+              </a:rPr>
+              <a:t>（需要找</a:t>
+            </a:r>
+            <a:r>
+              <a:rPr lang="en-US" altLang="zh-CN" sz="1400" b="1">
+                <a:solidFill>
+                  <a:srgbClr val="C00000"/>
+                </a:solidFill>
+                <a:sym typeface="+mn-ea"/>
+              </a:rPr>
+              <a:t>r_next</a:t>
+            </a:r>
+            <a:r>
+              <a:rPr lang="zh-CN" altLang="en-US" sz="1400" b="1">
+                <a:solidFill>
+                  <a:srgbClr val="C00000"/>
+                </a:solidFill>
+                <a:sym typeface="+mn-ea"/>
+              </a:rPr>
+              <a:t>）</a:t>
+            </a:r>
+            <a:endParaRPr lang="zh-CN" altLang="en-US" sz="1400" b="1">
+              <a:solidFill>
+                <a:srgbClr val="C00000"/>
+              </a:solidFill>
+              <a:sym typeface="+mn-ea"/>
+            </a:endParaRPr>
+          </a:p>
+        </p:txBody>
+      </p:sp>
+      <p:sp>
+        <p:nvSpPr>
+          <p:cNvPr id="37" name="文本框 36"/>
+          <p:cNvSpPr txBox="1"/>
+          <p:nvPr/>
+        </p:nvSpPr>
+        <p:spPr>
+          <a:xfrm>
+            <a:off x="679450" y="6165850"/>
+            <a:ext cx="3945255" cy="349250"/>
+          </a:xfrm>
+          <a:prstGeom prst="rect">
+            <a:avLst/>
+          </a:prstGeom>
+          <a:noFill/>
+        </p:spPr>
+        <p:txBody>
+          <a:bodyPr wrap="square" rtlCol="0" anchor="t">
+            <a:spAutoFit/>
+          </a:bodyPr>
+          <a:p>
+            <a:pPr>
+              <a:lnSpc>
+                <a:spcPct val="120000"/>
+              </a:lnSpc>
+            </a:pPr>
+            <a:r>
+              <a:rPr lang="zh-CN" altLang="en-US" sz="1400" b="1">
+                <a:solidFill>
+                  <a:srgbClr val="C00000"/>
+                </a:solidFill>
+                <a:sym typeface="+mn-ea"/>
+              </a:rPr>
+              <a:t>触发</a:t>
+            </a:r>
+            <a:r>
+              <a:rPr lang="en-US" altLang="zh-CN" sz="1400" b="1">
+                <a:solidFill>
+                  <a:srgbClr val="C00000"/>
+                </a:solidFill>
+                <a:sym typeface="+mn-ea"/>
+              </a:rPr>
+              <a:t>check_action</a:t>
+            </a:r>
+            <a:r>
+              <a:rPr lang="zh-CN" altLang="en-US" sz="1400" b="1">
+                <a:solidFill>
+                  <a:srgbClr val="C00000"/>
+                </a:solidFill>
+                <a:sym typeface="+mn-ea"/>
+              </a:rPr>
+              <a:t>（到达靶节点</a:t>
+            </a:r>
+            <a:r>
+              <a:rPr lang="en-US" altLang="zh-CN" sz="1400" b="1">
+                <a:solidFill>
+                  <a:srgbClr val="C00000"/>
+                </a:solidFill>
+                <a:sym typeface="+mn-ea"/>
+              </a:rPr>
+              <a:t>, </a:t>
+            </a:r>
+            <a:r>
+              <a:rPr lang="zh-CN" altLang="en-US" sz="1400" b="1">
+                <a:solidFill>
+                  <a:srgbClr val="C00000"/>
+                </a:solidFill>
+                <a:sym typeface="+mn-ea"/>
+              </a:rPr>
+              <a:t>确认交易行为）</a:t>
+            </a:r>
+            <a:endParaRPr lang="en-US" altLang="zh-CN" sz="1400" b="1">
+              <a:solidFill>
+                <a:srgbClr val="C00000"/>
+              </a:solidFill>
+              <a:sym typeface="+mn-ea"/>
+            </a:endParaRPr>
+          </a:p>
+        </p:txBody>
+      </p:sp>
+      <p:cxnSp>
+        <p:nvCxnSpPr>
+          <p:cNvPr id="38" name="直接箭头连接符 37"/>
+          <p:cNvCxnSpPr/>
+          <p:nvPr>
+            <p:custDataLst>
+              <p:tags r:id="rId21"/>
+            </p:custDataLst>
+          </p:nvPr>
+        </p:nvCxnSpPr>
+        <p:spPr>
+          <a:xfrm flipH="1">
+            <a:off x="3015615" y="5688965"/>
+            <a:ext cx="469900" cy="399415"/>
+          </a:xfrm>
+          <a:prstGeom prst="straightConnector1">
+            <a:avLst/>
+          </a:prstGeom>
+          <a:ln w="28575" cmpd="sng">
+            <a:solidFill>
+              <a:srgbClr val="C00000"/>
+            </a:solidFill>
+            <a:prstDash val="sysDash"/>
+            <a:tailEnd type="arrow"/>
+          </a:ln>
+        </p:spPr>
+        <p:style>
+          <a:lnRef idx="1">
+            <a:schemeClr val="accent1"/>
+          </a:lnRef>
+          <a:fillRef idx="0">
+            <a:schemeClr val="accent1"/>
+          </a:fillRef>
+          <a:effectRef idx="0">
+            <a:schemeClr val="accent1"/>
+          </a:effectRef>
+          <a:fontRef idx="minor">
+            <a:schemeClr val="tx1"/>
+          </a:fontRef>
+        </p:style>
+      </p:cxnSp>
     </p:spTree>
   </p:cSld>
   <p:clrMapOvr>
@@ -10100,7 +11087,7 @@
         <p:spPr>
           <a:xfrm>
             <a:off x="624840" y="86360"/>
-            <a:ext cx="7778750" cy="583565"/>
+            <a:ext cx="1483995" cy="583565"/>
           </a:xfrm>
           <a:prstGeom prst="rect">
             <a:avLst/>
@@ -10276,6 +11263,3371 @@
           </a:p>
         </p:txBody>
       </p:sp>
+      <p:sp>
+        <p:nvSpPr>
+          <p:cNvPr id="14" name="乘号 13"/>
+          <p:cNvSpPr/>
+          <p:nvPr>
+            <p:custDataLst>
+              <p:tags r:id="rId1"/>
+            </p:custDataLst>
+          </p:nvPr>
+        </p:nvSpPr>
+        <p:spPr>
+          <a:xfrm>
+            <a:off x="2217420" y="4175760"/>
+            <a:ext cx="358140" cy="439420"/>
+          </a:xfrm>
+          <a:prstGeom prst="mathMultiply">
+            <a:avLst/>
+          </a:prstGeom>
+        </p:spPr>
+        <p:style>
+          <a:lnRef idx="2">
+            <a:schemeClr val="accent1">
+              <a:shade val="50000"/>
+            </a:schemeClr>
+          </a:lnRef>
+          <a:fillRef idx="1">
+            <a:schemeClr val="accent1"/>
+          </a:fillRef>
+          <a:effectRef idx="0">
+            <a:schemeClr val="accent1"/>
+          </a:effectRef>
+          <a:fontRef idx="minor">
+            <a:schemeClr val="lt1"/>
+          </a:fontRef>
+        </p:style>
+        <p:txBody>
+          <a:bodyPr rtlCol="0" anchor="ctr"/>
+          <a:p>
+            <a:pPr algn="ctr"/>
+            <a:endParaRPr lang="zh-CN" altLang="en-US"/>
+          </a:p>
+        </p:txBody>
+      </p:sp>
+      <p:sp>
+        <p:nvSpPr>
+          <p:cNvPr id="15" name="椭圆 14"/>
+          <p:cNvSpPr/>
+          <p:nvPr>
+            <p:custDataLst>
+              <p:tags r:id="rId2"/>
+            </p:custDataLst>
+          </p:nvPr>
+        </p:nvSpPr>
+        <p:spPr>
+          <a:xfrm>
+            <a:off x="6309995" y="5091430"/>
+            <a:ext cx="321945" cy="306705"/>
+          </a:xfrm>
+          <a:prstGeom prst="ellipse">
+            <a:avLst/>
+          </a:prstGeom>
+        </p:spPr>
+        <p:style>
+          <a:lnRef idx="2">
+            <a:schemeClr val="accent1">
+              <a:shade val="50000"/>
+            </a:schemeClr>
+          </a:lnRef>
+          <a:fillRef idx="1">
+            <a:schemeClr val="accent1"/>
+          </a:fillRef>
+          <a:effectRef idx="0">
+            <a:schemeClr val="accent1"/>
+          </a:effectRef>
+          <a:fontRef idx="minor">
+            <a:schemeClr val="lt1"/>
+          </a:fontRef>
+        </p:style>
+        <p:txBody>
+          <a:bodyPr rtlCol="0" anchor="ctr"/>
+          <a:p>
+            <a:pPr algn="ctr"/>
+            <a:endParaRPr lang="zh-CN" altLang="en-US"/>
+          </a:p>
+        </p:txBody>
+      </p:sp>
+      <p:sp>
+        <p:nvSpPr>
+          <p:cNvPr id="10" name="文本框 9"/>
+          <p:cNvSpPr txBox="1"/>
+          <p:nvPr>
+            <p:custDataLst>
+              <p:tags r:id="rId3"/>
+            </p:custDataLst>
+          </p:nvPr>
+        </p:nvSpPr>
+        <p:spPr>
+          <a:xfrm>
+            <a:off x="3513455" y="5012055"/>
+            <a:ext cx="1850390" cy="306705"/>
+          </a:xfrm>
+          <a:prstGeom prst="rect">
+            <a:avLst/>
+          </a:prstGeom>
+          <a:noFill/>
+        </p:spPr>
+        <p:txBody>
+          <a:bodyPr wrap="square" rtlCol="0">
+            <a:spAutoFit/>
+          </a:bodyPr>
+          <a:p>
+            <a:r>
+              <a:rPr lang="en-US" altLang="zh-CN" sz="1400"/>
+              <a:t>50</a:t>
+            </a:r>
+            <a:r>
+              <a:rPr lang="zh-CN" altLang="en-US" sz="1400"/>
+              <a:t>帧，</a:t>
+            </a:r>
+            <a:r>
+              <a:rPr lang="en-US" altLang="zh-CN" sz="1400"/>
+              <a:t> main_varible</a:t>
+            </a:r>
+            <a:endParaRPr lang="en-US" altLang="zh-CN" sz="1400"/>
+          </a:p>
+        </p:txBody>
+      </p:sp>
+      <p:sp>
+        <p:nvSpPr>
+          <p:cNvPr id="7" name="椭圆 6"/>
+          <p:cNvSpPr/>
+          <p:nvPr>
+            <p:custDataLst>
+              <p:tags r:id="rId4"/>
+            </p:custDataLst>
+          </p:nvPr>
+        </p:nvSpPr>
+        <p:spPr>
+          <a:xfrm>
+            <a:off x="2109470" y="5156200"/>
+            <a:ext cx="321945" cy="306705"/>
+          </a:xfrm>
+          <a:prstGeom prst="ellipse">
+            <a:avLst/>
+          </a:prstGeom>
+        </p:spPr>
+        <p:style>
+          <a:lnRef idx="2">
+            <a:schemeClr val="accent1">
+              <a:shade val="50000"/>
+            </a:schemeClr>
+          </a:lnRef>
+          <a:fillRef idx="1">
+            <a:schemeClr val="accent1"/>
+          </a:fillRef>
+          <a:effectRef idx="0">
+            <a:schemeClr val="accent1"/>
+          </a:effectRef>
+          <a:fontRef idx="minor">
+            <a:schemeClr val="lt1"/>
+          </a:fontRef>
+        </p:style>
+        <p:txBody>
+          <a:bodyPr rtlCol="0" anchor="ctr"/>
+          <a:p>
+            <a:pPr algn="ctr"/>
+            <a:endParaRPr lang="zh-CN" altLang="en-US"/>
+          </a:p>
+        </p:txBody>
+      </p:sp>
+      <p:sp>
+        <p:nvSpPr>
+          <p:cNvPr id="17" name="文本框 16"/>
+          <p:cNvSpPr txBox="1"/>
+          <p:nvPr>
+            <p:custDataLst>
+              <p:tags r:id="rId5"/>
+            </p:custDataLst>
+          </p:nvPr>
+        </p:nvSpPr>
+        <p:spPr>
+          <a:xfrm>
+            <a:off x="1757045" y="4771390"/>
+            <a:ext cx="1156335" cy="306705"/>
+          </a:xfrm>
+          <a:prstGeom prst="rect">
+            <a:avLst/>
+          </a:prstGeom>
+          <a:noFill/>
+        </p:spPr>
+        <p:txBody>
+          <a:bodyPr wrap="square" rtlCol="0">
+            <a:spAutoFit/>
+          </a:bodyPr>
+          <a:p>
+            <a:r>
+              <a:rPr lang="zh-CN" altLang="en-US" sz="1400"/>
+              <a:t>收购工作站</a:t>
+            </a:r>
+            <a:r>
+              <a:rPr lang="en-US" altLang="zh-CN" sz="1400"/>
+              <a:t> </a:t>
+            </a:r>
+            <a:endParaRPr lang="en-US" altLang="zh-CN" sz="1400"/>
+          </a:p>
+        </p:txBody>
+      </p:sp>
+      <p:sp>
+        <p:nvSpPr>
+          <p:cNvPr id="23" name="文本框 22"/>
+          <p:cNvSpPr txBox="1"/>
+          <p:nvPr>
+            <p:custDataLst>
+              <p:tags r:id="rId6"/>
+            </p:custDataLst>
+          </p:nvPr>
+        </p:nvSpPr>
+        <p:spPr>
+          <a:xfrm>
+            <a:off x="5963920" y="4773295"/>
+            <a:ext cx="1094740" cy="306705"/>
+          </a:xfrm>
+          <a:prstGeom prst="rect">
+            <a:avLst/>
+          </a:prstGeom>
+          <a:noFill/>
+        </p:spPr>
+        <p:txBody>
+          <a:bodyPr wrap="square" rtlCol="0">
+            <a:spAutoFit/>
+          </a:bodyPr>
+          <a:p>
+            <a:r>
+              <a:rPr lang="zh-CN" altLang="en-US" sz="1400"/>
+              <a:t>生产工作站</a:t>
+            </a:r>
+            <a:r>
+              <a:rPr lang="en-US" altLang="zh-CN" sz="1400"/>
+              <a:t> </a:t>
+            </a:r>
+            <a:endParaRPr lang="en-US" altLang="zh-CN" sz="1400"/>
+          </a:p>
+        </p:txBody>
+      </p:sp>
+      <p:sp>
+        <p:nvSpPr>
+          <p:cNvPr id="26" name="上弧形箭头 25"/>
+          <p:cNvSpPr/>
+          <p:nvPr>
+            <p:custDataLst>
+              <p:tags r:id="rId7"/>
+            </p:custDataLst>
+          </p:nvPr>
+        </p:nvSpPr>
+        <p:spPr>
+          <a:xfrm>
+            <a:off x="2483485" y="4014470"/>
+            <a:ext cx="4061460" cy="762000"/>
+          </a:xfrm>
+          <a:prstGeom prst="curvedDownArrow">
+            <a:avLst/>
+          </a:prstGeom>
+          <a:noFill/>
+          <a:ln w="28575" cmpd="sng">
+            <a:solidFill>
+              <a:schemeClr val="accent1">
+                <a:shade val="50000"/>
+              </a:schemeClr>
+            </a:solidFill>
+            <a:prstDash val="solid"/>
+          </a:ln>
+        </p:spPr>
+        <p:style>
+          <a:lnRef idx="2">
+            <a:schemeClr val="accent1">
+              <a:shade val="50000"/>
+            </a:schemeClr>
+          </a:lnRef>
+          <a:fillRef idx="1">
+            <a:schemeClr val="accent1"/>
+          </a:fillRef>
+          <a:effectRef idx="0">
+            <a:schemeClr val="accent1"/>
+          </a:effectRef>
+          <a:fontRef idx="minor">
+            <a:schemeClr val="lt1"/>
+          </a:fontRef>
+        </p:style>
+        <p:txBody>
+          <a:bodyPr rtlCol="0" anchor="ctr"/>
+          <a:p>
+            <a:pPr algn="ctr"/>
+            <a:endParaRPr lang="zh-CN" altLang="en-US">
+              <a:solidFill>
+                <a:schemeClr val="tx1"/>
+              </a:solidFill>
+            </a:endParaRPr>
+          </a:p>
+        </p:txBody>
+      </p:sp>
+      <p:sp>
+        <p:nvSpPr>
+          <p:cNvPr id="27" name="上弧形箭头 26"/>
+          <p:cNvSpPr/>
+          <p:nvPr>
+            <p:custDataLst>
+              <p:tags r:id="rId8"/>
+            </p:custDataLst>
+          </p:nvPr>
+        </p:nvSpPr>
+        <p:spPr>
+          <a:xfrm rot="10800000">
+            <a:off x="2373630" y="5514975"/>
+            <a:ext cx="4061460" cy="762000"/>
+          </a:xfrm>
+          <a:prstGeom prst="curvedDownArrow">
+            <a:avLst/>
+          </a:prstGeom>
+          <a:noFill/>
+          <a:ln w="28575" cmpd="sng">
+            <a:solidFill>
+              <a:schemeClr val="accent1">
+                <a:shade val="50000"/>
+              </a:schemeClr>
+            </a:solidFill>
+            <a:prstDash val="solid"/>
+          </a:ln>
+        </p:spPr>
+        <p:style>
+          <a:lnRef idx="2">
+            <a:schemeClr val="accent1">
+              <a:shade val="50000"/>
+            </a:schemeClr>
+          </a:lnRef>
+          <a:fillRef idx="1">
+            <a:schemeClr val="accent1"/>
+          </a:fillRef>
+          <a:effectRef idx="0">
+            <a:schemeClr val="accent1"/>
+          </a:effectRef>
+          <a:fontRef idx="minor">
+            <a:schemeClr val="lt1"/>
+          </a:fontRef>
+        </p:style>
+        <p:txBody>
+          <a:bodyPr rtlCol="0" anchor="ctr"/>
+          <a:p>
+            <a:pPr algn="ctr"/>
+            <a:endParaRPr lang="zh-CN" altLang="en-US">
+              <a:solidFill>
+                <a:schemeClr val="tx1"/>
+              </a:solidFill>
+            </a:endParaRPr>
+          </a:p>
+        </p:txBody>
+      </p:sp>
+      <p:sp>
+        <p:nvSpPr>
+          <p:cNvPr id="29" name="文本框 28"/>
+          <p:cNvSpPr txBox="1"/>
+          <p:nvPr>
+            <p:custDataLst>
+              <p:tags r:id="rId9"/>
+            </p:custDataLst>
+          </p:nvPr>
+        </p:nvSpPr>
+        <p:spPr>
+          <a:xfrm>
+            <a:off x="4103370" y="3656330"/>
+            <a:ext cx="1107440" cy="306705"/>
+          </a:xfrm>
+          <a:prstGeom prst="rect">
+            <a:avLst/>
+          </a:prstGeom>
+          <a:noFill/>
+        </p:spPr>
+        <p:txBody>
+          <a:bodyPr wrap="square" rtlCol="0">
+            <a:spAutoFit/>
+          </a:bodyPr>
+          <a:p>
+            <a:r>
+              <a:rPr lang="zh-CN" altLang="en-US" sz="1400"/>
+              <a:t>去买（</a:t>
+            </a:r>
+            <a:r>
+              <a:rPr lang="zh-CN" altLang="en-US" sz="1400"/>
+              <a:t>空手）</a:t>
+            </a:r>
+            <a:endParaRPr lang="en-US" altLang="zh-CN" sz="1400"/>
+          </a:p>
+        </p:txBody>
+      </p:sp>
+      <p:sp>
+        <p:nvSpPr>
+          <p:cNvPr id="30" name="文本框 29"/>
+          <p:cNvSpPr txBox="1"/>
+          <p:nvPr>
+            <p:custDataLst>
+              <p:tags r:id="rId10"/>
+            </p:custDataLst>
+          </p:nvPr>
+        </p:nvSpPr>
+        <p:spPr>
+          <a:xfrm>
+            <a:off x="4145280" y="6351905"/>
+            <a:ext cx="1409065" cy="306705"/>
+          </a:xfrm>
+          <a:prstGeom prst="rect">
+            <a:avLst/>
+          </a:prstGeom>
+          <a:noFill/>
+        </p:spPr>
+        <p:txBody>
+          <a:bodyPr wrap="square" rtlCol="0">
+            <a:spAutoFit/>
+          </a:bodyPr>
+          <a:p>
+            <a:r>
+              <a:rPr lang="zh-CN" altLang="en-US" sz="1400"/>
+              <a:t>去卖（</a:t>
+            </a:r>
+            <a:r>
+              <a:rPr lang="zh-CN" altLang="en-US" sz="1400"/>
+              <a:t>不空手）</a:t>
+            </a:r>
+            <a:endParaRPr lang="zh-CN" altLang="en-US" sz="1400"/>
+          </a:p>
+        </p:txBody>
+      </p:sp>
+      <p:cxnSp>
+        <p:nvCxnSpPr>
+          <p:cNvPr id="31" name="直接箭头连接符 30"/>
+          <p:cNvCxnSpPr/>
+          <p:nvPr>
+            <p:custDataLst>
+              <p:tags r:id="rId11"/>
+            </p:custDataLst>
+          </p:nvPr>
+        </p:nvCxnSpPr>
+        <p:spPr>
+          <a:xfrm flipH="1" flipV="1">
+            <a:off x="1878965" y="4033520"/>
+            <a:ext cx="338455" cy="581660"/>
+          </a:xfrm>
+          <a:prstGeom prst="straightConnector1">
+            <a:avLst/>
+          </a:prstGeom>
+          <a:ln w="28575" cmpd="sng">
+            <a:solidFill>
+              <a:srgbClr val="C00000"/>
+            </a:solidFill>
+            <a:prstDash val="sysDash"/>
+            <a:tailEnd type="arrow"/>
+          </a:ln>
+        </p:spPr>
+        <p:style>
+          <a:lnRef idx="1">
+            <a:schemeClr val="accent1"/>
+          </a:lnRef>
+          <a:fillRef idx="0">
+            <a:schemeClr val="accent1"/>
+          </a:fillRef>
+          <a:effectRef idx="0">
+            <a:schemeClr val="accent1"/>
+          </a:effectRef>
+          <a:fontRef idx="minor">
+            <a:schemeClr val="tx1"/>
+          </a:fontRef>
+        </p:style>
+      </p:cxnSp>
+      <p:sp>
+        <p:nvSpPr>
+          <p:cNvPr id="32" name="文本框 31"/>
+          <p:cNvSpPr txBox="1"/>
+          <p:nvPr>
+            <p:custDataLst>
+              <p:tags r:id="rId12"/>
+            </p:custDataLst>
+          </p:nvPr>
+        </p:nvSpPr>
+        <p:spPr>
+          <a:xfrm>
+            <a:off x="302895" y="3112770"/>
+            <a:ext cx="4187825" cy="866140"/>
+          </a:xfrm>
+          <a:prstGeom prst="rect">
+            <a:avLst/>
+          </a:prstGeom>
+          <a:noFill/>
+        </p:spPr>
+        <p:txBody>
+          <a:bodyPr wrap="square" rtlCol="0">
+            <a:spAutoFit/>
+          </a:bodyPr>
+          <a:p>
+            <a:pPr>
+              <a:lnSpc>
+                <a:spcPct val="120000"/>
+              </a:lnSpc>
+            </a:pPr>
+            <a:r>
+              <a:rPr lang="zh-CN" altLang="en-US" sz="1400" b="1">
+                <a:solidFill>
+                  <a:srgbClr val="C00000"/>
+                </a:solidFill>
+              </a:rPr>
+              <a:t>触发</a:t>
+            </a:r>
+            <a:r>
+              <a:rPr lang="en-US" altLang="zh-CN" sz="1400" b="1">
+                <a:solidFill>
+                  <a:srgbClr val="C00000"/>
+                </a:solidFill>
+              </a:rPr>
+              <a:t>find_target:</a:t>
+            </a:r>
+            <a:r>
+              <a:rPr lang="zh-CN" altLang="en-US" sz="1400" b="1">
+                <a:solidFill>
+                  <a:srgbClr val="C00000"/>
+                </a:solidFill>
+              </a:rPr>
+              <a:t>（需要找</a:t>
+            </a:r>
+            <a:r>
+              <a:rPr lang="en-US" altLang="zh-CN" sz="1400" b="1">
+                <a:solidFill>
+                  <a:srgbClr val="C00000"/>
+                </a:solidFill>
+              </a:rPr>
+              <a:t>r_next</a:t>
+            </a:r>
+            <a:r>
+              <a:rPr lang="zh-CN" altLang="en-US" sz="1400" b="1">
+                <a:solidFill>
+                  <a:srgbClr val="C00000"/>
+                </a:solidFill>
+              </a:rPr>
+              <a:t>）</a:t>
+            </a:r>
+            <a:endParaRPr lang="en-US" altLang="zh-CN" sz="1400" b="1">
+              <a:solidFill>
+                <a:srgbClr val="C00000"/>
+              </a:solidFill>
+            </a:endParaRPr>
+          </a:p>
+          <a:p>
+            <a:pPr marL="800100" lvl="1" indent="-342900">
+              <a:lnSpc>
+                <a:spcPct val="120000"/>
+              </a:lnSpc>
+              <a:buFont typeface="+mj-ea"/>
+              <a:buAutoNum type="circleNumDbPlain"/>
+            </a:pPr>
+            <a:r>
+              <a:rPr lang="zh-CN" altLang="en-US" sz="1400" b="1">
+                <a:solidFill>
+                  <a:srgbClr val="C00000"/>
+                </a:solidFill>
+              </a:rPr>
+              <a:t>如果空手，则去买（</a:t>
+            </a:r>
+            <a:r>
+              <a:rPr lang="en-US" altLang="zh-CN" sz="1400" b="1">
+                <a:solidFill>
+                  <a:srgbClr val="C00000"/>
+                </a:solidFill>
+              </a:rPr>
+              <a:t>1,2,3,4,5,6,7</a:t>
+            </a:r>
+            <a:r>
+              <a:rPr lang="zh-CN" altLang="en-US" sz="1400" b="1">
+                <a:solidFill>
+                  <a:srgbClr val="C00000"/>
+                </a:solidFill>
+              </a:rPr>
+              <a:t>）</a:t>
+            </a:r>
+            <a:endParaRPr lang="zh-CN" altLang="en-US" sz="1400" b="1">
+              <a:solidFill>
+                <a:srgbClr val="C00000"/>
+              </a:solidFill>
+            </a:endParaRPr>
+          </a:p>
+          <a:p>
+            <a:pPr marL="800100" lvl="1" indent="-342900">
+              <a:lnSpc>
+                <a:spcPct val="120000"/>
+              </a:lnSpc>
+              <a:buFont typeface="+mj-ea"/>
+              <a:buAutoNum type="circleNumDbPlain"/>
+            </a:pPr>
+            <a:r>
+              <a:rPr lang="zh-CN" altLang="en-US" sz="1400" b="1">
+                <a:solidFill>
+                  <a:srgbClr val="C00000"/>
+                </a:solidFill>
+              </a:rPr>
+              <a:t>如果不空手，则去卖</a:t>
+            </a:r>
+            <a:r>
+              <a:rPr lang="en-US" altLang="zh-CN" sz="1400" b="1">
+                <a:solidFill>
+                  <a:srgbClr val="C00000"/>
+                </a:solidFill>
+              </a:rPr>
+              <a:t> (4,5,6,7,8,9)</a:t>
+            </a:r>
+            <a:endParaRPr lang="en-US" altLang="zh-CN" sz="1400" b="1">
+              <a:solidFill>
+                <a:srgbClr val="C00000"/>
+              </a:solidFill>
+            </a:endParaRPr>
+          </a:p>
+        </p:txBody>
+      </p:sp>
+      <p:cxnSp>
+        <p:nvCxnSpPr>
+          <p:cNvPr id="35" name="直接箭头连接符 34"/>
+          <p:cNvCxnSpPr/>
+          <p:nvPr>
+            <p:custDataLst>
+              <p:tags r:id="rId13"/>
+            </p:custDataLst>
+          </p:nvPr>
+        </p:nvCxnSpPr>
+        <p:spPr>
+          <a:xfrm>
+            <a:off x="6544945" y="5670550"/>
+            <a:ext cx="487045" cy="482600"/>
+          </a:xfrm>
+          <a:prstGeom prst="straightConnector1">
+            <a:avLst/>
+          </a:prstGeom>
+          <a:ln w="28575" cmpd="sng">
+            <a:solidFill>
+              <a:srgbClr val="C00000"/>
+            </a:solidFill>
+            <a:prstDash val="sysDash"/>
+            <a:tailEnd type="arrow"/>
+          </a:ln>
+        </p:spPr>
+        <p:style>
+          <a:lnRef idx="1">
+            <a:schemeClr val="accent1"/>
+          </a:lnRef>
+          <a:fillRef idx="0">
+            <a:schemeClr val="accent1"/>
+          </a:fillRef>
+          <a:effectRef idx="0">
+            <a:schemeClr val="accent1"/>
+          </a:effectRef>
+          <a:fontRef idx="minor">
+            <a:schemeClr val="tx1"/>
+          </a:fontRef>
+        </p:style>
+      </p:cxnSp>
+      <p:sp>
+        <p:nvSpPr>
+          <p:cNvPr id="36" name="文本框 35"/>
+          <p:cNvSpPr txBox="1"/>
+          <p:nvPr>
+            <p:custDataLst>
+              <p:tags r:id="rId14"/>
+            </p:custDataLst>
+          </p:nvPr>
+        </p:nvSpPr>
+        <p:spPr>
+          <a:xfrm>
+            <a:off x="6055995" y="6254115"/>
+            <a:ext cx="2744470" cy="349250"/>
+          </a:xfrm>
+          <a:prstGeom prst="rect">
+            <a:avLst/>
+          </a:prstGeom>
+          <a:noFill/>
+        </p:spPr>
+        <p:txBody>
+          <a:bodyPr wrap="square" rtlCol="0" anchor="t">
+            <a:spAutoFit/>
+          </a:bodyPr>
+          <a:p>
+            <a:pPr>
+              <a:lnSpc>
+                <a:spcPct val="120000"/>
+              </a:lnSpc>
+            </a:pPr>
+            <a:r>
+              <a:rPr lang="zh-CN" altLang="en-US" sz="1400" b="1">
+                <a:solidFill>
+                  <a:srgbClr val="C00000"/>
+                </a:solidFill>
+                <a:sym typeface="+mn-ea"/>
+              </a:rPr>
+              <a:t>触发</a:t>
+            </a:r>
+            <a:r>
+              <a:rPr lang="en-US" altLang="zh-CN" sz="1400" b="1">
+                <a:solidFill>
+                  <a:srgbClr val="C00000"/>
+                </a:solidFill>
+                <a:sym typeface="+mn-ea"/>
+              </a:rPr>
+              <a:t>find_target:</a:t>
+            </a:r>
+            <a:r>
+              <a:rPr lang="zh-CN" altLang="en-US" sz="1400" b="1">
+                <a:solidFill>
+                  <a:srgbClr val="C00000"/>
+                </a:solidFill>
+                <a:sym typeface="+mn-ea"/>
+              </a:rPr>
+              <a:t>（需要找</a:t>
+            </a:r>
+            <a:r>
+              <a:rPr lang="en-US" altLang="zh-CN" sz="1400" b="1">
+                <a:solidFill>
+                  <a:srgbClr val="C00000"/>
+                </a:solidFill>
+                <a:sym typeface="+mn-ea"/>
+              </a:rPr>
+              <a:t>r_next</a:t>
+            </a:r>
+            <a:r>
+              <a:rPr lang="zh-CN" altLang="en-US" sz="1400" b="1">
+                <a:solidFill>
+                  <a:srgbClr val="C00000"/>
+                </a:solidFill>
+                <a:sym typeface="+mn-ea"/>
+              </a:rPr>
+              <a:t>）</a:t>
+            </a:r>
+            <a:endParaRPr lang="zh-CN" altLang="en-US" sz="1400" b="1">
+              <a:solidFill>
+                <a:srgbClr val="C00000"/>
+              </a:solidFill>
+              <a:sym typeface="+mn-ea"/>
+            </a:endParaRPr>
+          </a:p>
+        </p:txBody>
+      </p:sp>
+      <p:sp>
+        <p:nvSpPr>
+          <p:cNvPr id="3" name="矩形 2"/>
+          <p:cNvSpPr/>
+          <p:nvPr>
+            <p:custDataLst>
+              <p:tags r:id="rId15"/>
+            </p:custDataLst>
+          </p:nvPr>
+        </p:nvSpPr>
+        <p:spPr>
+          <a:xfrm>
+            <a:off x="6110605" y="1017905"/>
+            <a:ext cx="5735955" cy="3086100"/>
+          </a:xfrm>
+          <a:prstGeom prst="rect">
+            <a:avLst/>
+          </a:prstGeom>
+          <a:solidFill>
+            <a:schemeClr val="accent5">
+              <a:lumMod val="20000"/>
+              <a:lumOff val="80000"/>
+            </a:schemeClr>
+          </a:solidFill>
+          <a:effectLst>
+            <a:outerShdw blurRad="50800" dist="38100" dir="5400000" algn="t" rotWithShape="0">
+              <a:prstClr val="black">
+                <a:alpha val="24000"/>
+              </a:prstClr>
+            </a:outerShdw>
+          </a:effectLst>
+        </p:spPr>
+        <p:style>
+          <a:lnRef idx="2">
+            <a:schemeClr val="accent1">
+              <a:shade val="50000"/>
+            </a:schemeClr>
+          </a:lnRef>
+          <a:fillRef idx="1">
+            <a:schemeClr val="accent1"/>
+          </a:fillRef>
+          <a:effectRef idx="0">
+            <a:schemeClr val="accent1"/>
+          </a:effectRef>
+          <a:fontRef idx="minor">
+            <a:schemeClr val="lt1"/>
+          </a:fontRef>
+        </p:style>
+        <p:txBody>
+          <a:bodyPr rtlCol="0" anchor="ctr"/>
+          <a:p>
+            <a:pPr algn="ctr"/>
+            <a:endParaRPr lang="zh-CN" altLang="en-US"/>
+          </a:p>
+        </p:txBody>
+      </p:sp>
+      <p:sp>
+        <p:nvSpPr>
+          <p:cNvPr id="2" name="文本框 1"/>
+          <p:cNvSpPr txBox="1"/>
+          <p:nvPr>
+            <p:custDataLst>
+              <p:tags r:id="rId16"/>
+            </p:custDataLst>
+          </p:nvPr>
+        </p:nvSpPr>
+        <p:spPr>
+          <a:xfrm>
+            <a:off x="6221095" y="1064895"/>
+            <a:ext cx="5624830" cy="2968625"/>
+          </a:xfrm>
+          <a:prstGeom prst="rect">
+            <a:avLst/>
+          </a:prstGeom>
+          <a:noFill/>
+        </p:spPr>
+        <p:txBody>
+          <a:bodyPr wrap="square" rtlCol="0">
+            <a:spAutoFit/>
+          </a:bodyPr>
+          <a:p>
+            <a:pPr marL="342900" lvl="0" indent="-342900">
+              <a:lnSpc>
+                <a:spcPct val="130000"/>
+              </a:lnSpc>
+              <a:buFont typeface="+mj-ea"/>
+              <a:buAutoNum type="circleNumDbPlain"/>
+            </a:pPr>
+            <a:r>
+              <a:rPr lang="zh-CN" altLang="en-US" sz="1200" b="1">
+                <a:solidFill>
+                  <a:schemeClr val="accent5"/>
+                </a:solidFill>
+              </a:rPr>
+              <a:t>如果空手，则问4，5，6，7 工作台是否有货，有则买；否则买 1，2，3 工作台。</a:t>
+            </a:r>
+            <a:endParaRPr lang="zh-CN" altLang="en-US" sz="1200" b="1">
+              <a:solidFill>
+                <a:schemeClr val="accent5"/>
+              </a:solidFill>
+            </a:endParaRPr>
+          </a:p>
+          <a:p>
+            <a:pPr marL="342900" lvl="0" indent="-342900">
+              <a:lnSpc>
+                <a:spcPct val="130000"/>
+              </a:lnSpc>
+              <a:buFont typeface="+mj-ea"/>
+              <a:buAutoNum type="circleNumDbPlain"/>
+            </a:pPr>
+            <a:r>
+              <a:rPr lang="zh-CN" altLang="en-US" sz="1200" b="1">
+                <a:solidFill>
+                  <a:schemeClr val="accent5"/>
+                </a:solidFill>
+              </a:rPr>
+              <a:t>如果不空手，则分为如下类别：</a:t>
+            </a:r>
+            <a:endParaRPr lang="zh-CN" altLang="en-US" sz="1200" b="1">
+              <a:solidFill>
+                <a:schemeClr val="accent5"/>
+              </a:solidFill>
+            </a:endParaRPr>
+          </a:p>
+          <a:p>
+            <a:pPr marL="800100" lvl="1" indent="-342900">
+              <a:lnSpc>
+                <a:spcPct val="130000"/>
+              </a:lnSpc>
+              <a:buFont typeface="Wingdings" panose="05000000000000000000" charset="0"/>
+              <a:buChar char="l"/>
+            </a:pPr>
+            <a:r>
+              <a:rPr lang="en-US" altLang="zh-CN" sz="1200" b="1">
+                <a:solidFill>
+                  <a:schemeClr val="accent5"/>
+                </a:solidFill>
+              </a:rPr>
+              <a:t># 产品类别为1，卖给 4，5，9 工作台</a:t>
+            </a:r>
+            <a:endParaRPr lang="en-US" altLang="zh-CN" sz="1200" b="1">
+              <a:solidFill>
+                <a:schemeClr val="accent5"/>
+              </a:solidFill>
+            </a:endParaRPr>
+          </a:p>
+          <a:p>
+            <a:pPr marL="800100" lvl="1" indent="-342900">
+              <a:lnSpc>
+                <a:spcPct val="130000"/>
+              </a:lnSpc>
+              <a:buFont typeface="Wingdings" panose="05000000000000000000" charset="0"/>
+              <a:buChar char="l"/>
+            </a:pPr>
+            <a:r>
+              <a:rPr lang="en-US" altLang="zh-CN" sz="1200" b="1">
+                <a:solidFill>
+                  <a:schemeClr val="accent5"/>
+                </a:solidFill>
+              </a:rPr>
+              <a:t># 产品类别为2，卖给 4，6，9 工作台</a:t>
+            </a:r>
+            <a:endParaRPr lang="en-US" altLang="zh-CN" sz="1200" b="1">
+              <a:solidFill>
+                <a:schemeClr val="accent5"/>
+              </a:solidFill>
+            </a:endParaRPr>
+          </a:p>
+          <a:p>
+            <a:pPr marL="800100" lvl="1" indent="-342900">
+              <a:lnSpc>
+                <a:spcPct val="130000"/>
+              </a:lnSpc>
+              <a:buFont typeface="Wingdings" panose="05000000000000000000" charset="0"/>
+              <a:buChar char="l"/>
+            </a:pPr>
+            <a:r>
+              <a:rPr lang="en-US" altLang="zh-CN" sz="1200" b="1">
+                <a:solidFill>
+                  <a:schemeClr val="accent5"/>
+                </a:solidFill>
+              </a:rPr>
+              <a:t># 产品类别为3，卖给 5，6，9 工作台</a:t>
+            </a:r>
+            <a:endParaRPr lang="en-US" altLang="zh-CN" sz="1200" b="1">
+              <a:solidFill>
+                <a:schemeClr val="accent5"/>
+              </a:solidFill>
+            </a:endParaRPr>
+          </a:p>
+          <a:p>
+            <a:pPr marL="800100" lvl="1" indent="-342900">
+              <a:lnSpc>
+                <a:spcPct val="130000"/>
+              </a:lnSpc>
+              <a:buFont typeface="Wingdings" panose="05000000000000000000" charset="0"/>
+              <a:buChar char="l"/>
+            </a:pPr>
+            <a:r>
+              <a:rPr lang="en-US" altLang="zh-CN" sz="1200" b="1">
+                <a:solidFill>
+                  <a:schemeClr val="accent5"/>
+                </a:solidFill>
+              </a:rPr>
+              <a:t># 产品类别为4，卖给 7，9 工作台</a:t>
+            </a:r>
+            <a:endParaRPr lang="en-US" altLang="zh-CN" sz="1200" b="1">
+              <a:solidFill>
+                <a:schemeClr val="accent5"/>
+              </a:solidFill>
+            </a:endParaRPr>
+          </a:p>
+          <a:p>
+            <a:pPr marL="800100" lvl="1" indent="-342900">
+              <a:lnSpc>
+                <a:spcPct val="130000"/>
+              </a:lnSpc>
+              <a:buFont typeface="Wingdings" panose="05000000000000000000" charset="0"/>
+              <a:buChar char="l"/>
+            </a:pPr>
+            <a:r>
+              <a:rPr lang="en-US" altLang="zh-CN" sz="1200" b="1">
+                <a:solidFill>
+                  <a:schemeClr val="accent5"/>
+                </a:solidFill>
+              </a:rPr>
+              <a:t># 产品类别为5，卖给 7，9 工作台</a:t>
+            </a:r>
+            <a:endParaRPr lang="en-US" altLang="zh-CN" sz="1200" b="1">
+              <a:solidFill>
+                <a:schemeClr val="accent5"/>
+              </a:solidFill>
+            </a:endParaRPr>
+          </a:p>
+          <a:p>
+            <a:pPr marL="800100" lvl="1" indent="-342900">
+              <a:lnSpc>
+                <a:spcPct val="130000"/>
+              </a:lnSpc>
+              <a:buFont typeface="Wingdings" panose="05000000000000000000" charset="0"/>
+              <a:buChar char="l"/>
+            </a:pPr>
+            <a:r>
+              <a:rPr lang="en-US" altLang="zh-CN" sz="1200" b="1">
+                <a:solidFill>
+                  <a:schemeClr val="accent5"/>
+                </a:solidFill>
+              </a:rPr>
+              <a:t># 产品类别为6，卖给 7，9 工作台</a:t>
+            </a:r>
+            <a:endParaRPr lang="en-US" altLang="zh-CN" sz="1200" b="1">
+              <a:solidFill>
+                <a:schemeClr val="accent5"/>
+              </a:solidFill>
+            </a:endParaRPr>
+          </a:p>
+          <a:p>
+            <a:pPr marL="800100" lvl="1" indent="-342900">
+              <a:lnSpc>
+                <a:spcPct val="130000"/>
+              </a:lnSpc>
+              <a:buFont typeface="Wingdings" panose="05000000000000000000" charset="0"/>
+              <a:buChar char="l"/>
+            </a:pPr>
+            <a:r>
+              <a:rPr lang="en-US" altLang="zh-CN" sz="1200" b="1">
+                <a:solidFill>
+                  <a:schemeClr val="accent5"/>
+                </a:solidFill>
+              </a:rPr>
+              <a:t># 产品类别为7，卖给 8，9 工作台</a:t>
+            </a:r>
+            <a:endParaRPr lang="en-US" altLang="zh-CN" sz="1200" b="1">
+              <a:solidFill>
+                <a:schemeClr val="accent5"/>
+              </a:solidFill>
+            </a:endParaRPr>
+          </a:p>
+          <a:p>
+            <a:pPr marL="0" lvl="0" indent="0">
+              <a:lnSpc>
+                <a:spcPct val="130000"/>
+              </a:lnSpc>
+              <a:buFont typeface="Wingdings" panose="05000000000000000000" charset="0"/>
+              <a:buNone/>
+            </a:pPr>
+            <a:r>
+              <a:rPr lang="en-US" altLang="zh-CN" sz="1200" b="1">
+                <a:solidFill>
+                  <a:schemeClr val="accent5"/>
+                </a:solidFill>
+              </a:rPr>
+              <a:t># 要求，卖给的工作台要有材料空位，//且含有优先级数组index，之后考虑//如果不存在有空位的工作台，之后考虑</a:t>
+            </a:r>
+            <a:endParaRPr lang="en-US" altLang="zh-CN" sz="1200" b="1">
+              <a:solidFill>
+                <a:schemeClr val="accent5"/>
+              </a:solidFill>
+            </a:endParaRPr>
+          </a:p>
+        </p:txBody>
+      </p:sp>
+      <p:pic>
+        <p:nvPicPr>
+          <p:cNvPr id="13" name="图片 12"/>
+          <p:cNvPicPr>
+            <a:picLocks noChangeAspect="1"/>
+          </p:cNvPicPr>
+          <p:nvPr>
+            <p:custDataLst>
+              <p:tags r:id="rId17"/>
+            </p:custDataLst>
+          </p:nvPr>
+        </p:nvPicPr>
+        <p:blipFill>
+          <a:blip r:embed="rId18"/>
+          <a:stretch>
+            <a:fillRect/>
+          </a:stretch>
+        </p:blipFill>
+        <p:spPr>
+          <a:xfrm>
+            <a:off x="1402080" y="907415"/>
+            <a:ext cx="3698240" cy="2237105"/>
+          </a:xfrm>
+          <a:prstGeom prst="rect">
+            <a:avLst/>
+          </a:prstGeom>
+        </p:spPr>
+      </p:pic>
+      <p:sp>
+        <p:nvSpPr>
+          <p:cNvPr id="8" name="文本框 7"/>
+          <p:cNvSpPr txBox="1"/>
+          <p:nvPr>
+            <p:custDataLst>
+              <p:tags r:id="rId19"/>
+            </p:custDataLst>
+          </p:nvPr>
+        </p:nvSpPr>
+        <p:spPr>
+          <a:xfrm>
+            <a:off x="7658735" y="4216400"/>
+            <a:ext cx="4187825" cy="1938020"/>
+          </a:xfrm>
+          <a:prstGeom prst="rect">
+            <a:avLst/>
+          </a:prstGeom>
+          <a:noFill/>
+        </p:spPr>
+        <p:txBody>
+          <a:bodyPr wrap="square" rtlCol="0">
+            <a:spAutoFit/>
+          </a:bodyPr>
+          <a:p>
+            <a:pPr marL="342900" lvl="0" indent="-342900">
+              <a:lnSpc>
+                <a:spcPct val="150000"/>
+              </a:lnSpc>
+              <a:buFont typeface="+mj-ea"/>
+              <a:buAutoNum type="circleNumDbPlain"/>
+            </a:pPr>
+            <a:r>
+              <a:rPr lang="zh-CN" altLang="en-US" sz="1600" b="1">
+                <a:solidFill>
+                  <a:srgbClr val="C00000"/>
+                </a:solidFill>
+              </a:rPr>
+              <a:t>生产工作台优先级。（</a:t>
+            </a:r>
+            <a:r>
+              <a:rPr lang="zh-CN" altLang="en-US" sz="1600" b="1">
+                <a:solidFill>
+                  <a:srgbClr val="C00000"/>
+                </a:solidFill>
+              </a:rPr>
+              <a:t>较难）</a:t>
+            </a:r>
+            <a:endParaRPr lang="zh-CN" altLang="en-US" sz="1600" b="1">
+              <a:solidFill>
+                <a:srgbClr val="C00000"/>
+              </a:solidFill>
+            </a:endParaRPr>
+          </a:p>
+          <a:p>
+            <a:pPr marL="342900" lvl="0" indent="-342900">
+              <a:lnSpc>
+                <a:spcPct val="150000"/>
+              </a:lnSpc>
+              <a:buFont typeface="+mj-ea"/>
+              <a:buAutoNum type="circleNumDbPlain"/>
+            </a:pPr>
+            <a:r>
+              <a:rPr lang="zh-CN" altLang="en-US" sz="1600" b="1">
+                <a:solidFill>
+                  <a:srgbClr val="C00000"/>
+                </a:solidFill>
+              </a:rPr>
+              <a:t>收购工作台优先级。（工作台材料越多越</a:t>
+            </a:r>
+            <a:r>
+              <a:rPr lang="zh-CN" altLang="en-US" sz="1600" b="1">
+                <a:solidFill>
+                  <a:srgbClr val="C00000"/>
+                </a:solidFill>
+              </a:rPr>
+              <a:t>优先）</a:t>
+            </a:r>
+            <a:endParaRPr lang="zh-CN" altLang="en-US" sz="1600" b="1">
+              <a:solidFill>
+                <a:srgbClr val="C00000"/>
+              </a:solidFill>
+            </a:endParaRPr>
+          </a:p>
+          <a:p>
+            <a:pPr marL="342900" lvl="0" indent="-342900">
+              <a:lnSpc>
+                <a:spcPct val="150000"/>
+              </a:lnSpc>
+              <a:buFont typeface="+mj-ea"/>
+              <a:buAutoNum type="circleNumDbPlain"/>
+            </a:pPr>
+            <a:r>
+              <a:rPr lang="zh-CN" altLang="en-US" sz="1600" b="1">
+                <a:solidFill>
+                  <a:srgbClr val="C00000"/>
+                </a:solidFill>
+              </a:rPr>
+              <a:t>生产与收购</a:t>
+            </a:r>
+            <a:r>
+              <a:rPr lang="zh-CN" altLang="en-US" sz="1600" b="1">
+                <a:solidFill>
+                  <a:srgbClr val="C00000"/>
+                </a:solidFill>
+              </a:rPr>
+              <a:t>联动。</a:t>
+            </a:r>
+            <a:endParaRPr lang="zh-CN" altLang="en-US" sz="1600" b="1">
+              <a:solidFill>
+                <a:srgbClr val="C00000"/>
+              </a:solidFill>
+            </a:endParaRPr>
+          </a:p>
+          <a:p>
+            <a:pPr lvl="0" indent="0">
+              <a:lnSpc>
+                <a:spcPct val="150000"/>
+              </a:lnSpc>
+              <a:buFont typeface="+mj-ea"/>
+              <a:buNone/>
+            </a:pPr>
+            <a:r>
+              <a:rPr lang="en-US" altLang="zh-CN" sz="1600" b="1">
+                <a:solidFill>
+                  <a:srgbClr val="C00000"/>
+                </a:solidFill>
+              </a:rPr>
+              <a:t>NOTES: </a:t>
+            </a:r>
+            <a:r>
+              <a:rPr lang="zh-CN" altLang="en-US" sz="1600" b="1">
+                <a:solidFill>
+                  <a:srgbClr val="C00000"/>
+                </a:solidFill>
+              </a:rPr>
+              <a:t>优先级即为成本</a:t>
+            </a:r>
+            <a:r>
+              <a:rPr lang="zh-CN" altLang="en-US" sz="1600" b="1">
+                <a:solidFill>
+                  <a:srgbClr val="C00000"/>
+                </a:solidFill>
+              </a:rPr>
+              <a:t>函数。</a:t>
+            </a:r>
+            <a:endParaRPr lang="zh-CN" altLang="en-US" sz="1600" b="1">
+              <a:solidFill>
+                <a:srgbClr val="C00000"/>
+              </a:solidFill>
+            </a:endParaRPr>
+          </a:p>
+        </p:txBody>
+      </p:sp>
+    </p:spTree>
+  </p:cSld>
+  <p:clrMapOvr>
+    <a:masterClrMapping/>
+  </p:clrMapOvr>
+</p:sld>
+</file>
+
+<file path=ppt/slides/slide8.xml><?xml version="1.0" encoding="utf-8"?>
+<p:sld xmlns:a="http://schemas.openxmlformats.org/drawingml/2006/main" xmlns:r="http://schemas.openxmlformats.org/officeDocument/2006/relationships" xmlns:p="http://schemas.openxmlformats.org/presentationml/2006/main">
+  <p:cSld>
+    <p:spTree>
+      <p:nvGrpSpPr>
+        <p:cNvPr id="1" name=""/>
+        <p:cNvGrpSpPr/>
+        <p:nvPr/>
+      </p:nvGrpSpPr>
+      <p:grpSpPr/>
+      <p:sp>
+        <p:nvSpPr>
+          <p:cNvPr id="4" name="下箭头 3"/>
+          <p:cNvSpPr/>
+          <p:nvPr/>
+        </p:nvSpPr>
+        <p:spPr>
+          <a:xfrm>
+            <a:off x="203200" y="0"/>
+            <a:ext cx="421640" cy="724535"/>
+          </a:xfrm>
+          <a:prstGeom prst="downArrow">
+            <a:avLst/>
+          </a:prstGeom>
+          <a:gradFill>
+            <a:gsLst>
+              <a:gs pos="23000">
+                <a:schemeClr val="accent1">
+                  <a:lumMod val="60000"/>
+                  <a:lumOff val="40000"/>
+                </a:schemeClr>
+              </a:gs>
+              <a:gs pos="100000">
+                <a:schemeClr val="accent1">
+                  <a:lumMod val="50000"/>
+                </a:schemeClr>
+              </a:gs>
+            </a:gsLst>
+            <a:lin ang="5400000" scaled="0"/>
+          </a:gradFill>
+          <a:ln>
+            <a:noFill/>
+          </a:ln>
+          <a:effectLst>
+            <a:outerShdw blurRad="50800" dist="38100" dir="5400000" algn="t" rotWithShape="0">
+              <a:prstClr val="black">
+                <a:alpha val="18000"/>
+              </a:prstClr>
+            </a:outerShdw>
+          </a:effectLst>
+        </p:spPr>
+        <p:style>
+          <a:lnRef idx="2">
+            <a:schemeClr val="accent1">
+              <a:shade val="50000"/>
+            </a:schemeClr>
+          </a:lnRef>
+          <a:fillRef idx="1">
+            <a:schemeClr val="accent1"/>
+          </a:fillRef>
+          <a:effectRef idx="0">
+            <a:schemeClr val="accent1"/>
+          </a:effectRef>
+          <a:fontRef idx="minor">
+            <a:schemeClr val="lt1"/>
+          </a:fontRef>
+        </p:style>
+        <p:txBody>
+          <a:bodyPr rtlCol="0" anchor="ctr"/>
+          <a:p>
+            <a:pPr algn="ctr"/>
+            <a:endParaRPr lang="zh-CN" altLang="en-US"/>
+          </a:p>
+        </p:txBody>
+      </p:sp>
+      <p:sp>
+        <p:nvSpPr>
+          <p:cNvPr id="5" name="文本框 4"/>
+          <p:cNvSpPr txBox="1"/>
+          <p:nvPr/>
+        </p:nvSpPr>
+        <p:spPr>
+          <a:xfrm>
+            <a:off x="624840" y="86360"/>
+            <a:ext cx="3865880" cy="583565"/>
+          </a:xfrm>
+          <a:prstGeom prst="rect">
+            <a:avLst/>
+          </a:prstGeom>
+          <a:noFill/>
+        </p:spPr>
+        <p:txBody>
+          <a:bodyPr wrap="square" rtlCol="0">
+            <a:spAutoFit/>
+          </a:bodyPr>
+          <a:p>
+            <a:r>
+              <a:rPr lang="zh-CN" altLang="en-US" sz="3200" b="1">
+                <a:solidFill>
+                  <a:schemeClr val="tx1"/>
+                </a:solidFill>
+                <a:effectLst>
+                  <a:outerShdw blurRad="38100" dist="19050" dir="2700000" algn="tl" rotWithShape="0">
+                    <a:schemeClr val="dk1">
+                      <a:alpha val="40000"/>
+                    </a:schemeClr>
+                  </a:outerShdw>
+                </a:effectLst>
+                <a:latin typeface="微软雅黑" panose="020B0503020204020204" charset="-122"/>
+                <a:ea typeface="微软雅黑" panose="020B0503020204020204" charset="-122"/>
+              </a:rPr>
+              <a:t>怎么找（成本</a:t>
+            </a:r>
+            <a:r>
+              <a:rPr lang="zh-CN" altLang="en-US" sz="3200" b="1">
+                <a:solidFill>
+                  <a:schemeClr val="tx1"/>
+                </a:solidFill>
+                <a:effectLst>
+                  <a:outerShdw blurRad="38100" dist="19050" dir="2700000" algn="tl" rotWithShape="0">
+                    <a:schemeClr val="dk1">
+                      <a:alpha val="40000"/>
+                    </a:schemeClr>
+                  </a:outerShdw>
+                </a:effectLst>
+                <a:latin typeface="微软雅黑" panose="020B0503020204020204" charset="-122"/>
+                <a:ea typeface="微软雅黑" panose="020B0503020204020204" charset="-122"/>
+              </a:rPr>
+              <a:t>对比）</a:t>
+            </a:r>
+            <a:endParaRPr lang="zh-CN" altLang="en-US" sz="3200" b="1">
+              <a:solidFill>
+                <a:schemeClr val="tx1"/>
+              </a:solidFill>
+              <a:effectLst>
+                <a:outerShdw blurRad="38100" dist="19050" dir="2700000" algn="tl" rotWithShape="0">
+                  <a:schemeClr val="dk1">
+                    <a:alpha val="40000"/>
+                  </a:schemeClr>
+                </a:outerShdw>
+              </a:effectLst>
+              <a:latin typeface="微软雅黑" panose="020B0503020204020204" charset="-122"/>
+              <a:ea typeface="微软雅黑" panose="020B0503020204020204" charset="-122"/>
+            </a:endParaRPr>
+          </a:p>
+        </p:txBody>
+      </p:sp>
+      <p:sp>
+        <p:nvSpPr>
+          <p:cNvPr id="9" name="矩形 8"/>
+          <p:cNvSpPr/>
+          <p:nvPr/>
+        </p:nvSpPr>
+        <p:spPr>
+          <a:xfrm>
+            <a:off x="203200" y="881380"/>
+            <a:ext cx="11826240" cy="5867400"/>
+          </a:xfrm>
+          <a:prstGeom prst="rect">
+            <a:avLst/>
+          </a:prstGeom>
+          <a:noFill/>
+          <a:ln w="28575">
+            <a:solidFill>
+              <a:schemeClr val="accent1">
+                <a:lumMod val="50000"/>
+              </a:schemeClr>
+            </a:solidFill>
+          </a:ln>
+          <a:effectLst/>
+        </p:spPr>
+        <p:style>
+          <a:lnRef idx="2">
+            <a:schemeClr val="accent1">
+              <a:shade val="50000"/>
+            </a:schemeClr>
+          </a:lnRef>
+          <a:fillRef idx="1">
+            <a:schemeClr val="accent1"/>
+          </a:fillRef>
+          <a:effectRef idx="0">
+            <a:schemeClr val="accent1"/>
+          </a:effectRef>
+          <a:fontRef idx="minor">
+            <a:schemeClr val="lt1"/>
+          </a:fontRef>
+        </p:style>
+        <p:txBody>
+          <a:bodyPr rtlCol="0" anchor="ctr"/>
+          <a:p>
+            <a:pPr algn="ctr"/>
+            <a:endParaRPr lang="zh-CN" altLang="en-US"/>
+          </a:p>
+        </p:txBody>
+      </p:sp>
+      <p:sp>
+        <p:nvSpPr>
+          <p:cNvPr id="6" name="矩形 5"/>
+          <p:cNvSpPr/>
+          <p:nvPr/>
+        </p:nvSpPr>
+        <p:spPr>
+          <a:xfrm>
+            <a:off x="202565" y="805815"/>
+            <a:ext cx="11826875" cy="76200"/>
+          </a:xfrm>
+          <a:prstGeom prst="rect">
+            <a:avLst/>
+          </a:prstGeom>
+          <a:gradFill>
+            <a:gsLst>
+              <a:gs pos="32000">
+                <a:schemeClr val="accent1">
+                  <a:lumMod val="60000"/>
+                  <a:lumOff val="40000"/>
+                </a:schemeClr>
+              </a:gs>
+              <a:gs pos="100000">
+                <a:schemeClr val="accent1">
+                  <a:lumMod val="50000"/>
+                </a:schemeClr>
+              </a:gs>
+            </a:gsLst>
+            <a:lin ang="0" scaled="0"/>
+          </a:gradFill>
+          <a:ln>
+            <a:noFill/>
+          </a:ln>
+          <a:effectLst>
+            <a:outerShdw blurRad="50800" dist="25400" dir="5400000" algn="t" rotWithShape="0">
+              <a:prstClr val="black">
+                <a:alpha val="19000"/>
+              </a:prstClr>
+            </a:outerShdw>
+          </a:effectLst>
+        </p:spPr>
+        <p:style>
+          <a:lnRef idx="2">
+            <a:schemeClr val="accent1">
+              <a:shade val="50000"/>
+            </a:schemeClr>
+          </a:lnRef>
+          <a:fillRef idx="1">
+            <a:schemeClr val="accent1"/>
+          </a:fillRef>
+          <a:effectRef idx="0">
+            <a:schemeClr val="accent1"/>
+          </a:effectRef>
+          <a:fontRef idx="minor">
+            <a:schemeClr val="lt1"/>
+          </a:fontRef>
+        </p:style>
+        <p:txBody>
+          <a:bodyPr rtlCol="0" anchor="ctr"/>
+          <a:p>
+            <a:pPr algn="ctr"/>
+            <a:endParaRPr lang="zh-CN" altLang="en-US"/>
+          </a:p>
+        </p:txBody>
+      </p:sp>
+      <p:grpSp>
+        <p:nvGrpSpPr>
+          <p:cNvPr id="52" name="组合 51"/>
+          <p:cNvGrpSpPr/>
+          <p:nvPr/>
+        </p:nvGrpSpPr>
+        <p:grpSpPr>
+          <a:xfrm>
+            <a:off x="1711960" y="1332230"/>
+            <a:ext cx="6924040" cy="3849370"/>
+            <a:chOff x="2696" y="2098"/>
+            <a:chExt cx="10904" cy="6062"/>
+          </a:xfrm>
+        </p:grpSpPr>
+        <p:sp>
+          <p:nvSpPr>
+            <p:cNvPr id="11" name="乘号 10"/>
+            <p:cNvSpPr/>
+            <p:nvPr>
+              <p:custDataLst>
+                <p:tags r:id="rId1"/>
+              </p:custDataLst>
+            </p:nvPr>
+          </p:nvSpPr>
+          <p:spPr>
+            <a:xfrm>
+              <a:off x="2696" y="2777"/>
+              <a:ext cx="564" cy="692"/>
+            </a:xfrm>
+            <a:prstGeom prst="mathMultiply">
+              <a:avLst/>
+            </a:prstGeom>
+          </p:spPr>
+          <p:style>
+            <a:lnRef idx="2">
+              <a:schemeClr val="accent1">
+                <a:shade val="50000"/>
+              </a:schemeClr>
+            </a:lnRef>
+            <a:fillRef idx="1">
+              <a:schemeClr val="accent1"/>
+            </a:fillRef>
+            <a:effectRef idx="0">
+              <a:schemeClr val="accent1"/>
+            </a:effectRef>
+            <a:fontRef idx="minor">
+              <a:schemeClr val="lt1"/>
+            </a:fontRef>
+          </p:style>
+          <p:txBody>
+            <a:bodyPr rtlCol="0" anchor="ctr"/>
+            <a:p>
+              <a:pPr algn="ctr"/>
+              <a:endParaRPr lang="zh-CN" altLang="en-US"/>
+            </a:p>
+          </p:txBody>
+        </p:sp>
+        <p:sp>
+          <p:nvSpPr>
+            <p:cNvPr id="12" name="文本框 11"/>
+            <p:cNvSpPr txBox="1"/>
+            <p:nvPr>
+              <p:custDataLst>
+                <p:tags r:id="rId2"/>
+              </p:custDataLst>
+            </p:nvPr>
+          </p:nvSpPr>
+          <p:spPr>
+            <a:xfrm>
+              <a:off x="3518" y="2882"/>
+              <a:ext cx="2155" cy="483"/>
+            </a:xfrm>
+            <a:prstGeom prst="rect">
+              <a:avLst/>
+            </a:prstGeom>
+            <a:noFill/>
+          </p:spPr>
+          <p:txBody>
+            <a:bodyPr wrap="square" rtlCol="0">
+              <a:spAutoFit/>
+            </a:bodyPr>
+            <a:p>
+              <a:r>
+                <a:rPr lang="zh-CN" altLang="en-US" sz="1400"/>
+                <a:t>机器人拿物品</a:t>
+              </a:r>
+              <a:endParaRPr lang="zh-CN" altLang="en-US" sz="1400"/>
+            </a:p>
+          </p:txBody>
+        </p:sp>
+        <p:grpSp>
+          <p:nvGrpSpPr>
+            <p:cNvPr id="19" name="组合 18"/>
+            <p:cNvGrpSpPr/>
+            <p:nvPr/>
+          </p:nvGrpSpPr>
+          <p:grpSpPr>
+            <a:xfrm>
+              <a:off x="5585" y="2870"/>
+              <a:ext cx="701" cy="495"/>
+              <a:chOff x="5579" y="2869"/>
+              <a:chExt cx="701" cy="495"/>
+            </a:xfrm>
+          </p:grpSpPr>
+          <p:sp>
+            <p:nvSpPr>
+              <p:cNvPr id="16" name="椭圆 15"/>
+              <p:cNvSpPr/>
+              <p:nvPr>
+                <p:custDataLst>
+                  <p:tags r:id="rId3"/>
+                </p:custDataLst>
+              </p:nvPr>
+            </p:nvSpPr>
+            <p:spPr>
+              <a:xfrm>
+                <a:off x="5579" y="2882"/>
+                <a:ext cx="507" cy="483"/>
+              </a:xfrm>
+              <a:prstGeom prst="ellipse">
+                <a:avLst/>
+              </a:prstGeom>
+            </p:spPr>
+            <p:style>
+              <a:lnRef idx="2">
+                <a:schemeClr val="accent1">
+                  <a:shade val="50000"/>
+                </a:schemeClr>
+              </a:lnRef>
+              <a:fillRef idx="1">
+                <a:schemeClr val="accent1"/>
+              </a:fillRef>
+              <a:effectRef idx="0">
+                <a:schemeClr val="accent1"/>
+              </a:effectRef>
+              <a:fontRef idx="minor">
+                <a:schemeClr val="lt1"/>
+              </a:fontRef>
+            </p:style>
+            <p:txBody>
+              <a:bodyPr rtlCol="0" anchor="ctr"/>
+              <a:p>
+                <a:pPr algn="ctr"/>
+                <a:endParaRPr lang="zh-CN" altLang="en-US"/>
+              </a:p>
+            </p:txBody>
+          </p:sp>
+          <p:sp>
+            <p:nvSpPr>
+              <p:cNvPr id="18" name="文本框 17"/>
+              <p:cNvSpPr txBox="1"/>
+              <p:nvPr>
+                <p:custDataLst>
+                  <p:tags r:id="rId4"/>
+                </p:custDataLst>
+              </p:nvPr>
+            </p:nvSpPr>
+            <p:spPr>
+              <a:xfrm>
+                <a:off x="5618" y="2869"/>
+                <a:ext cx="662" cy="483"/>
+              </a:xfrm>
+              <a:prstGeom prst="rect">
+                <a:avLst/>
+              </a:prstGeom>
+              <a:noFill/>
+            </p:spPr>
+            <p:txBody>
+              <a:bodyPr wrap="square" rtlCol="0">
+                <a:spAutoFit/>
+              </a:bodyPr>
+              <a:p>
+                <a:r>
+                  <a:rPr lang="en-US" altLang="zh-CN" sz="1400" b="1"/>
+                  <a:t>1</a:t>
+                </a:r>
+                <a:endParaRPr lang="en-US" altLang="zh-CN" sz="1400" b="1"/>
+              </a:p>
+            </p:txBody>
+          </p:sp>
+        </p:grpSp>
+        <p:grpSp>
+          <p:nvGrpSpPr>
+            <p:cNvPr id="20" name="组合 19"/>
+            <p:cNvGrpSpPr/>
+            <p:nvPr/>
+          </p:nvGrpSpPr>
+          <p:grpSpPr>
+            <a:xfrm>
+              <a:off x="5585" y="4468"/>
+              <a:ext cx="701" cy="496"/>
+              <a:chOff x="5579" y="2869"/>
+              <a:chExt cx="701" cy="496"/>
+            </a:xfrm>
+          </p:grpSpPr>
+          <p:sp>
+            <p:nvSpPr>
+              <p:cNvPr id="21" name="椭圆 20"/>
+              <p:cNvSpPr/>
+              <p:nvPr>
+                <p:custDataLst>
+                  <p:tags r:id="rId5"/>
+                </p:custDataLst>
+              </p:nvPr>
+            </p:nvSpPr>
+            <p:spPr>
+              <a:xfrm>
+                <a:off x="5579" y="2882"/>
+                <a:ext cx="507" cy="483"/>
+              </a:xfrm>
+              <a:prstGeom prst="ellipse">
+                <a:avLst/>
+              </a:prstGeom>
+            </p:spPr>
+            <p:style>
+              <a:lnRef idx="2">
+                <a:schemeClr val="accent1">
+                  <a:shade val="50000"/>
+                </a:schemeClr>
+              </a:lnRef>
+              <a:fillRef idx="1">
+                <a:schemeClr val="accent1"/>
+              </a:fillRef>
+              <a:effectRef idx="0">
+                <a:schemeClr val="accent1"/>
+              </a:effectRef>
+              <a:fontRef idx="minor">
+                <a:schemeClr val="lt1"/>
+              </a:fontRef>
+            </p:style>
+            <p:txBody>
+              <a:bodyPr rtlCol="0" anchor="ctr"/>
+              <a:p>
+                <a:pPr algn="ctr"/>
+                <a:endParaRPr lang="zh-CN" altLang="en-US"/>
+              </a:p>
+            </p:txBody>
+          </p:sp>
+          <p:sp>
+            <p:nvSpPr>
+              <p:cNvPr id="22" name="文本框 21"/>
+              <p:cNvSpPr txBox="1"/>
+              <p:nvPr>
+                <p:custDataLst>
+                  <p:tags r:id="rId6"/>
+                </p:custDataLst>
+              </p:nvPr>
+            </p:nvSpPr>
+            <p:spPr>
+              <a:xfrm>
+                <a:off x="5618" y="2869"/>
+                <a:ext cx="662" cy="483"/>
+              </a:xfrm>
+              <a:prstGeom prst="rect">
+                <a:avLst/>
+              </a:prstGeom>
+              <a:noFill/>
+            </p:spPr>
+            <p:txBody>
+              <a:bodyPr wrap="square" rtlCol="0">
+                <a:spAutoFit/>
+              </a:bodyPr>
+              <a:p>
+                <a:r>
+                  <a:rPr lang="en-US" altLang="zh-CN" sz="1400" b="1"/>
+                  <a:t>3</a:t>
+                </a:r>
+                <a:endParaRPr lang="en-US" altLang="zh-CN" sz="1400" b="1"/>
+              </a:p>
+            </p:txBody>
+          </p:sp>
+        </p:grpSp>
+        <p:grpSp>
+          <p:nvGrpSpPr>
+            <p:cNvPr id="24" name="组合 23"/>
+            <p:cNvGrpSpPr/>
+            <p:nvPr/>
+          </p:nvGrpSpPr>
+          <p:grpSpPr>
+            <a:xfrm>
+              <a:off x="5585" y="3669"/>
+              <a:ext cx="701" cy="496"/>
+              <a:chOff x="5579" y="2869"/>
+              <a:chExt cx="701" cy="496"/>
+            </a:xfrm>
+          </p:grpSpPr>
+          <p:sp>
+            <p:nvSpPr>
+              <p:cNvPr id="25" name="椭圆 24"/>
+              <p:cNvSpPr/>
+              <p:nvPr>
+                <p:custDataLst>
+                  <p:tags r:id="rId7"/>
+                </p:custDataLst>
+              </p:nvPr>
+            </p:nvSpPr>
+            <p:spPr>
+              <a:xfrm>
+                <a:off x="5579" y="2882"/>
+                <a:ext cx="507" cy="483"/>
+              </a:xfrm>
+              <a:prstGeom prst="ellipse">
+                <a:avLst/>
+              </a:prstGeom>
+            </p:spPr>
+            <p:style>
+              <a:lnRef idx="2">
+                <a:schemeClr val="accent1">
+                  <a:shade val="50000"/>
+                </a:schemeClr>
+              </a:lnRef>
+              <a:fillRef idx="1">
+                <a:schemeClr val="accent1"/>
+              </a:fillRef>
+              <a:effectRef idx="0">
+                <a:schemeClr val="accent1"/>
+              </a:effectRef>
+              <a:fontRef idx="minor">
+                <a:schemeClr val="lt1"/>
+              </a:fontRef>
+            </p:style>
+            <p:txBody>
+              <a:bodyPr rtlCol="0" anchor="ctr"/>
+              <a:p>
+                <a:pPr algn="ctr"/>
+                <a:endParaRPr lang="zh-CN" altLang="en-US"/>
+              </a:p>
+            </p:txBody>
+          </p:sp>
+          <p:sp>
+            <p:nvSpPr>
+              <p:cNvPr id="28" name="文本框 27"/>
+              <p:cNvSpPr txBox="1"/>
+              <p:nvPr>
+                <p:custDataLst>
+                  <p:tags r:id="rId8"/>
+                </p:custDataLst>
+              </p:nvPr>
+            </p:nvSpPr>
+            <p:spPr>
+              <a:xfrm>
+                <a:off x="5618" y="2869"/>
+                <a:ext cx="662" cy="483"/>
+              </a:xfrm>
+              <a:prstGeom prst="rect">
+                <a:avLst/>
+              </a:prstGeom>
+              <a:noFill/>
+            </p:spPr>
+            <p:txBody>
+              <a:bodyPr wrap="square" rtlCol="0">
+                <a:spAutoFit/>
+              </a:bodyPr>
+              <a:p>
+                <a:r>
+                  <a:rPr lang="en-US" altLang="zh-CN" sz="1400" b="1"/>
+                  <a:t>2</a:t>
+                </a:r>
+                <a:endParaRPr lang="en-US" altLang="zh-CN" sz="1400" b="1"/>
+              </a:p>
+            </p:txBody>
+          </p:sp>
+        </p:grpSp>
+        <p:grpSp>
+          <p:nvGrpSpPr>
+            <p:cNvPr id="33" name="组合 32"/>
+            <p:cNvGrpSpPr/>
+            <p:nvPr/>
+          </p:nvGrpSpPr>
+          <p:grpSpPr>
+            <a:xfrm>
+              <a:off x="5585" y="5267"/>
+              <a:ext cx="701" cy="496"/>
+              <a:chOff x="5579" y="2869"/>
+              <a:chExt cx="701" cy="496"/>
+            </a:xfrm>
+          </p:grpSpPr>
+          <p:sp>
+            <p:nvSpPr>
+              <p:cNvPr id="34" name="椭圆 33"/>
+              <p:cNvSpPr/>
+              <p:nvPr>
+                <p:custDataLst>
+                  <p:tags r:id="rId9"/>
+                </p:custDataLst>
+              </p:nvPr>
+            </p:nvSpPr>
+            <p:spPr>
+              <a:xfrm>
+                <a:off x="5579" y="2882"/>
+                <a:ext cx="507" cy="483"/>
+              </a:xfrm>
+              <a:prstGeom prst="ellipse">
+                <a:avLst/>
+              </a:prstGeom>
+            </p:spPr>
+            <p:style>
+              <a:lnRef idx="2">
+                <a:schemeClr val="accent1">
+                  <a:shade val="50000"/>
+                </a:schemeClr>
+              </a:lnRef>
+              <a:fillRef idx="1">
+                <a:schemeClr val="accent1"/>
+              </a:fillRef>
+              <a:effectRef idx="0">
+                <a:schemeClr val="accent1"/>
+              </a:effectRef>
+              <a:fontRef idx="minor">
+                <a:schemeClr val="lt1"/>
+              </a:fontRef>
+            </p:style>
+            <p:txBody>
+              <a:bodyPr rtlCol="0" anchor="ctr"/>
+              <a:p>
+                <a:pPr algn="ctr"/>
+                <a:endParaRPr lang="zh-CN" altLang="en-US"/>
+              </a:p>
+            </p:txBody>
+          </p:sp>
+          <p:sp>
+            <p:nvSpPr>
+              <p:cNvPr id="37" name="文本框 36"/>
+              <p:cNvSpPr txBox="1"/>
+              <p:nvPr>
+                <p:custDataLst>
+                  <p:tags r:id="rId10"/>
+                </p:custDataLst>
+              </p:nvPr>
+            </p:nvSpPr>
+            <p:spPr>
+              <a:xfrm>
+                <a:off x="5618" y="2869"/>
+                <a:ext cx="662" cy="483"/>
+              </a:xfrm>
+              <a:prstGeom prst="rect">
+                <a:avLst/>
+              </a:prstGeom>
+              <a:noFill/>
+            </p:spPr>
+            <p:txBody>
+              <a:bodyPr wrap="square" rtlCol="0">
+                <a:spAutoFit/>
+              </a:bodyPr>
+              <a:p>
+                <a:r>
+                  <a:rPr lang="en-US" altLang="zh-CN" sz="1400" b="1"/>
+                  <a:t>4</a:t>
+                </a:r>
+                <a:endParaRPr lang="en-US" altLang="zh-CN" sz="1400" b="1"/>
+              </a:p>
+            </p:txBody>
+          </p:sp>
+        </p:grpSp>
+        <p:grpSp>
+          <p:nvGrpSpPr>
+            <p:cNvPr id="38" name="组合 37"/>
+            <p:cNvGrpSpPr/>
+            <p:nvPr/>
+          </p:nvGrpSpPr>
+          <p:grpSpPr>
+            <a:xfrm>
+              <a:off x="5585" y="6066"/>
+              <a:ext cx="701" cy="496"/>
+              <a:chOff x="5579" y="2869"/>
+              <a:chExt cx="701" cy="496"/>
+            </a:xfrm>
+          </p:grpSpPr>
+          <p:sp>
+            <p:nvSpPr>
+              <p:cNvPr id="39" name="椭圆 38"/>
+              <p:cNvSpPr/>
+              <p:nvPr>
+                <p:custDataLst>
+                  <p:tags r:id="rId11"/>
+                </p:custDataLst>
+              </p:nvPr>
+            </p:nvSpPr>
+            <p:spPr>
+              <a:xfrm>
+                <a:off x="5579" y="2882"/>
+                <a:ext cx="507" cy="483"/>
+              </a:xfrm>
+              <a:prstGeom prst="ellipse">
+                <a:avLst/>
+              </a:prstGeom>
+            </p:spPr>
+            <p:style>
+              <a:lnRef idx="2">
+                <a:schemeClr val="accent1">
+                  <a:shade val="50000"/>
+                </a:schemeClr>
+              </a:lnRef>
+              <a:fillRef idx="1">
+                <a:schemeClr val="accent1"/>
+              </a:fillRef>
+              <a:effectRef idx="0">
+                <a:schemeClr val="accent1"/>
+              </a:effectRef>
+              <a:fontRef idx="minor">
+                <a:schemeClr val="lt1"/>
+              </a:fontRef>
+            </p:style>
+            <p:txBody>
+              <a:bodyPr rtlCol="0" anchor="ctr"/>
+              <a:p>
+                <a:pPr algn="ctr"/>
+                <a:endParaRPr lang="zh-CN" altLang="en-US"/>
+              </a:p>
+            </p:txBody>
+          </p:sp>
+          <p:sp>
+            <p:nvSpPr>
+              <p:cNvPr id="40" name="文本框 39"/>
+              <p:cNvSpPr txBox="1"/>
+              <p:nvPr>
+                <p:custDataLst>
+                  <p:tags r:id="rId12"/>
+                </p:custDataLst>
+              </p:nvPr>
+            </p:nvSpPr>
+            <p:spPr>
+              <a:xfrm>
+                <a:off x="5618" y="2869"/>
+                <a:ext cx="662" cy="483"/>
+              </a:xfrm>
+              <a:prstGeom prst="rect">
+                <a:avLst/>
+              </a:prstGeom>
+              <a:noFill/>
+            </p:spPr>
+            <p:txBody>
+              <a:bodyPr wrap="square" rtlCol="0">
+                <a:spAutoFit/>
+              </a:bodyPr>
+              <a:p>
+                <a:r>
+                  <a:rPr lang="en-US" altLang="zh-CN" sz="1400" b="1"/>
+                  <a:t>5</a:t>
+                </a:r>
+                <a:endParaRPr lang="en-US" altLang="zh-CN" sz="1400" b="1"/>
+              </a:p>
+            </p:txBody>
+          </p:sp>
+        </p:grpSp>
+        <p:grpSp>
+          <p:nvGrpSpPr>
+            <p:cNvPr id="41" name="组合 40"/>
+            <p:cNvGrpSpPr/>
+            <p:nvPr/>
+          </p:nvGrpSpPr>
+          <p:grpSpPr>
+            <a:xfrm>
+              <a:off x="5585" y="6865"/>
+              <a:ext cx="701" cy="496"/>
+              <a:chOff x="5579" y="2869"/>
+              <a:chExt cx="701" cy="496"/>
+            </a:xfrm>
+          </p:grpSpPr>
+          <p:sp>
+            <p:nvSpPr>
+              <p:cNvPr id="42" name="椭圆 41"/>
+              <p:cNvSpPr/>
+              <p:nvPr>
+                <p:custDataLst>
+                  <p:tags r:id="rId13"/>
+                </p:custDataLst>
+              </p:nvPr>
+            </p:nvSpPr>
+            <p:spPr>
+              <a:xfrm>
+                <a:off x="5579" y="2882"/>
+                <a:ext cx="507" cy="483"/>
+              </a:xfrm>
+              <a:prstGeom prst="ellipse">
+                <a:avLst/>
+              </a:prstGeom>
+            </p:spPr>
+            <p:style>
+              <a:lnRef idx="2">
+                <a:schemeClr val="accent1">
+                  <a:shade val="50000"/>
+                </a:schemeClr>
+              </a:lnRef>
+              <a:fillRef idx="1">
+                <a:schemeClr val="accent1"/>
+              </a:fillRef>
+              <a:effectRef idx="0">
+                <a:schemeClr val="accent1"/>
+              </a:effectRef>
+              <a:fontRef idx="minor">
+                <a:schemeClr val="lt1"/>
+              </a:fontRef>
+            </p:style>
+            <p:txBody>
+              <a:bodyPr rtlCol="0" anchor="ctr"/>
+              <a:p>
+                <a:pPr algn="ctr"/>
+                <a:endParaRPr lang="zh-CN" altLang="en-US"/>
+              </a:p>
+            </p:txBody>
+          </p:sp>
+          <p:sp>
+            <p:nvSpPr>
+              <p:cNvPr id="43" name="文本框 42"/>
+              <p:cNvSpPr txBox="1"/>
+              <p:nvPr>
+                <p:custDataLst>
+                  <p:tags r:id="rId14"/>
+                </p:custDataLst>
+              </p:nvPr>
+            </p:nvSpPr>
+            <p:spPr>
+              <a:xfrm>
+                <a:off x="5618" y="2869"/>
+                <a:ext cx="662" cy="483"/>
+              </a:xfrm>
+              <a:prstGeom prst="rect">
+                <a:avLst/>
+              </a:prstGeom>
+              <a:noFill/>
+            </p:spPr>
+            <p:txBody>
+              <a:bodyPr wrap="square" rtlCol="0">
+                <a:spAutoFit/>
+              </a:bodyPr>
+              <a:p>
+                <a:r>
+                  <a:rPr lang="en-US" altLang="zh-CN" sz="1400" b="1"/>
+                  <a:t>6</a:t>
+                </a:r>
+                <a:endParaRPr lang="en-US" altLang="zh-CN" sz="1400" b="1"/>
+              </a:p>
+            </p:txBody>
+          </p:sp>
+        </p:grpSp>
+        <p:grpSp>
+          <p:nvGrpSpPr>
+            <p:cNvPr id="44" name="组合 43"/>
+            <p:cNvGrpSpPr/>
+            <p:nvPr/>
+          </p:nvGrpSpPr>
+          <p:grpSpPr>
+            <a:xfrm>
+              <a:off x="5585" y="7664"/>
+              <a:ext cx="701" cy="496"/>
+              <a:chOff x="5579" y="2869"/>
+              <a:chExt cx="701" cy="496"/>
+            </a:xfrm>
+          </p:grpSpPr>
+          <p:sp>
+            <p:nvSpPr>
+              <p:cNvPr id="45" name="椭圆 44"/>
+              <p:cNvSpPr/>
+              <p:nvPr>
+                <p:custDataLst>
+                  <p:tags r:id="rId15"/>
+                </p:custDataLst>
+              </p:nvPr>
+            </p:nvSpPr>
+            <p:spPr>
+              <a:xfrm>
+                <a:off x="5579" y="2882"/>
+                <a:ext cx="507" cy="483"/>
+              </a:xfrm>
+              <a:prstGeom prst="ellipse">
+                <a:avLst/>
+              </a:prstGeom>
+            </p:spPr>
+            <p:style>
+              <a:lnRef idx="2">
+                <a:schemeClr val="accent1">
+                  <a:shade val="50000"/>
+                </a:schemeClr>
+              </a:lnRef>
+              <a:fillRef idx="1">
+                <a:schemeClr val="accent1"/>
+              </a:fillRef>
+              <a:effectRef idx="0">
+                <a:schemeClr val="accent1"/>
+              </a:effectRef>
+              <a:fontRef idx="minor">
+                <a:schemeClr val="lt1"/>
+              </a:fontRef>
+            </p:style>
+            <p:txBody>
+              <a:bodyPr rtlCol="0" anchor="ctr"/>
+              <a:p>
+                <a:pPr algn="ctr"/>
+                <a:endParaRPr lang="zh-CN" altLang="en-US"/>
+              </a:p>
+            </p:txBody>
+          </p:sp>
+          <p:sp>
+            <p:nvSpPr>
+              <p:cNvPr id="46" name="文本框 45"/>
+              <p:cNvSpPr txBox="1"/>
+              <p:nvPr>
+                <p:custDataLst>
+                  <p:tags r:id="rId16"/>
+                </p:custDataLst>
+              </p:nvPr>
+            </p:nvSpPr>
+            <p:spPr>
+              <a:xfrm>
+                <a:off x="5618" y="2869"/>
+                <a:ext cx="662" cy="483"/>
+              </a:xfrm>
+              <a:prstGeom prst="rect">
+                <a:avLst/>
+              </a:prstGeom>
+              <a:noFill/>
+            </p:spPr>
+            <p:txBody>
+              <a:bodyPr wrap="square" rtlCol="0">
+                <a:spAutoFit/>
+              </a:bodyPr>
+              <a:p>
+                <a:r>
+                  <a:rPr lang="en-US" altLang="zh-CN" sz="1400" b="1"/>
+                  <a:t>7</a:t>
+                </a:r>
+                <a:endParaRPr lang="en-US" altLang="zh-CN" sz="1400" b="1"/>
+              </a:p>
+            </p:txBody>
+          </p:sp>
+        </p:grpSp>
+        <p:sp>
+          <p:nvSpPr>
+            <p:cNvPr id="50" name="文本框 49"/>
+            <p:cNvSpPr txBox="1"/>
+            <p:nvPr>
+              <p:custDataLst>
+                <p:tags r:id="rId17"/>
+              </p:custDataLst>
+            </p:nvPr>
+          </p:nvSpPr>
+          <p:spPr>
+            <a:xfrm>
+              <a:off x="6650" y="2883"/>
+              <a:ext cx="6950" cy="5237"/>
+            </a:xfrm>
+            <a:prstGeom prst="rect">
+              <a:avLst/>
+            </a:prstGeom>
+            <a:noFill/>
+          </p:spPr>
+          <p:txBody>
+            <a:bodyPr wrap="square" rtlCol="0">
+              <a:spAutoFit/>
+            </a:bodyPr>
+            <a:p>
+              <a:pPr algn="just">
+                <a:lnSpc>
+                  <a:spcPct val="90000"/>
+                </a:lnSpc>
+              </a:pPr>
+              <a:r>
+                <a:rPr lang="en-US" altLang="zh-CN"/>
+                <a:t>3000   6000               3200           2000 </a:t>
+              </a:r>
+              <a:endParaRPr lang="zh-CN" altLang="en-US"/>
+            </a:p>
+            <a:p>
+              <a:pPr algn="just">
+                <a:lnSpc>
+                  <a:spcPct val="90000"/>
+                </a:lnSpc>
+              </a:pPr>
+              <a:endParaRPr lang="zh-CN" altLang="en-US"/>
+            </a:p>
+            <a:p>
+              <a:pPr algn="just">
+                <a:lnSpc>
+                  <a:spcPct val="90000"/>
+                </a:lnSpc>
+              </a:pPr>
+              <a:r>
+                <a:rPr lang="en-US" altLang="zh-CN"/>
+                <a:t>4400   7600               3400           1880</a:t>
+              </a:r>
+              <a:endParaRPr lang="zh-CN" altLang="en-US"/>
+            </a:p>
+            <a:p>
+              <a:pPr algn="just">
+                <a:lnSpc>
+                  <a:spcPct val="90000"/>
+                </a:lnSpc>
+              </a:pPr>
+              <a:r>
+                <a:rPr lang="en-US" altLang="zh-CN"/>
+                <a:t> </a:t>
+              </a:r>
+              <a:endParaRPr lang="zh-CN" altLang="en-US"/>
+            </a:p>
+            <a:p>
+              <a:pPr algn="just">
+                <a:lnSpc>
+                  <a:spcPct val="90000"/>
+                </a:lnSpc>
+              </a:pPr>
+              <a:r>
+                <a:rPr lang="en-US" altLang="zh-CN"/>
+                <a:t>5800   9200               3600           1760</a:t>
+              </a:r>
+              <a:endParaRPr lang="zh-CN" altLang="en-US"/>
+            </a:p>
+            <a:p>
+              <a:pPr algn="just">
+                <a:lnSpc>
+                  <a:spcPct val="90000"/>
+                </a:lnSpc>
+              </a:pPr>
+              <a:endParaRPr lang="zh-CN" altLang="en-US"/>
+            </a:p>
+            <a:p>
+              <a:pPr algn="just">
+                <a:lnSpc>
+                  <a:spcPct val="90000"/>
+                </a:lnSpc>
+              </a:pPr>
+              <a:r>
+                <a:rPr lang="en-US" altLang="zh-CN"/>
+                <a:t>15400   22500           7100           2600</a:t>
+              </a:r>
+              <a:endParaRPr lang="en-US" altLang="zh-CN"/>
+            </a:p>
+            <a:p>
+              <a:pPr algn="just">
+                <a:lnSpc>
+                  <a:spcPct val="90000"/>
+                </a:lnSpc>
+              </a:pPr>
+              <a:endParaRPr lang="en-US" altLang="zh-CN"/>
+            </a:p>
+            <a:p>
+              <a:pPr algn="just">
+                <a:lnSpc>
+                  <a:spcPct val="90000"/>
+                </a:lnSpc>
+              </a:pPr>
+              <a:r>
+                <a:rPr lang="en-US" altLang="zh-CN"/>
+                <a:t>17200   25000           7800           2800</a:t>
+              </a:r>
+              <a:endParaRPr lang="en-US" altLang="zh-CN"/>
+            </a:p>
+            <a:p>
+              <a:pPr algn="just">
+                <a:lnSpc>
+                  <a:spcPct val="90000"/>
+                </a:lnSpc>
+              </a:pPr>
+              <a:endParaRPr lang="en-US" altLang="zh-CN"/>
+            </a:p>
+            <a:p>
+              <a:pPr algn="just">
+                <a:lnSpc>
+                  <a:spcPct val="90000"/>
+                </a:lnSpc>
+              </a:pPr>
+              <a:r>
+                <a:rPr lang="en-US" altLang="zh-CN"/>
+                <a:t>19200   27500           8300           2800</a:t>
+              </a:r>
+              <a:endParaRPr lang="en-US" altLang="zh-CN"/>
+            </a:p>
+            <a:p>
+              <a:pPr algn="just">
+                <a:lnSpc>
+                  <a:spcPct val="90000"/>
+                </a:lnSpc>
+              </a:pPr>
+              <a:endParaRPr lang="en-US" altLang="zh-CN"/>
+            </a:p>
+            <a:p>
+              <a:pPr algn="just">
+                <a:lnSpc>
+                  <a:spcPct val="90000"/>
+                </a:lnSpc>
+              </a:pPr>
+              <a:r>
+                <a:rPr lang="en-US" altLang="zh-CN"/>
+                <a:t>76000   105000        29000          8000</a:t>
+              </a:r>
+              <a:endParaRPr lang="zh-CN" altLang="en-US"/>
+            </a:p>
+          </p:txBody>
+        </p:sp>
+        <p:sp>
+          <p:nvSpPr>
+            <p:cNvPr id="51" name="文本框 50"/>
+            <p:cNvSpPr txBox="1"/>
+            <p:nvPr>
+              <p:custDataLst>
+                <p:tags r:id="rId18"/>
+              </p:custDataLst>
+            </p:nvPr>
+          </p:nvSpPr>
+          <p:spPr>
+            <a:xfrm>
+              <a:off x="6365" y="2098"/>
+              <a:ext cx="6726" cy="531"/>
+            </a:xfrm>
+            <a:prstGeom prst="rect">
+              <a:avLst/>
+            </a:prstGeom>
+            <a:noFill/>
+          </p:spPr>
+          <p:txBody>
+            <a:bodyPr wrap="square" rtlCol="0">
+              <a:spAutoFit/>
+            </a:bodyPr>
+            <a:p>
+              <a:r>
+                <a:rPr lang="en-US" altLang="zh-CN" sz="1600" b="1"/>
+                <a:t>    </a:t>
+              </a:r>
+              <a:r>
+                <a:rPr lang="zh-CN" altLang="en-US" sz="1600" b="1"/>
+                <a:t>原价</a:t>
+              </a:r>
+              <a:r>
+                <a:rPr lang="en-US" altLang="zh-CN" sz="1600" b="1"/>
+                <a:t>    </a:t>
+              </a:r>
+              <a:r>
+                <a:rPr lang="zh-CN" altLang="en-US" sz="1600" b="1"/>
+                <a:t>售价</a:t>
+              </a:r>
+              <a:r>
+                <a:rPr lang="en-US" altLang="zh-CN" sz="1600" b="1"/>
+                <a:t>                  </a:t>
+              </a:r>
+              <a:r>
+                <a:rPr lang="zh-CN" altLang="en-US" sz="1600" b="1"/>
+                <a:t>净赚</a:t>
+              </a:r>
+              <a:r>
+                <a:rPr lang="en-US" altLang="zh-CN" sz="1600" b="1"/>
+                <a:t>         </a:t>
+              </a:r>
+              <a:r>
+                <a:rPr lang="zh-CN" altLang="en-US" sz="1600" b="1"/>
+                <a:t>最大损失赚</a:t>
+              </a:r>
+              <a:r>
+                <a:rPr lang="en-US" altLang="zh-CN" sz="1600" b="1"/>
+                <a:t>           </a:t>
+              </a:r>
+              <a:endParaRPr lang="en-US" altLang="zh-CN" sz="1600" b="1"/>
+            </a:p>
+          </p:txBody>
+        </p:sp>
+      </p:grpSp>
+    </p:spTree>
+  </p:cSld>
+  <p:clrMapOvr>
+    <a:masterClrMapping/>
+  </p:clrMapOvr>
+</p:sld>
+</file>
+
+<file path=ppt/slides/slide9.xml><?xml version="1.0" encoding="utf-8"?>
+<p:sld xmlns:a="http://schemas.openxmlformats.org/drawingml/2006/main" xmlns:r="http://schemas.openxmlformats.org/officeDocument/2006/relationships" xmlns:p="http://schemas.openxmlformats.org/presentationml/2006/main">
+  <p:cSld>
+    <p:spTree>
+      <p:nvGrpSpPr>
+        <p:cNvPr id="1" name=""/>
+        <p:cNvGrpSpPr/>
+        <p:nvPr/>
+      </p:nvGrpSpPr>
+      <p:grpSpPr/>
+      <p:sp>
+        <p:nvSpPr>
+          <p:cNvPr id="4" name="下箭头 3"/>
+          <p:cNvSpPr/>
+          <p:nvPr/>
+        </p:nvSpPr>
+        <p:spPr>
+          <a:xfrm>
+            <a:off x="203200" y="0"/>
+            <a:ext cx="421640" cy="724535"/>
+          </a:xfrm>
+          <a:prstGeom prst="downArrow">
+            <a:avLst/>
+          </a:prstGeom>
+          <a:gradFill>
+            <a:gsLst>
+              <a:gs pos="23000">
+                <a:schemeClr val="accent1">
+                  <a:lumMod val="60000"/>
+                  <a:lumOff val="40000"/>
+                </a:schemeClr>
+              </a:gs>
+              <a:gs pos="100000">
+                <a:schemeClr val="accent1">
+                  <a:lumMod val="50000"/>
+                </a:schemeClr>
+              </a:gs>
+            </a:gsLst>
+            <a:lin ang="5400000" scaled="0"/>
+          </a:gradFill>
+          <a:ln>
+            <a:noFill/>
+          </a:ln>
+          <a:effectLst>
+            <a:outerShdw blurRad="50800" dist="38100" dir="5400000" algn="t" rotWithShape="0">
+              <a:prstClr val="black">
+                <a:alpha val="18000"/>
+              </a:prstClr>
+            </a:outerShdw>
+          </a:effectLst>
+        </p:spPr>
+        <p:style>
+          <a:lnRef idx="2">
+            <a:schemeClr val="accent1">
+              <a:shade val="50000"/>
+            </a:schemeClr>
+          </a:lnRef>
+          <a:fillRef idx="1">
+            <a:schemeClr val="accent1"/>
+          </a:fillRef>
+          <a:effectRef idx="0">
+            <a:schemeClr val="accent1"/>
+          </a:effectRef>
+          <a:fontRef idx="minor">
+            <a:schemeClr val="lt1"/>
+          </a:fontRef>
+        </p:style>
+        <p:txBody>
+          <a:bodyPr rtlCol="0" anchor="ctr"/>
+          <a:p>
+            <a:pPr algn="ctr"/>
+            <a:endParaRPr lang="zh-CN" altLang="en-US"/>
+          </a:p>
+        </p:txBody>
+      </p:sp>
+      <p:sp>
+        <p:nvSpPr>
+          <p:cNvPr id="5" name="文本框 4"/>
+          <p:cNvSpPr txBox="1"/>
+          <p:nvPr/>
+        </p:nvSpPr>
+        <p:spPr>
+          <a:xfrm>
+            <a:off x="624840" y="86360"/>
+            <a:ext cx="3865880" cy="583565"/>
+          </a:xfrm>
+          <a:prstGeom prst="rect">
+            <a:avLst/>
+          </a:prstGeom>
+          <a:noFill/>
+        </p:spPr>
+        <p:txBody>
+          <a:bodyPr wrap="square" rtlCol="0">
+            <a:spAutoFit/>
+          </a:bodyPr>
+          <a:p>
+            <a:r>
+              <a:rPr lang="zh-CN" altLang="en-US" sz="3200" b="1">
+                <a:solidFill>
+                  <a:schemeClr val="tx1"/>
+                </a:solidFill>
+                <a:effectLst>
+                  <a:outerShdw blurRad="38100" dist="19050" dir="2700000" algn="tl" rotWithShape="0">
+                    <a:schemeClr val="dk1">
+                      <a:alpha val="40000"/>
+                    </a:schemeClr>
+                  </a:outerShdw>
+                </a:effectLst>
+                <a:latin typeface="微软雅黑" panose="020B0503020204020204" charset="-122"/>
+                <a:ea typeface="微软雅黑" panose="020B0503020204020204" charset="-122"/>
+              </a:rPr>
+              <a:t>任务</a:t>
+            </a:r>
+            <a:r>
+              <a:rPr lang="zh-CN" altLang="en-US" sz="3200" b="1">
+                <a:solidFill>
+                  <a:schemeClr val="tx1"/>
+                </a:solidFill>
+                <a:effectLst>
+                  <a:outerShdw blurRad="38100" dist="19050" dir="2700000" algn="tl" rotWithShape="0">
+                    <a:schemeClr val="dk1">
+                      <a:alpha val="40000"/>
+                    </a:schemeClr>
+                  </a:outerShdw>
+                </a:effectLst>
+                <a:latin typeface="微软雅黑" panose="020B0503020204020204" charset="-122"/>
+                <a:ea typeface="微软雅黑" panose="020B0503020204020204" charset="-122"/>
+              </a:rPr>
+              <a:t>安排</a:t>
+            </a:r>
+            <a:endParaRPr lang="zh-CN" altLang="en-US" sz="3200" b="1">
+              <a:solidFill>
+                <a:schemeClr val="tx1"/>
+              </a:solidFill>
+              <a:effectLst>
+                <a:outerShdw blurRad="38100" dist="19050" dir="2700000" algn="tl" rotWithShape="0">
+                  <a:schemeClr val="dk1">
+                    <a:alpha val="40000"/>
+                  </a:schemeClr>
+                </a:outerShdw>
+              </a:effectLst>
+              <a:latin typeface="微软雅黑" panose="020B0503020204020204" charset="-122"/>
+              <a:ea typeface="微软雅黑" panose="020B0503020204020204" charset="-122"/>
+            </a:endParaRPr>
+          </a:p>
+        </p:txBody>
+      </p:sp>
+      <p:sp>
+        <p:nvSpPr>
+          <p:cNvPr id="9" name="矩形 8"/>
+          <p:cNvSpPr/>
+          <p:nvPr/>
+        </p:nvSpPr>
+        <p:spPr>
+          <a:xfrm>
+            <a:off x="203200" y="881380"/>
+            <a:ext cx="11826240" cy="5867400"/>
+          </a:xfrm>
+          <a:prstGeom prst="rect">
+            <a:avLst/>
+          </a:prstGeom>
+          <a:noFill/>
+          <a:ln w="28575">
+            <a:solidFill>
+              <a:schemeClr val="accent1">
+                <a:lumMod val="50000"/>
+              </a:schemeClr>
+            </a:solidFill>
+          </a:ln>
+          <a:effectLst/>
+        </p:spPr>
+        <p:style>
+          <a:lnRef idx="2">
+            <a:schemeClr val="accent1">
+              <a:shade val="50000"/>
+            </a:schemeClr>
+          </a:lnRef>
+          <a:fillRef idx="1">
+            <a:schemeClr val="accent1"/>
+          </a:fillRef>
+          <a:effectRef idx="0">
+            <a:schemeClr val="accent1"/>
+          </a:effectRef>
+          <a:fontRef idx="minor">
+            <a:schemeClr val="lt1"/>
+          </a:fontRef>
+        </p:style>
+        <p:txBody>
+          <a:bodyPr rtlCol="0" anchor="ctr"/>
+          <a:p>
+            <a:pPr algn="ctr"/>
+            <a:endParaRPr lang="zh-CN" altLang="en-US"/>
+          </a:p>
+        </p:txBody>
+      </p:sp>
+      <p:sp>
+        <p:nvSpPr>
+          <p:cNvPr id="6" name="矩形 5"/>
+          <p:cNvSpPr/>
+          <p:nvPr/>
+        </p:nvSpPr>
+        <p:spPr>
+          <a:xfrm>
+            <a:off x="202565" y="805815"/>
+            <a:ext cx="11826875" cy="76200"/>
+          </a:xfrm>
+          <a:prstGeom prst="rect">
+            <a:avLst/>
+          </a:prstGeom>
+          <a:gradFill>
+            <a:gsLst>
+              <a:gs pos="32000">
+                <a:schemeClr val="accent1">
+                  <a:lumMod val="60000"/>
+                  <a:lumOff val="40000"/>
+                </a:schemeClr>
+              </a:gs>
+              <a:gs pos="100000">
+                <a:schemeClr val="accent1">
+                  <a:lumMod val="50000"/>
+                </a:schemeClr>
+              </a:gs>
+            </a:gsLst>
+            <a:lin ang="0" scaled="0"/>
+          </a:gradFill>
+          <a:ln>
+            <a:noFill/>
+          </a:ln>
+          <a:effectLst>
+            <a:outerShdw blurRad="50800" dist="25400" dir="5400000" algn="t" rotWithShape="0">
+              <a:prstClr val="black">
+                <a:alpha val="19000"/>
+              </a:prstClr>
+            </a:outerShdw>
+          </a:effectLst>
+        </p:spPr>
+        <p:style>
+          <a:lnRef idx="2">
+            <a:schemeClr val="accent1">
+              <a:shade val="50000"/>
+            </a:schemeClr>
+          </a:lnRef>
+          <a:fillRef idx="1">
+            <a:schemeClr val="accent1"/>
+          </a:fillRef>
+          <a:effectRef idx="0">
+            <a:schemeClr val="accent1"/>
+          </a:effectRef>
+          <a:fontRef idx="minor">
+            <a:schemeClr val="lt1"/>
+          </a:fontRef>
+        </p:style>
+        <p:txBody>
+          <a:bodyPr rtlCol="0" anchor="ctr"/>
+          <a:p>
+            <a:pPr algn="ctr"/>
+            <a:endParaRPr lang="zh-CN" altLang="en-US"/>
+          </a:p>
+        </p:txBody>
+      </p:sp>
+      <p:grpSp>
+        <p:nvGrpSpPr>
+          <p:cNvPr id="35" name="组合 34"/>
+          <p:cNvGrpSpPr/>
+          <p:nvPr/>
+        </p:nvGrpSpPr>
+        <p:grpSpPr>
+          <a:xfrm>
+            <a:off x="2146935" y="1090696"/>
+            <a:ext cx="7925719" cy="5305371"/>
+            <a:chOff x="12041" y="2199"/>
+            <a:chExt cx="4405" cy="5704"/>
+          </a:xfrm>
+        </p:grpSpPr>
+        <p:sp>
+          <p:nvSpPr>
+            <p:cNvPr id="2" name="矩形 1"/>
+            <p:cNvSpPr/>
+            <p:nvPr>
+              <p:custDataLst>
+                <p:tags r:id="rId1"/>
+              </p:custDataLst>
+            </p:nvPr>
+          </p:nvSpPr>
+          <p:spPr>
+            <a:xfrm>
+              <a:off x="12041" y="2199"/>
+              <a:ext cx="4275" cy="5704"/>
+            </a:xfrm>
+            <a:prstGeom prst="rect">
+              <a:avLst/>
+            </a:prstGeom>
+            <a:solidFill>
+              <a:schemeClr val="accent5">
+                <a:lumMod val="20000"/>
+                <a:lumOff val="80000"/>
+              </a:schemeClr>
+            </a:solidFill>
+            <a:effectLst>
+              <a:outerShdw blurRad="50800" dist="38100" dir="5400000" algn="t" rotWithShape="0">
+                <a:prstClr val="black">
+                  <a:alpha val="24000"/>
+                </a:prstClr>
+              </a:outerShdw>
+            </a:effectLst>
+          </p:spPr>
+          <p:style>
+            <a:lnRef idx="2">
+              <a:schemeClr val="accent1">
+                <a:shade val="50000"/>
+              </a:schemeClr>
+            </a:lnRef>
+            <a:fillRef idx="1">
+              <a:schemeClr val="accent1"/>
+            </a:fillRef>
+            <a:effectRef idx="0">
+              <a:schemeClr val="accent1"/>
+            </a:effectRef>
+            <a:fontRef idx="minor">
+              <a:schemeClr val="lt1"/>
+            </a:fontRef>
+          </p:style>
+          <p:txBody>
+            <a:bodyPr rtlCol="0" anchor="ctr"/>
+            <a:p>
+              <a:pPr algn="ctr"/>
+              <a:endParaRPr lang="zh-CN" altLang="en-US"/>
+            </a:p>
+          </p:txBody>
+        </p:sp>
+        <p:sp>
+          <p:nvSpPr>
+            <p:cNvPr id="27" name="文本框 26"/>
+            <p:cNvSpPr txBox="1"/>
+            <p:nvPr>
+              <p:custDataLst>
+                <p:tags r:id="rId2"/>
+              </p:custDataLst>
+            </p:nvPr>
+          </p:nvSpPr>
+          <p:spPr>
+            <a:xfrm>
+              <a:off x="12134" y="2273"/>
+              <a:ext cx="4312" cy="5630"/>
+            </a:xfrm>
+            <a:prstGeom prst="rect">
+              <a:avLst/>
+            </a:prstGeom>
+            <a:noFill/>
+            <a:ln w="9525">
+              <a:noFill/>
+            </a:ln>
+          </p:spPr>
+          <p:txBody>
+            <a:bodyPr wrap="square">
+              <a:noAutofit/>
+            </a:bodyPr>
+            <a:p>
+              <a:pPr indent="0" algn="just">
+                <a:lnSpc>
+                  <a:spcPct val="140000"/>
+                </a:lnSpc>
+                <a:buFont typeface="Wingdings" panose="05000000000000000000" charset="0"/>
+                <a:buNone/>
+              </a:pPr>
+              <a:r>
+                <a:rPr lang="en-US" altLang="zh-CN" sz="1400">
+                  <a:latin typeface="微软雅黑" panose="020B0503020204020204" charset="-122"/>
+                  <a:ea typeface="微软雅黑" panose="020B0503020204020204" charset="-122"/>
+                  <a:cs typeface="微软雅黑" panose="020B0503020204020204" charset="-122"/>
+                  <a:sym typeface="+mn-ea"/>
+                </a:rPr>
+                <a:t>1</a:t>
+              </a:r>
+              <a:r>
+                <a:rPr lang="en-US" altLang="zh-CN">
+                  <a:latin typeface="微软雅黑" panose="020B0503020204020204" charset="-122"/>
+                  <a:ea typeface="微软雅黑" panose="020B0503020204020204" charset="-122"/>
+                  <a:cs typeface="微软雅黑" panose="020B0503020204020204" charset="-122"/>
+                  <a:sym typeface="+mn-ea"/>
+                </a:rPr>
+                <a:t>. </a:t>
+              </a:r>
+              <a:r>
+                <a:rPr lang="en-US" altLang="zh-CN" b="1">
+                  <a:solidFill>
+                    <a:srgbClr val="C00000"/>
+                  </a:solidFill>
+                  <a:highlight>
+                    <a:srgbClr val="00FFFF"/>
+                  </a:highlight>
+                  <a:sym typeface="+mn-ea"/>
+                </a:rPr>
+                <a:t>“</a:t>
+              </a:r>
+              <a:r>
+                <a:rPr lang="zh-CN" altLang="en-US" b="1">
+                  <a:solidFill>
+                    <a:srgbClr val="C00000"/>
+                  </a:solidFill>
+                  <a:highlight>
+                    <a:srgbClr val="00FFFF"/>
+                  </a:highlight>
+                  <a:sym typeface="+mn-ea"/>
+                </a:rPr>
+                <a:t>问题一</a:t>
+              </a:r>
+              <a:r>
+                <a:rPr lang="en-US" altLang="zh-CN" b="1">
+                  <a:solidFill>
+                    <a:srgbClr val="C00000"/>
+                  </a:solidFill>
+                  <a:highlight>
+                    <a:srgbClr val="00FFFF"/>
+                  </a:highlight>
+                  <a:sym typeface="+mn-ea"/>
+                </a:rPr>
+                <a:t>”</a:t>
+              </a:r>
+              <a:r>
+                <a:rPr lang="zh-CN" altLang="en-US" b="1">
+                  <a:highlight>
+                    <a:srgbClr val="00FFFF"/>
+                  </a:highlight>
+                  <a:sym typeface="+mn-ea"/>
+                </a:rPr>
+                <a:t>：负责人</a:t>
+              </a:r>
+              <a:endParaRPr lang="en-US" altLang="zh-CN" b="1">
+                <a:highlight>
+                  <a:srgbClr val="00FFFF"/>
+                </a:highlight>
+                <a:sym typeface="+mn-ea"/>
+              </a:endParaRPr>
+            </a:p>
+            <a:p>
+              <a:pPr marL="742950" lvl="1" indent="-285750" algn="just">
+                <a:lnSpc>
+                  <a:spcPct val="140000"/>
+                </a:lnSpc>
+                <a:buFont typeface="Wingdings" panose="05000000000000000000" charset="0"/>
+                <a:buChar char="l"/>
+              </a:pPr>
+              <a:r>
+                <a:rPr lang="zh-CN" altLang="en-US" b="1">
+                  <a:highlight>
+                    <a:srgbClr val="00FFFF"/>
+                  </a:highlight>
+                  <a:sym typeface="+mn-ea"/>
+                </a:rPr>
+                <a:t>生产工作台</a:t>
+              </a:r>
+              <a:r>
+                <a:rPr lang="zh-CN" altLang="en-US" b="1">
+                  <a:highlight>
+                    <a:srgbClr val="00FFFF"/>
+                  </a:highlight>
+                  <a:sym typeface="+mn-ea"/>
+                </a:rPr>
+                <a:t>优先级。</a:t>
+              </a:r>
+              <a:endParaRPr lang="zh-CN" altLang="en-US" b="1">
+                <a:highlight>
+                  <a:srgbClr val="00FFFF"/>
+                </a:highlight>
+                <a:sym typeface="+mn-ea"/>
+              </a:endParaRPr>
+            </a:p>
+            <a:p>
+              <a:pPr marL="742950" lvl="1" indent="-285750" algn="just">
+                <a:lnSpc>
+                  <a:spcPct val="140000"/>
+                </a:lnSpc>
+                <a:buFont typeface="Wingdings" panose="05000000000000000000" charset="0"/>
+                <a:buChar char="l"/>
+              </a:pPr>
+              <a:r>
+                <a:rPr lang="zh-CN" altLang="en-US" b="1">
+                  <a:highlight>
+                    <a:srgbClr val="00FFFF"/>
+                  </a:highlight>
+                  <a:sym typeface="+mn-ea"/>
+                </a:rPr>
+                <a:t>收购工作台</a:t>
+              </a:r>
+              <a:r>
+                <a:rPr lang="zh-CN" altLang="en-US" b="1">
+                  <a:highlight>
+                    <a:srgbClr val="00FFFF"/>
+                  </a:highlight>
+                  <a:sym typeface="+mn-ea"/>
+                </a:rPr>
+                <a:t>优先级。</a:t>
+              </a:r>
+              <a:endParaRPr lang="zh-CN" altLang="en-US" b="1">
+                <a:highlight>
+                  <a:srgbClr val="00FFFF"/>
+                </a:highlight>
+                <a:sym typeface="+mn-ea"/>
+              </a:endParaRPr>
+            </a:p>
+            <a:p>
+              <a:pPr marL="742950" lvl="1" indent="-285750" algn="just">
+                <a:lnSpc>
+                  <a:spcPct val="140000"/>
+                </a:lnSpc>
+                <a:buFont typeface="Wingdings" panose="05000000000000000000" charset="0"/>
+                <a:buChar char="l"/>
+              </a:pPr>
+              <a:r>
+                <a:rPr lang="zh-CN" altLang="en-US" b="1">
+                  <a:highlight>
+                    <a:srgbClr val="00FFFF"/>
+                  </a:highlight>
+                  <a:sym typeface="+mn-ea"/>
+                </a:rPr>
+                <a:t>特殊工作站队列中，</a:t>
+              </a:r>
+              <a:r>
+                <a:rPr lang="zh-CN" altLang="en-US" b="1">
+                  <a:highlight>
+                    <a:srgbClr val="00FFFF"/>
+                  </a:highlight>
+                  <a:sym typeface="+mn-ea"/>
+                </a:rPr>
+                <a:t>碰撞死锁</a:t>
+              </a:r>
+              <a:r>
+                <a:rPr lang="zh-CN" altLang="en-US" b="1">
+                  <a:highlight>
+                    <a:srgbClr val="00FFFF"/>
+                  </a:highlight>
+                  <a:sym typeface="+mn-ea"/>
+                </a:rPr>
+                <a:t>问题。</a:t>
+              </a:r>
+              <a:endParaRPr lang="zh-CN" altLang="en-US" b="1">
+                <a:highlight>
+                  <a:srgbClr val="00FFFF"/>
+                </a:highlight>
+                <a:sym typeface="+mn-ea"/>
+              </a:endParaRPr>
+            </a:p>
+            <a:p>
+              <a:pPr marL="742950" lvl="1" indent="-285750" algn="just">
+                <a:lnSpc>
+                  <a:spcPct val="140000"/>
+                </a:lnSpc>
+                <a:buFont typeface="Wingdings" panose="05000000000000000000" charset="0"/>
+                <a:buChar char="l"/>
+              </a:pPr>
+              <a:r>
+                <a:rPr lang="zh-CN" altLang="en-US" b="1">
+                  <a:highlight>
+                    <a:srgbClr val="00FFFF"/>
+                  </a:highlight>
+                  <a:sym typeface="+mn-ea"/>
+                </a:rPr>
+                <a:t>到达靶工作站不作为问题</a:t>
+              </a:r>
+              <a:endParaRPr lang="zh-CN" altLang="en-US" b="1">
+                <a:highlight>
+                  <a:srgbClr val="00FFFF"/>
+                </a:highlight>
+                <a:sym typeface="+mn-ea"/>
+              </a:endParaRPr>
+            </a:p>
+            <a:p>
+              <a:pPr indent="0" algn="just">
+                <a:lnSpc>
+                  <a:spcPct val="140000"/>
+                </a:lnSpc>
+                <a:buFont typeface="Wingdings" panose="05000000000000000000" charset="0"/>
+                <a:buNone/>
+              </a:pPr>
+              <a:r>
+                <a:rPr lang="en-US" altLang="zh-CN">
+                  <a:latin typeface="微软雅黑" panose="020B0503020204020204" charset="-122"/>
+                  <a:ea typeface="微软雅黑" panose="020B0503020204020204" charset="-122"/>
+                  <a:cs typeface="微软雅黑" panose="020B0503020204020204" charset="-122"/>
+                  <a:sym typeface="+mn-ea"/>
+                </a:rPr>
+                <a:t>2. </a:t>
+              </a:r>
+              <a:r>
+                <a:rPr lang="en-US" altLang="zh-CN" b="1">
+                  <a:solidFill>
+                    <a:srgbClr val="C00000"/>
+                  </a:solidFill>
+                  <a:highlight>
+                    <a:srgbClr val="00FFFF"/>
+                  </a:highlight>
+                  <a:sym typeface="+mn-ea"/>
+                </a:rPr>
+                <a:t>“</a:t>
+              </a:r>
+              <a:r>
+                <a:rPr lang="zh-CN" altLang="en-US" b="1">
+                  <a:solidFill>
+                    <a:srgbClr val="C00000"/>
+                  </a:solidFill>
+                  <a:highlight>
+                    <a:srgbClr val="00FFFF"/>
+                  </a:highlight>
+                  <a:sym typeface="+mn-ea"/>
+                </a:rPr>
+                <a:t>问题二</a:t>
+              </a:r>
+              <a:r>
+                <a:rPr lang="en-US" altLang="zh-CN" b="1">
+                  <a:solidFill>
+                    <a:srgbClr val="C00000"/>
+                  </a:solidFill>
+                  <a:highlight>
+                    <a:srgbClr val="00FFFF"/>
+                  </a:highlight>
+                  <a:sym typeface="+mn-ea"/>
+                </a:rPr>
+                <a:t>”</a:t>
+              </a:r>
+              <a:r>
+                <a:rPr lang="zh-CN" altLang="en-US" b="1">
+                  <a:solidFill>
+                    <a:srgbClr val="C00000"/>
+                  </a:solidFill>
+                  <a:highlight>
+                    <a:srgbClr val="00FFFF"/>
+                  </a:highlight>
+                  <a:sym typeface="+mn-ea"/>
+                </a:rPr>
+                <a:t>：</a:t>
+              </a:r>
+              <a:r>
+                <a:rPr lang="zh-CN" altLang="en-US" b="1">
+                  <a:solidFill>
+                    <a:schemeClr val="tx1"/>
+                  </a:solidFill>
+                  <a:highlight>
+                    <a:srgbClr val="00FFFF"/>
+                  </a:highlight>
+                  <a:sym typeface="+mn-ea"/>
+                </a:rPr>
+                <a:t>负责人</a:t>
+              </a:r>
+              <a:endParaRPr lang="zh-CN" altLang="en-US">
+                <a:solidFill>
+                  <a:schemeClr val="tx1"/>
+                </a:solidFill>
+                <a:latin typeface="微软雅黑" panose="020B0503020204020204" charset="-122"/>
+                <a:ea typeface="微软雅黑" panose="020B0503020204020204" charset="-122"/>
+                <a:cs typeface="微软雅黑" panose="020B0503020204020204" charset="-122"/>
+                <a:sym typeface="+mn-ea"/>
+              </a:endParaRPr>
+            </a:p>
+            <a:p>
+              <a:pPr marL="742950" lvl="2" indent="-285750" algn="just">
+                <a:lnSpc>
+                  <a:spcPct val="140000"/>
+                </a:lnSpc>
+                <a:buFont typeface="Wingdings" panose="05000000000000000000" charset="0"/>
+                <a:buChar char="l"/>
+              </a:pPr>
+              <a:r>
+                <a:rPr lang="zh-CN" altLang="en-US" b="1">
+                  <a:highlight>
+                    <a:srgbClr val="00FFFF"/>
+                  </a:highlight>
+                  <a:sym typeface="+mn-ea"/>
+                </a:rPr>
+                <a:t>考虑时间成本以及躲避障碍。（可最优解）</a:t>
+              </a:r>
+              <a:endParaRPr lang="zh-CN" altLang="en-US" b="1">
+                <a:highlight>
+                  <a:srgbClr val="00FFFF"/>
+                </a:highlight>
+                <a:sym typeface="+mn-ea"/>
+              </a:endParaRPr>
+            </a:p>
+            <a:p>
+              <a:pPr marL="742950" lvl="1" indent="-285750" algn="just">
+                <a:lnSpc>
+                  <a:spcPct val="140000"/>
+                </a:lnSpc>
+                <a:buClrTx/>
+                <a:buSzTx/>
+                <a:buFont typeface="Wingdings" panose="05000000000000000000" charset="0"/>
+                <a:buChar char="l"/>
+              </a:pPr>
+              <a:r>
+                <a:rPr lang="zh-CN" altLang="en-US">
+                  <a:latin typeface="微软雅黑" panose="020B0503020204020204" charset="-122"/>
+                  <a:ea typeface="微软雅黑" panose="020B0503020204020204" charset="-122"/>
+                  <a:cs typeface="微软雅黑" panose="020B0503020204020204" charset="-122"/>
+                  <a:sym typeface="+mn-ea"/>
+                </a:rPr>
+                <a:t>1. 走出完美曲线，最短时间到达靶工作站。（有最优解）</a:t>
+              </a:r>
+              <a:endParaRPr lang="zh-CN" altLang="en-US">
+                <a:latin typeface="微软雅黑" panose="020B0503020204020204" charset="-122"/>
+                <a:ea typeface="微软雅黑" panose="020B0503020204020204" charset="-122"/>
+                <a:cs typeface="微软雅黑" panose="020B0503020204020204" charset="-122"/>
+                <a:sym typeface="+mn-ea"/>
+              </a:endParaRPr>
+            </a:p>
+            <a:p>
+              <a:pPr marL="742950" lvl="1" indent="-285750" algn="just">
+                <a:lnSpc>
+                  <a:spcPct val="140000"/>
+                </a:lnSpc>
+                <a:buClrTx/>
+                <a:buSzTx/>
+                <a:buFont typeface="Wingdings" panose="05000000000000000000" charset="0"/>
+                <a:buChar char="l"/>
+              </a:pPr>
+              <a:r>
+                <a:rPr lang="zh-CN" altLang="en-US">
+                  <a:latin typeface="微软雅黑" panose="020B0503020204020204" charset="-122"/>
+                  <a:ea typeface="微软雅黑" panose="020B0503020204020204" charset="-122"/>
+                  <a:cs typeface="微软雅黑" panose="020B0503020204020204" charset="-122"/>
+                  <a:sym typeface="+mn-ea"/>
+                </a:rPr>
+                <a:t>2. 机器人碰撞检测，墙壁碰撞检测。（）</a:t>
+              </a:r>
+              <a:endParaRPr lang="zh-CN" altLang="en-US">
+                <a:latin typeface="微软雅黑" panose="020B0503020204020204" charset="-122"/>
+                <a:ea typeface="微软雅黑" panose="020B0503020204020204" charset="-122"/>
+                <a:cs typeface="微软雅黑" panose="020B0503020204020204" charset="-122"/>
+                <a:sym typeface="+mn-ea"/>
+              </a:endParaRPr>
+            </a:p>
+            <a:p>
+              <a:pPr indent="0" algn="just">
+                <a:lnSpc>
+                  <a:spcPct val="140000"/>
+                </a:lnSpc>
+                <a:buFont typeface="Wingdings" panose="05000000000000000000" charset="0"/>
+                <a:buNone/>
+              </a:pPr>
+              <a:r>
+                <a:rPr lang="en-US" altLang="zh-CN">
+                  <a:latin typeface="微软雅黑" panose="020B0503020204020204" charset="-122"/>
+                  <a:ea typeface="微软雅黑" panose="020B0503020204020204" charset="-122"/>
+                  <a:cs typeface="微软雅黑" panose="020B0503020204020204" charset="-122"/>
+                  <a:sym typeface="+mn-ea"/>
+                </a:rPr>
+                <a:t>3. </a:t>
+              </a:r>
+              <a:r>
+                <a:rPr lang="en-US" altLang="zh-CN" b="1">
+                  <a:solidFill>
+                    <a:srgbClr val="C00000"/>
+                  </a:solidFill>
+                  <a:highlight>
+                    <a:srgbClr val="00FFFF"/>
+                  </a:highlight>
+                  <a:sym typeface="+mn-ea"/>
+                </a:rPr>
+                <a:t>“</a:t>
+              </a:r>
+              <a:r>
+                <a:rPr lang="zh-CN" altLang="en-US" b="1">
+                  <a:solidFill>
+                    <a:srgbClr val="C00000"/>
+                  </a:solidFill>
+                  <a:highlight>
+                    <a:srgbClr val="00FFFF"/>
+                  </a:highlight>
+                  <a:sym typeface="+mn-ea"/>
+                </a:rPr>
+                <a:t>问题三</a:t>
+              </a:r>
+              <a:r>
+                <a:rPr lang="en-US" altLang="zh-CN" b="1">
+                  <a:solidFill>
+                    <a:srgbClr val="C00000"/>
+                  </a:solidFill>
+                  <a:highlight>
+                    <a:srgbClr val="00FFFF"/>
+                  </a:highlight>
+                  <a:sym typeface="+mn-ea"/>
+                </a:rPr>
+                <a:t>”</a:t>
+              </a:r>
+              <a:r>
+                <a:rPr lang="zh-CN" altLang="en-US" b="1">
+                  <a:solidFill>
+                    <a:srgbClr val="C00000"/>
+                  </a:solidFill>
+                  <a:highlight>
+                    <a:srgbClr val="00FFFF"/>
+                  </a:highlight>
+                  <a:sym typeface="+mn-ea"/>
+                </a:rPr>
+                <a:t>：</a:t>
+              </a:r>
+              <a:r>
+                <a:rPr lang="zh-CN" altLang="en-US" b="1">
+                  <a:highlight>
+                    <a:srgbClr val="00FFFF"/>
+                  </a:highlight>
+                  <a:sym typeface="+mn-ea"/>
+                </a:rPr>
+                <a:t>负责人</a:t>
+              </a:r>
+              <a:endParaRPr lang="zh-CN" altLang="en-US">
+                <a:solidFill>
+                  <a:schemeClr val="tx1"/>
+                </a:solidFill>
+                <a:latin typeface="微软雅黑" panose="020B0503020204020204" charset="-122"/>
+                <a:ea typeface="微软雅黑" panose="020B0503020204020204" charset="-122"/>
+                <a:cs typeface="微软雅黑" panose="020B0503020204020204" charset="-122"/>
+                <a:sym typeface="+mn-ea"/>
+              </a:endParaRPr>
+            </a:p>
+            <a:p>
+              <a:pPr marL="742950" lvl="2" indent="-285750" algn="just">
+                <a:lnSpc>
+                  <a:spcPct val="140000"/>
+                </a:lnSpc>
+                <a:buFont typeface="Wingdings" panose="05000000000000000000" charset="0"/>
+                <a:buChar char="l"/>
+              </a:pPr>
+              <a:r>
+                <a:rPr lang="zh-CN" altLang="en-US" b="1">
+                  <a:highlight>
+                    <a:srgbClr val="00FFFF"/>
+                  </a:highlight>
+                  <a:sym typeface="+mn-ea"/>
+                </a:rPr>
+                <a:t>考虑时间成本以及躲避障碍。（可最优解）</a:t>
+              </a:r>
+              <a:endParaRPr lang="zh-CN" altLang="en-US" b="1">
+                <a:highlight>
+                  <a:srgbClr val="00FFFF"/>
+                </a:highlight>
+                <a:sym typeface="+mn-ea"/>
+              </a:endParaRPr>
+            </a:p>
+            <a:p>
+              <a:pPr marL="742950" lvl="1" indent="-285750" algn="just">
+                <a:lnSpc>
+                  <a:spcPct val="140000"/>
+                </a:lnSpc>
+                <a:buClrTx/>
+                <a:buSzTx/>
+                <a:buFont typeface="Wingdings" panose="05000000000000000000" charset="0"/>
+                <a:buChar char="l"/>
+              </a:pPr>
+              <a:r>
+                <a:rPr lang="zh-CN" altLang="en-US">
+                  <a:latin typeface="微软雅黑" panose="020B0503020204020204" charset="-122"/>
+                  <a:ea typeface="微软雅黑" panose="020B0503020204020204" charset="-122"/>
+                  <a:cs typeface="微软雅黑" panose="020B0503020204020204" charset="-122"/>
+                  <a:sym typeface="+mn-ea"/>
+                </a:rPr>
+                <a:t>1. 走出完美曲线，最短时间到达靶工作站。（有最优解）</a:t>
+              </a:r>
+              <a:endParaRPr lang="zh-CN" altLang="en-US">
+                <a:latin typeface="微软雅黑" panose="020B0503020204020204" charset="-122"/>
+                <a:ea typeface="微软雅黑" panose="020B0503020204020204" charset="-122"/>
+                <a:cs typeface="微软雅黑" panose="020B0503020204020204" charset="-122"/>
+                <a:sym typeface="+mn-ea"/>
+              </a:endParaRPr>
+            </a:p>
+            <a:p>
+              <a:pPr marL="742950" lvl="1" indent="-285750" algn="just">
+                <a:lnSpc>
+                  <a:spcPct val="140000"/>
+                </a:lnSpc>
+                <a:buClrTx/>
+                <a:buSzTx/>
+                <a:buFont typeface="Wingdings" panose="05000000000000000000" charset="0"/>
+                <a:buChar char="l"/>
+              </a:pPr>
+              <a:r>
+                <a:rPr lang="zh-CN" altLang="en-US">
+                  <a:latin typeface="微软雅黑" panose="020B0503020204020204" charset="-122"/>
+                  <a:ea typeface="微软雅黑" panose="020B0503020204020204" charset="-122"/>
+                  <a:cs typeface="微软雅黑" panose="020B0503020204020204" charset="-122"/>
+                  <a:sym typeface="+mn-ea"/>
+                </a:rPr>
+                <a:t>2. 机器人碰撞检测，墙壁碰撞检测。（）</a:t>
+              </a:r>
+              <a:r>
+                <a:rPr lang="en-US" altLang="zh-CN" sz="1600" b="1">
+                  <a:highlight>
+                    <a:srgbClr val="00FFFF"/>
+                  </a:highlight>
+                  <a:sym typeface="+mn-ea"/>
+                </a:rPr>
+                <a:t>	</a:t>
+              </a:r>
+              <a:endParaRPr lang="en-US" altLang="zh-CN" sz="1600" b="1">
+                <a:solidFill>
+                  <a:schemeClr val="tx1"/>
+                </a:solidFill>
+                <a:highlight>
+                  <a:srgbClr val="00FFFF"/>
+                </a:highlight>
+                <a:latin typeface="微软雅黑" panose="020B0503020204020204" charset="-122"/>
+                <a:ea typeface="微软雅黑" panose="020B0503020204020204" charset="-122"/>
+                <a:cs typeface="微软雅黑" panose="020B0503020204020204" charset="-122"/>
+                <a:sym typeface="+mn-ea"/>
+              </a:endParaRPr>
+            </a:p>
+          </p:txBody>
+        </p:sp>
+      </p:grpSp>
     </p:spTree>
   </p:cSld>
   <p:clrMapOvr>
@@ -10478,12 +14830,71 @@
 
 <file path=ppt/tags/tag39.xml><?xml version="1.0" encoding="utf-8"?>
 <p:tagLst xmlns:p="http://schemas.openxmlformats.org/presentationml/2006/main">
-  <p:tag name="COMMONDATA" val="eyJoZGlkIjoiZTIyOGQxNTIzNTA2ZjJmOTAyNmEzNTdjYzAyMjMzMTIifQ=="/>
-  <p:tag name="KSO_WPP_MARK_KEY" val="57106572-17af-4763-bee3-f66a70fe43fc"/>
+  <p:tag name="KSO_WM_BEAUTIFY_FLAG" val=""/>
 </p:tagLst>
 </file>
 
 <file path=ppt/tags/tag4.xml><?xml version="1.0" encoding="utf-8"?>
+<p:tagLst xmlns:p="http://schemas.openxmlformats.org/presentationml/2006/main">
+  <p:tag name="KSO_WM_BEAUTIFY_FLAG" val=""/>
+</p:tagLst>
+</file>
+
+<file path=ppt/tags/tag40.xml><?xml version="1.0" encoding="utf-8"?>
+<p:tagLst xmlns:p="http://schemas.openxmlformats.org/presentationml/2006/main">
+  <p:tag name="KSO_WM_BEAUTIFY_FLAG" val=""/>
+</p:tagLst>
+</file>
+
+<file path=ppt/tags/tag41.xml><?xml version="1.0" encoding="utf-8"?>
+<p:tagLst xmlns:p="http://schemas.openxmlformats.org/presentationml/2006/main">
+  <p:tag name="KSO_WM_BEAUTIFY_FLAG" val=""/>
+</p:tagLst>
+</file>
+
+<file path=ppt/tags/tag42.xml><?xml version="1.0" encoding="utf-8"?>
+<p:tagLst xmlns:p="http://schemas.openxmlformats.org/presentationml/2006/main">
+  <p:tag name="KSO_WM_BEAUTIFY_FLAG" val=""/>
+</p:tagLst>
+</file>
+
+<file path=ppt/tags/tag43.xml><?xml version="1.0" encoding="utf-8"?>
+<p:tagLst xmlns:p="http://schemas.openxmlformats.org/presentationml/2006/main">
+  <p:tag name="KSO_WM_BEAUTIFY_FLAG" val=""/>
+</p:tagLst>
+</file>
+
+<file path=ppt/tags/tag44.xml><?xml version="1.0" encoding="utf-8"?>
+<p:tagLst xmlns:p="http://schemas.openxmlformats.org/presentationml/2006/main">
+  <p:tag name="KSO_WM_BEAUTIFY_FLAG" val=""/>
+</p:tagLst>
+</file>
+
+<file path=ppt/tags/tag45.xml><?xml version="1.0" encoding="utf-8"?>
+<p:tagLst xmlns:p="http://schemas.openxmlformats.org/presentationml/2006/main">
+  <p:tag name="KSO_WM_BEAUTIFY_FLAG" val=""/>
+</p:tagLst>
+</file>
+
+<file path=ppt/tags/tag46.xml><?xml version="1.0" encoding="utf-8"?>
+<p:tagLst xmlns:p="http://schemas.openxmlformats.org/presentationml/2006/main">
+  <p:tag name="KSO_WM_BEAUTIFY_FLAG" val=""/>
+</p:tagLst>
+</file>
+
+<file path=ppt/tags/tag47.xml><?xml version="1.0" encoding="utf-8"?>
+<p:tagLst xmlns:p="http://schemas.openxmlformats.org/presentationml/2006/main">
+  <p:tag name="KSO_WM_BEAUTIFY_FLAG" val=""/>
+</p:tagLst>
+</file>
+
+<file path=ppt/tags/tag48.xml><?xml version="1.0" encoding="utf-8"?>
+<p:tagLst xmlns:p="http://schemas.openxmlformats.org/presentationml/2006/main">
+  <p:tag name="KSO_WM_BEAUTIFY_FLAG" val=""/>
+</p:tagLst>
+</file>
+
+<file path=ppt/tags/tag49.xml><?xml version="1.0" encoding="utf-8"?>
 <p:tagLst xmlns:p="http://schemas.openxmlformats.org/presentationml/2006/main">
   <p:tag name="KSO_WM_BEAUTIFY_FLAG" val=""/>
 </p:tagLst>
@@ -10495,7 +14906,127 @@
 </p:tagLst>
 </file>
 
+<file path=ppt/tags/tag50.xml><?xml version="1.0" encoding="utf-8"?>
+<p:tagLst xmlns:p="http://schemas.openxmlformats.org/presentationml/2006/main">
+  <p:tag name="KSO_WM_BEAUTIFY_FLAG" val=""/>
+</p:tagLst>
+</file>
+
+<file path=ppt/tags/tag51.xml><?xml version="1.0" encoding="utf-8"?>
+<p:tagLst xmlns:p="http://schemas.openxmlformats.org/presentationml/2006/main">
+  <p:tag name="KSO_WM_BEAUTIFY_FLAG" val=""/>
+</p:tagLst>
+</file>
+
+<file path=ppt/tags/tag52.xml><?xml version="1.0" encoding="utf-8"?>
+<p:tagLst xmlns:p="http://schemas.openxmlformats.org/presentationml/2006/main">
+  <p:tag name="KSO_WM_BEAUTIFY_FLAG" val=""/>
+</p:tagLst>
+</file>
+
+<file path=ppt/tags/tag53.xml><?xml version="1.0" encoding="utf-8"?>
+<p:tagLst xmlns:p="http://schemas.openxmlformats.org/presentationml/2006/main">
+  <p:tag name="KSO_WM_BEAUTIFY_FLAG" val=""/>
+</p:tagLst>
+</file>
+
+<file path=ppt/tags/tag54.xml><?xml version="1.0" encoding="utf-8"?>
+<p:tagLst xmlns:p="http://schemas.openxmlformats.org/presentationml/2006/main">
+  <p:tag name="KSO_WM_BEAUTIFY_FLAG" val=""/>
+</p:tagLst>
+</file>
+
+<file path=ppt/tags/tag55.xml><?xml version="1.0" encoding="utf-8"?>
+<p:tagLst xmlns:p="http://schemas.openxmlformats.org/presentationml/2006/main">
+  <p:tag name="KSO_WM_BEAUTIFY_FLAG" val=""/>
+</p:tagLst>
+</file>
+
+<file path=ppt/tags/tag56.xml><?xml version="1.0" encoding="utf-8"?>
+<p:tagLst xmlns:p="http://schemas.openxmlformats.org/presentationml/2006/main">
+  <p:tag name="KSO_WM_BEAUTIFY_FLAG" val=""/>
+</p:tagLst>
+</file>
+
+<file path=ppt/tags/tag57.xml><?xml version="1.0" encoding="utf-8"?>
+<p:tagLst xmlns:p="http://schemas.openxmlformats.org/presentationml/2006/main">
+  <p:tag name="KSO_WM_BEAUTIFY_FLAG" val=""/>
+</p:tagLst>
+</file>
+
+<file path=ppt/tags/tag58.xml><?xml version="1.0" encoding="utf-8"?>
+<p:tagLst xmlns:p="http://schemas.openxmlformats.org/presentationml/2006/main">
+  <p:tag name="KSO_WM_BEAUTIFY_FLAG" val=""/>
+</p:tagLst>
+</file>
+
+<file path=ppt/tags/tag59.xml><?xml version="1.0" encoding="utf-8"?>
+<p:tagLst xmlns:p="http://schemas.openxmlformats.org/presentationml/2006/main">
+  <p:tag name="KSO_WM_BEAUTIFY_FLAG" val=""/>
+</p:tagLst>
+</file>
+
 <file path=ppt/tags/tag6.xml><?xml version="1.0" encoding="utf-8"?>
+<p:tagLst xmlns:p="http://schemas.openxmlformats.org/presentationml/2006/main">
+  <p:tag name="KSO_WM_BEAUTIFY_FLAG" val=""/>
+</p:tagLst>
+</file>
+
+<file path=ppt/tags/tag60.xml><?xml version="1.0" encoding="utf-8"?>
+<p:tagLst xmlns:p="http://schemas.openxmlformats.org/presentationml/2006/main">
+  <p:tag name="KSO_WM_BEAUTIFY_FLAG" val=""/>
+</p:tagLst>
+</file>
+
+<file path=ppt/tags/tag61.xml><?xml version="1.0" encoding="utf-8"?>
+<p:tagLst xmlns:p="http://schemas.openxmlformats.org/presentationml/2006/main">
+  <p:tag name="KSO_WM_BEAUTIFY_FLAG" val=""/>
+</p:tagLst>
+</file>
+
+<file path=ppt/tags/tag62.xml><?xml version="1.0" encoding="utf-8"?>
+<p:tagLst xmlns:p="http://schemas.openxmlformats.org/presentationml/2006/main">
+  <p:tag name="KSO_WM_BEAUTIFY_FLAG" val=""/>
+</p:tagLst>
+</file>
+
+<file path=ppt/tags/tag63.xml><?xml version="1.0" encoding="utf-8"?>
+<p:tagLst xmlns:p="http://schemas.openxmlformats.org/presentationml/2006/main">
+  <p:tag name="KSO_WM_BEAUTIFY_FLAG" val=""/>
+</p:tagLst>
+</file>
+
+<file path=ppt/tags/tag64.xml><?xml version="1.0" encoding="utf-8"?>
+<p:tagLst xmlns:p="http://schemas.openxmlformats.org/presentationml/2006/main">
+  <p:tag name="KSO_WM_BEAUTIFY_FLAG" val=""/>
+</p:tagLst>
+</file>
+
+<file path=ppt/tags/tag65.xml><?xml version="1.0" encoding="utf-8"?>
+<p:tagLst xmlns:p="http://schemas.openxmlformats.org/presentationml/2006/main">
+  <p:tag name="KSO_WM_BEAUTIFY_FLAG" val=""/>
+</p:tagLst>
+</file>
+
+<file path=ppt/tags/tag66.xml><?xml version="1.0" encoding="utf-8"?>
+<p:tagLst xmlns:p="http://schemas.openxmlformats.org/presentationml/2006/main">
+  <p:tag name="KSO_WM_BEAUTIFY_FLAG" val=""/>
+</p:tagLst>
+</file>
+
+<file path=ppt/tags/tag67.xml><?xml version="1.0" encoding="utf-8"?>
+<p:tagLst xmlns:p="http://schemas.openxmlformats.org/presentationml/2006/main">
+  <p:tag name="KSO_WM_BEAUTIFY_FLAG" val=""/>
+</p:tagLst>
+</file>
+
+<file path=ppt/tags/tag68.xml><?xml version="1.0" encoding="utf-8"?>
+<p:tagLst xmlns:p="http://schemas.openxmlformats.org/presentationml/2006/main">
+  <p:tag name="KSO_WM_BEAUTIFY_FLAG" val=""/>
+</p:tagLst>
+</file>
+
+<file path=ppt/tags/tag69.xml><?xml version="1.0" encoding="utf-8"?>
 <p:tagLst xmlns:p="http://schemas.openxmlformats.org/presentationml/2006/main">
   <p:tag name="KSO_WM_BEAUTIFY_FLAG" val=""/>
 </p:tagLst>
@@ -10507,9 +15038,118 @@
 </p:tagLst>
 </file>
 
+<file path=ppt/tags/tag70.xml><?xml version="1.0" encoding="utf-8"?>
+<p:tagLst xmlns:p="http://schemas.openxmlformats.org/presentationml/2006/main">
+  <p:tag name="KSO_WM_BEAUTIFY_FLAG" val=""/>
+</p:tagLst>
+</file>
+
+<file path=ppt/tags/tag71.xml><?xml version="1.0" encoding="utf-8"?>
+<p:tagLst xmlns:p="http://schemas.openxmlformats.org/presentationml/2006/main">
+  <p:tag name="KSO_WM_BEAUTIFY_FLAG" val=""/>
+</p:tagLst>
+</file>
+
+<file path=ppt/tags/tag72.xml><?xml version="1.0" encoding="utf-8"?>
+<p:tagLst xmlns:p="http://schemas.openxmlformats.org/presentationml/2006/main">
+  <p:tag name="KSO_WM_BEAUTIFY_FLAG" val=""/>
+</p:tagLst>
+</file>
+
+<file path=ppt/tags/tag73.xml><?xml version="1.0" encoding="utf-8"?>
+<p:tagLst xmlns:p="http://schemas.openxmlformats.org/presentationml/2006/main">
+  <p:tag name="KSO_WM_BEAUTIFY_FLAG" val=""/>
+</p:tagLst>
+</file>
+
+<file path=ppt/tags/tag74.xml><?xml version="1.0" encoding="utf-8"?>
+<p:tagLst xmlns:p="http://schemas.openxmlformats.org/presentationml/2006/main">
+  <p:tag name="KSO_WM_BEAUTIFY_FLAG" val=""/>
+</p:tagLst>
+</file>
+
+<file path=ppt/tags/tag75.xml><?xml version="1.0" encoding="utf-8"?>
+<p:tagLst xmlns:p="http://schemas.openxmlformats.org/presentationml/2006/main">
+  <p:tag name="KSO_WM_BEAUTIFY_FLAG" val=""/>
+</p:tagLst>
+</file>
+
+<file path=ppt/tags/tag76.xml><?xml version="1.0" encoding="utf-8"?>
+<p:tagLst xmlns:p="http://schemas.openxmlformats.org/presentationml/2006/main">
+  <p:tag name="KSO_WM_BEAUTIFY_FLAG" val=""/>
+</p:tagLst>
+</file>
+
+<file path=ppt/tags/tag77.xml><?xml version="1.0" encoding="utf-8"?>
+<p:tagLst xmlns:p="http://schemas.openxmlformats.org/presentationml/2006/main">
+  <p:tag name="KSO_WM_BEAUTIFY_FLAG" val=""/>
+</p:tagLst>
+</file>
+
+<file path=ppt/tags/tag78.xml><?xml version="1.0" encoding="utf-8"?>
+<p:tagLst xmlns:p="http://schemas.openxmlformats.org/presentationml/2006/main">
+  <p:tag name="KSO_WM_BEAUTIFY_FLAG" val=""/>
+</p:tagLst>
+</file>
+
+<file path=ppt/tags/tag79.xml><?xml version="1.0" encoding="utf-8"?>
+<p:tagLst xmlns:p="http://schemas.openxmlformats.org/presentationml/2006/main">
+  <p:tag name="KSO_WM_BEAUTIFY_FLAG" val=""/>
+</p:tagLst>
+</file>
+
 <file path=ppt/tags/tag8.xml><?xml version="1.0" encoding="utf-8"?>
 <p:tagLst xmlns:p="http://schemas.openxmlformats.org/presentationml/2006/main">
   <p:tag name="KSO_WM_BEAUTIFY_FLAG" val=""/>
+</p:tagLst>
+</file>
+
+<file path=ppt/tags/tag80.xml><?xml version="1.0" encoding="utf-8"?>
+<p:tagLst xmlns:p="http://schemas.openxmlformats.org/presentationml/2006/main">
+  <p:tag name="KSO_WM_BEAUTIFY_FLAG" val=""/>
+</p:tagLst>
+</file>
+
+<file path=ppt/tags/tag81.xml><?xml version="1.0" encoding="utf-8"?>
+<p:tagLst xmlns:p="http://schemas.openxmlformats.org/presentationml/2006/main">
+  <p:tag name="KSO_WM_BEAUTIFY_FLAG" val=""/>
+</p:tagLst>
+</file>
+
+<file path=ppt/tags/tag82.xml><?xml version="1.0" encoding="utf-8"?>
+<p:tagLst xmlns:p="http://schemas.openxmlformats.org/presentationml/2006/main">
+  <p:tag name="KSO_WM_BEAUTIFY_FLAG" val=""/>
+</p:tagLst>
+</file>
+
+<file path=ppt/tags/tag83.xml><?xml version="1.0" encoding="utf-8"?>
+<p:tagLst xmlns:p="http://schemas.openxmlformats.org/presentationml/2006/main">
+  <p:tag name="KSO_WM_BEAUTIFY_FLAG" val=""/>
+</p:tagLst>
+</file>
+
+<file path=ppt/tags/tag84.xml><?xml version="1.0" encoding="utf-8"?>
+<p:tagLst xmlns:p="http://schemas.openxmlformats.org/presentationml/2006/main">
+  <p:tag name="KSO_WM_BEAUTIFY_FLAG" val=""/>
+</p:tagLst>
+</file>
+
+<file path=ppt/tags/tag85.xml><?xml version="1.0" encoding="utf-8"?>
+<p:tagLst xmlns:p="http://schemas.openxmlformats.org/presentationml/2006/main">
+  <p:tag name="KSO_WM_BEAUTIFY_FLAG" val=""/>
+</p:tagLst>
+</file>
+
+<file path=ppt/tags/tag86.xml><?xml version="1.0" encoding="utf-8"?>
+<p:tagLst xmlns:p="http://schemas.openxmlformats.org/presentationml/2006/main">
+  <p:tag name="KSO_WM_BEAUTIFY_FLAG" val=""/>
+</p:tagLst>
+</file>
+
+<file path=ppt/tags/tag87.xml><?xml version="1.0" encoding="utf-8"?>
+<p:tagLst xmlns:p="http://schemas.openxmlformats.org/presentationml/2006/main">
+  <p:tag name="COMMONDATA" val="eyJoZGlkIjoiZTIyOGQxNTIzNTA2ZjJmOTAyNmEzNTdjYzAyMjMzMTIifQ=="/>
+  <p:tag name="KSO_WPP_MARK_KEY" val="57106572-17af-4763-bee3-f66a70fe43fc"/>
 </p:tagLst>
 </file>
 
